--- a/Team 35. JDBC/jdbc.pptx
+++ b/Team 35. JDBC/jdbc.pptx
@@ -5,7 +5,7 @@
     <p:sldMasterId id="2147483648" r:id="rId1"/>
   </p:sldMasterIdLst>
   <p:notesMasterIdLst>
-    <p:notesMasterId r:id="rId23"/>
+    <p:notesMasterId r:id="rId24"/>
   </p:notesMasterIdLst>
   <p:sldIdLst>
     <p:sldId id="284" r:id="rId2"/>
@@ -13,22 +13,23 @@
     <p:sldId id="289" r:id="rId4"/>
     <p:sldId id="290" r:id="rId5"/>
     <p:sldId id="264" r:id="rId6"/>
-    <p:sldId id="265" r:id="rId7"/>
-    <p:sldId id="275" r:id="rId8"/>
-    <p:sldId id="267" r:id="rId9"/>
-    <p:sldId id="268" r:id="rId10"/>
-    <p:sldId id="269" r:id="rId11"/>
-    <p:sldId id="270" r:id="rId12"/>
-    <p:sldId id="271" r:id="rId13"/>
-    <p:sldId id="272" r:id="rId14"/>
-    <p:sldId id="274" r:id="rId15"/>
-    <p:sldId id="276" r:id="rId16"/>
-    <p:sldId id="277" r:id="rId17"/>
-    <p:sldId id="278" r:id="rId18"/>
-    <p:sldId id="279" r:id="rId19"/>
-    <p:sldId id="280" r:id="rId20"/>
-    <p:sldId id="281" r:id="rId21"/>
-    <p:sldId id="287" r:id="rId22"/>
+    <p:sldId id="291" r:id="rId7"/>
+    <p:sldId id="265" r:id="rId8"/>
+    <p:sldId id="275" r:id="rId9"/>
+    <p:sldId id="267" r:id="rId10"/>
+    <p:sldId id="268" r:id="rId11"/>
+    <p:sldId id="269" r:id="rId12"/>
+    <p:sldId id="270" r:id="rId13"/>
+    <p:sldId id="271" r:id="rId14"/>
+    <p:sldId id="272" r:id="rId15"/>
+    <p:sldId id="274" r:id="rId16"/>
+    <p:sldId id="276" r:id="rId17"/>
+    <p:sldId id="277" r:id="rId18"/>
+    <p:sldId id="278" r:id="rId19"/>
+    <p:sldId id="279" r:id="rId20"/>
+    <p:sldId id="280" r:id="rId21"/>
+    <p:sldId id="281" r:id="rId22"/>
+    <p:sldId id="287" r:id="rId23"/>
   </p:sldIdLst>
   <p:sldSz cx="12192000" cy="6858000"/>
   <p:notesSz cx="6858000" cy="9144000"/>
@@ -217,7 +218,7 @@
           <a:p>
             <a:fld id="{88E4C534-89E5-41CA-A379-DFE344071DA7}" type="datetimeFigureOut">
               <a:rPr lang="ru-RU" smtClean="0"/>
-              <a:t>13.12.2025</a:t>
+              <a:t>17.12.2025</a:t>
             </a:fld>
             <a:endParaRPr lang="ru-RU"/>
           </a:p>
@@ -631,7 +632,7 @@
           <a:p>
             <a:fld id="{DF4E4ECB-F258-4E22-879A-7D350F2C0172}" type="datetimeFigureOut">
               <a:rPr lang="ru-RU" smtClean="0"/>
-              <a:t>13.12.2025</a:t>
+              <a:t>17.12.2025</a:t>
             </a:fld>
             <a:endParaRPr lang="ru-RU"/>
           </a:p>
@@ -829,7 +830,7 @@
           <a:p>
             <a:fld id="{DF4E4ECB-F258-4E22-879A-7D350F2C0172}" type="datetimeFigureOut">
               <a:rPr lang="ru-RU" smtClean="0"/>
-              <a:t>13.12.2025</a:t>
+              <a:t>17.12.2025</a:t>
             </a:fld>
             <a:endParaRPr lang="ru-RU"/>
           </a:p>
@@ -1037,7 +1038,7 @@
           <a:p>
             <a:fld id="{DF4E4ECB-F258-4E22-879A-7D350F2C0172}" type="datetimeFigureOut">
               <a:rPr lang="ru-RU" smtClean="0"/>
-              <a:t>13.12.2025</a:t>
+              <a:t>17.12.2025</a:t>
             </a:fld>
             <a:endParaRPr lang="ru-RU"/>
           </a:p>
@@ -1270,7 +1271,7 @@
           <a:p>
             <a:fld id="{DF4E4ECB-F258-4E22-879A-7D350F2C0172}" type="datetimeFigureOut">
               <a:rPr lang="ru-RU" smtClean="0"/>
-              <a:t>13.12.2025</a:t>
+              <a:t>17.12.2025</a:t>
             </a:fld>
             <a:endParaRPr lang="ru-RU"/>
           </a:p>
@@ -1545,7 +1546,7 @@
           <a:p>
             <a:fld id="{DF4E4ECB-F258-4E22-879A-7D350F2C0172}" type="datetimeFigureOut">
               <a:rPr lang="ru-RU" smtClean="0"/>
-              <a:t>13.12.2025</a:t>
+              <a:t>17.12.2025</a:t>
             </a:fld>
             <a:endParaRPr lang="ru-RU"/>
           </a:p>
@@ -1810,7 +1811,7 @@
           <a:p>
             <a:fld id="{DF4E4ECB-F258-4E22-879A-7D350F2C0172}" type="datetimeFigureOut">
               <a:rPr lang="ru-RU" smtClean="0"/>
-              <a:t>13.12.2025</a:t>
+              <a:t>17.12.2025</a:t>
             </a:fld>
             <a:endParaRPr lang="ru-RU"/>
           </a:p>
@@ -2222,7 +2223,7 @@
           <a:p>
             <a:fld id="{DF4E4ECB-F258-4E22-879A-7D350F2C0172}" type="datetimeFigureOut">
               <a:rPr lang="ru-RU" smtClean="0"/>
-              <a:t>13.12.2025</a:t>
+              <a:t>17.12.2025</a:t>
             </a:fld>
             <a:endParaRPr lang="ru-RU"/>
           </a:p>
@@ -2363,7 +2364,7 @@
           <a:p>
             <a:fld id="{DF4E4ECB-F258-4E22-879A-7D350F2C0172}" type="datetimeFigureOut">
               <a:rPr lang="ru-RU" smtClean="0"/>
-              <a:t>13.12.2025</a:t>
+              <a:t>17.12.2025</a:t>
             </a:fld>
             <a:endParaRPr lang="ru-RU"/>
           </a:p>
@@ -2476,7 +2477,7 @@
           <a:p>
             <a:fld id="{DF4E4ECB-F258-4E22-879A-7D350F2C0172}" type="datetimeFigureOut">
               <a:rPr lang="ru-RU" smtClean="0"/>
-              <a:t>13.12.2025</a:t>
+              <a:t>17.12.2025</a:t>
             </a:fld>
             <a:endParaRPr lang="ru-RU"/>
           </a:p>
@@ -2787,7 +2788,7 @@
           <a:p>
             <a:fld id="{DF4E4ECB-F258-4E22-879A-7D350F2C0172}" type="datetimeFigureOut">
               <a:rPr lang="ru-RU" smtClean="0"/>
-              <a:t>13.12.2025</a:t>
+              <a:t>17.12.2025</a:t>
             </a:fld>
             <a:endParaRPr lang="ru-RU"/>
           </a:p>
@@ -3078,7 +3079,7 @@
           <a:p>
             <a:fld id="{DF4E4ECB-F258-4E22-879A-7D350F2C0172}" type="datetimeFigureOut">
               <a:rPr lang="ru-RU" smtClean="0"/>
-              <a:t>13.12.2025</a:t>
+              <a:t>17.12.2025</a:t>
             </a:fld>
             <a:endParaRPr lang="ru-RU"/>
           </a:p>
@@ -3319,7 +3320,7 @@
           <a:p>
             <a:fld id="{DF4E4ECB-F258-4E22-879A-7D350F2C0172}" type="datetimeFigureOut">
               <a:rPr lang="ru-RU" smtClean="0"/>
-              <a:t>13.12.2025</a:t>
+              <a:t>17.12.2025</a:t>
             </a:fld>
             <a:endParaRPr lang="ru-RU"/>
           </a:p>
@@ -3873,8 +3874,10 @@
                 <a:ea typeface="Instrument Sans Semi Bold" pitchFamily="34" charset="-122"/>
                 <a:cs typeface="Instrument Sans Semi Bold" pitchFamily="34" charset="-120"/>
               </a:rPr>
-              <a:t>Бирюко</a:t>
-            </a:r>
+              <a:t>Бирюков В. А.</a:t>
+            </a:r>
+          </a:p>
+          <a:p>
             <a:r>
               <a:rPr lang="ru-RU" sz="2000" dirty="0" smtClean="0">
                 <a:solidFill>
@@ -3886,35 +3889,7 @@
                 <a:ea typeface="Instrument Sans Semi Bold" pitchFamily="34" charset="-122"/>
                 <a:cs typeface="Instrument Sans Semi Bold" pitchFamily="34" charset="-120"/>
               </a:rPr>
-              <a:t>в В. А.</a:t>
-            </a:r>
-          </a:p>
-          <a:p>
-            <a:r>
-              <a:rPr lang="ru-RU" sz="2000" dirty="0" smtClean="0">
-                <a:solidFill>
-                  <a:schemeClr val="bg2">
-                    <a:lumMod val="10000"/>
-                  </a:schemeClr>
-                </a:solidFill>
-                <a:latin typeface="Bahnschrift SemiBold" panose="020B0502040204020203" pitchFamily="34" charset="0"/>
-                <a:ea typeface="Instrument Sans Semi Bold" pitchFamily="34" charset="-122"/>
-                <a:cs typeface="Instrument Sans Semi Bold" pitchFamily="34" charset="-120"/>
-              </a:rPr>
-              <a:t>Эйсмонт А. </a:t>
-            </a:r>
-            <a:r>
-              <a:rPr lang="ru-RU" sz="2000" dirty="0" smtClean="0">
-                <a:solidFill>
-                  <a:schemeClr val="bg2">
-                    <a:lumMod val="10000"/>
-                  </a:schemeClr>
-                </a:solidFill>
-                <a:latin typeface="Bahnschrift SemiBold" panose="020B0502040204020203" pitchFamily="34" charset="0"/>
-                <a:ea typeface="Instrument Sans Semi Bold" pitchFamily="34" charset="-122"/>
-                <a:cs typeface="Instrument Sans Semi Bold" pitchFamily="34" charset="-120"/>
-              </a:rPr>
-              <a:t>Ю.</a:t>
+              <a:t>Эйсмонт А. Ю.</a:t>
             </a:r>
             <a:endParaRPr lang="en-US" sz="2000" dirty="0">
               <a:solidFill>
@@ -3943,6 +3918,851 @@
 </file>
 
 <file path=ppt/slides/slide10.xml><?xml version="1.0" encoding="utf-8"?>
+<p:sld xmlns:a="http://schemas.openxmlformats.org/drawingml/2006/main" xmlns:r="http://schemas.openxmlformats.org/officeDocument/2006/relationships" xmlns:p="http://schemas.openxmlformats.org/presentationml/2006/main">
+  <p:cSld>
+    <p:spTree>
+      <p:nvGrpSpPr>
+        <p:cNvPr id="1" name=""/>
+        <p:cNvGrpSpPr/>
+        <p:nvPr/>
+      </p:nvGrpSpPr>
+      <p:grpSpPr>
+        <a:xfrm>
+          <a:off x="0" y="0"/>
+          <a:ext cx="0" cy="0"/>
+          <a:chOff x="0" y="0"/>
+          <a:chExt cx="0" cy="0"/>
+        </a:xfrm>
+      </p:grpSpPr>
+      <p:sp>
+        <p:nvSpPr>
+          <p:cNvPr id="3" name="TextBox 2">
+            <a:extLst>
+              <a:ext uri="{FF2B5EF4-FFF2-40B4-BE49-F238E27FC236}">
+                <a16:creationId xmlns:a16="http://schemas.microsoft.com/office/drawing/2014/main" id="{012FD95E-2EF4-AFB5-E918-382258E472C9}"/>
+              </a:ext>
+            </a:extLst>
+          </p:cNvPr>
+          <p:cNvSpPr txBox="1"/>
+          <p:nvPr/>
+        </p:nvSpPr>
+        <p:spPr>
+          <a:xfrm>
+            <a:off x="725714" y="705483"/>
+            <a:ext cx="2780393" cy="553998"/>
+          </a:xfrm>
+          <a:prstGeom prst="rect">
+            <a:avLst/>
+          </a:prstGeom>
+          <a:noFill/>
+        </p:spPr>
+        <p:txBody>
+          <a:bodyPr wrap="square">
+            <a:spAutoFit/>
+          </a:bodyPr>
+          <a:lstStyle/>
+          <a:p>
+            <a:r>
+              <a:rPr lang="en-US" sz="3000" dirty="0">
+                <a:solidFill>
+                  <a:schemeClr val="accent1">
+                    <a:lumMod val="75000"/>
+                  </a:schemeClr>
+                </a:solidFill>
+                <a:latin typeface="Bahnschrift SemiBold" panose="020B0502040204020203" pitchFamily="34" charset="0"/>
+              </a:rPr>
+              <a:t>DAO PATTERN</a:t>
+            </a:r>
+            <a:endParaRPr lang="ru-RU" sz="3000" dirty="0">
+              <a:solidFill>
+                <a:schemeClr val="accent1">
+                  <a:lumMod val="75000"/>
+                </a:schemeClr>
+              </a:solidFill>
+              <a:latin typeface="Bahnschrift SemiBold" panose="020B0502040204020203" pitchFamily="34" charset="0"/>
+            </a:endParaRPr>
+          </a:p>
+        </p:txBody>
+      </p:sp>
+      <p:sp>
+        <p:nvSpPr>
+          <p:cNvPr id="5" name="TextBox 4">
+            <a:extLst>
+              <a:ext uri="{FF2B5EF4-FFF2-40B4-BE49-F238E27FC236}">
+                <a16:creationId xmlns:a16="http://schemas.microsoft.com/office/drawing/2014/main" id="{EDCFDCA9-A711-E443-AFCF-B9F3632D7C7A}"/>
+              </a:ext>
+            </a:extLst>
+          </p:cNvPr>
+          <p:cNvSpPr txBox="1"/>
+          <p:nvPr/>
+        </p:nvSpPr>
+        <p:spPr>
+          <a:xfrm>
+            <a:off x="725713" y="1683602"/>
+            <a:ext cx="4612405" cy="784830"/>
+          </a:xfrm>
+          <a:prstGeom prst="rect">
+            <a:avLst/>
+          </a:prstGeom>
+          <a:noFill/>
+        </p:spPr>
+        <p:txBody>
+          <a:bodyPr wrap="square">
+            <a:spAutoFit/>
+          </a:bodyPr>
+          <a:lstStyle/>
+          <a:p>
+            <a:r>
+              <a:rPr lang="ru-RU" sz="1500" dirty="0" smtClean="0">
+                <a:latin typeface="Corbel" panose="020B0503020204020204" pitchFamily="34" charset="0"/>
+              </a:rPr>
+              <a:t>Допустим</a:t>
+            </a:r>
+            <a:r>
+              <a:rPr lang="ru-RU" sz="1500" dirty="0">
+                <a:latin typeface="Corbel" panose="020B0503020204020204" pitchFamily="34" charset="0"/>
+              </a:rPr>
+              <a:t>, у вас есть </a:t>
+            </a:r>
+            <a:r>
+              <a:rPr lang="ru-RU" sz="1500" dirty="0" err="1" smtClean="0">
+                <a:latin typeface="Corbel" panose="020B0503020204020204" pitchFamily="34" charset="0"/>
+              </a:rPr>
+              <a:t>OrderService</a:t>
+            </a:r>
+            <a:r>
+              <a:rPr lang="ru-RU" sz="1500" dirty="0" smtClean="0">
+                <a:latin typeface="Corbel" panose="020B0503020204020204" pitchFamily="34" charset="0"/>
+              </a:rPr>
+              <a:t>, где вы производите различные сложные операции с заказами, внутри которых выполняете </a:t>
+            </a:r>
+            <a:r>
+              <a:rPr lang="en-US" sz="1500" dirty="0" smtClean="0">
+                <a:latin typeface="Corbel" panose="020B0503020204020204" pitchFamily="34" charset="0"/>
+              </a:rPr>
+              <a:t>SQL</a:t>
+            </a:r>
+            <a:r>
+              <a:rPr lang="ru-RU" sz="1500" dirty="0" smtClean="0">
+                <a:latin typeface="Corbel" panose="020B0503020204020204" pitchFamily="34" charset="0"/>
+              </a:rPr>
+              <a:t> запросы:</a:t>
+            </a:r>
+            <a:endParaRPr lang="ru-RU" sz="1500" dirty="0">
+              <a:latin typeface="Corbel" panose="020B0503020204020204" pitchFamily="34" charset="0"/>
+            </a:endParaRPr>
+          </a:p>
+        </p:txBody>
+      </p:sp>
+      <p:sp>
+        <p:nvSpPr>
+          <p:cNvPr id="7" name="TextBox 6">
+            <a:extLst>
+              <a:ext uri="{FF2B5EF4-FFF2-40B4-BE49-F238E27FC236}">
+                <a16:creationId xmlns:a16="http://schemas.microsoft.com/office/drawing/2014/main" id="{7BB25DE8-917C-CBBF-06CA-2F85E9610D35}"/>
+              </a:ext>
+            </a:extLst>
+          </p:cNvPr>
+          <p:cNvSpPr txBox="1"/>
+          <p:nvPr/>
+        </p:nvSpPr>
+        <p:spPr>
+          <a:xfrm>
+            <a:off x="6059714" y="982482"/>
+            <a:ext cx="5406572" cy="5168862"/>
+          </a:xfrm>
+          <a:prstGeom prst="roundRect">
+            <a:avLst/>
+          </a:prstGeom>
+          <a:solidFill>
+            <a:schemeClr val="tx1">
+              <a:lumMod val="95000"/>
+              <a:lumOff val="5000"/>
+            </a:schemeClr>
+          </a:solidFill>
+        </p:spPr>
+        <p:txBody>
+          <a:bodyPr wrap="square">
+            <a:spAutoFit/>
+          </a:bodyPr>
+          <a:lstStyle/>
+          <a:p>
+            <a:r>
+              <a:rPr lang="en-US" sz="1417" dirty="0">
+                <a:solidFill>
+                  <a:srgbClr val="D47DFF"/>
+                </a:solidFill>
+                <a:latin typeface="Consolas" panose="020B0609020204030204" pitchFamily="49" charset="0"/>
+              </a:rPr>
+              <a:t>class</a:t>
+            </a:r>
+            <a:r>
+              <a:rPr lang="en-US" sz="1417" dirty="0">
+                <a:solidFill>
+                  <a:schemeClr val="bg1"/>
+                </a:solidFill>
+                <a:latin typeface="Consolas" panose="020B0609020204030204" pitchFamily="49" charset="0"/>
+              </a:rPr>
+              <a:t> </a:t>
+            </a:r>
+            <a:r>
+              <a:rPr lang="en-US" sz="1417" dirty="0" err="1">
+                <a:solidFill>
+                  <a:srgbClr val="00FFFF"/>
+                </a:solidFill>
+                <a:latin typeface="Consolas" panose="020B0609020204030204" pitchFamily="49" charset="0"/>
+              </a:rPr>
+              <a:t>OrderService</a:t>
+            </a:r>
+            <a:r>
+              <a:rPr lang="en-US" sz="1417" dirty="0">
+                <a:solidFill>
+                  <a:schemeClr val="bg1"/>
+                </a:solidFill>
+                <a:latin typeface="Consolas" panose="020B0609020204030204" pitchFamily="49" charset="0"/>
+              </a:rPr>
+              <a:t> {</a:t>
+            </a:r>
+          </a:p>
+          <a:p>
+            <a:r>
+              <a:rPr lang="en-US" sz="1417" dirty="0">
+                <a:solidFill>
+                  <a:schemeClr val="bg1"/>
+                </a:solidFill>
+                <a:latin typeface="Consolas" panose="020B0609020204030204" pitchFamily="49" charset="0"/>
+              </a:rPr>
+              <a:t>    </a:t>
+            </a:r>
+            <a:r>
+              <a:rPr lang="en-US" sz="1417" dirty="0">
+                <a:solidFill>
+                  <a:srgbClr val="D47DFF"/>
+                </a:solidFill>
+                <a:latin typeface="Consolas" panose="020B0609020204030204" pitchFamily="49" charset="0"/>
+              </a:rPr>
+              <a:t>public void </a:t>
+            </a:r>
+            <a:r>
+              <a:rPr lang="en-US" sz="1417" dirty="0" err="1">
+                <a:solidFill>
+                  <a:srgbClr val="00FFFF"/>
+                </a:solidFill>
+                <a:latin typeface="Consolas" panose="020B0609020204030204" pitchFamily="49" charset="0"/>
+              </a:rPr>
+              <a:t>createOrder</a:t>
+            </a:r>
+            <a:r>
+              <a:rPr lang="en-US" sz="1417" dirty="0">
+                <a:solidFill>
+                  <a:srgbClr val="FFC000"/>
+                </a:solidFill>
+                <a:latin typeface="Consolas" panose="020B0609020204030204" pitchFamily="49" charset="0"/>
+              </a:rPr>
+              <a:t>(Order order) </a:t>
+            </a:r>
+            <a:r>
+              <a:rPr lang="en-US" sz="1417" dirty="0">
+                <a:solidFill>
+                  <a:schemeClr val="bg1"/>
+                </a:solidFill>
+                <a:latin typeface="Consolas" panose="020B0609020204030204" pitchFamily="49" charset="0"/>
+              </a:rPr>
+              <a:t>{</a:t>
+            </a:r>
+          </a:p>
+          <a:p>
+            <a:r>
+              <a:rPr lang="en-US" sz="1417" dirty="0">
+                <a:solidFill>
+                  <a:schemeClr val="bg1"/>
+                </a:solidFill>
+                <a:latin typeface="Consolas" panose="020B0609020204030204" pitchFamily="49" charset="0"/>
+              </a:rPr>
+              <a:t>        </a:t>
+            </a:r>
+            <a:r>
+              <a:rPr lang="en-US" sz="1417" dirty="0">
+                <a:solidFill>
+                  <a:srgbClr val="FFC000"/>
+                </a:solidFill>
+                <a:latin typeface="Consolas" panose="020B0609020204030204" pitchFamily="49" charset="0"/>
+              </a:rPr>
+              <a:t>Connection</a:t>
+            </a:r>
+            <a:r>
+              <a:rPr lang="en-US" sz="1417" dirty="0">
+                <a:solidFill>
+                  <a:schemeClr val="bg1"/>
+                </a:solidFill>
+                <a:latin typeface="Consolas" panose="020B0609020204030204" pitchFamily="49" charset="0"/>
+              </a:rPr>
+              <a:t> conn = ...;</a:t>
+            </a:r>
+          </a:p>
+          <a:p>
+            <a:r>
+              <a:rPr lang="en-US" sz="1417" dirty="0">
+                <a:solidFill>
+                  <a:schemeClr val="bg1"/>
+                </a:solidFill>
+                <a:latin typeface="Consolas" panose="020B0609020204030204" pitchFamily="49" charset="0"/>
+              </a:rPr>
+              <a:t>        </a:t>
+            </a:r>
+            <a:r>
+              <a:rPr lang="en-US" sz="1417" dirty="0" err="1">
+                <a:solidFill>
+                  <a:srgbClr val="FFC000"/>
+                </a:solidFill>
+                <a:latin typeface="Consolas" panose="020B0609020204030204" pitchFamily="49" charset="0"/>
+              </a:rPr>
+              <a:t>PreparedStatement</a:t>
+            </a:r>
+            <a:r>
+              <a:rPr lang="en-US" sz="1417" dirty="0">
+                <a:solidFill>
+                  <a:schemeClr val="bg1"/>
+                </a:solidFill>
+                <a:latin typeface="Consolas" panose="020B0609020204030204" pitchFamily="49" charset="0"/>
+              </a:rPr>
+              <a:t> </a:t>
+            </a:r>
+            <a:r>
+              <a:rPr lang="en-US" sz="1417" dirty="0" err="1">
+                <a:solidFill>
+                  <a:schemeClr val="bg1"/>
+                </a:solidFill>
+                <a:latin typeface="Consolas" panose="020B0609020204030204" pitchFamily="49" charset="0"/>
+              </a:rPr>
+              <a:t>pstmt</a:t>
+            </a:r>
+            <a:r>
+              <a:rPr lang="en-US" sz="1417" dirty="0">
+                <a:solidFill>
+                  <a:schemeClr val="bg1"/>
+                </a:solidFill>
+                <a:latin typeface="Consolas" panose="020B0609020204030204" pitchFamily="49" charset="0"/>
+              </a:rPr>
+              <a:t> = </a:t>
+            </a:r>
+            <a:r>
+              <a:rPr lang="en-US" sz="1417" dirty="0" err="1">
+                <a:solidFill>
+                  <a:schemeClr val="bg1"/>
+                </a:solidFill>
+                <a:latin typeface="Consolas" panose="020B0609020204030204" pitchFamily="49" charset="0"/>
+              </a:rPr>
+              <a:t>conn.prepareStatement</a:t>
+            </a:r>
+            <a:r>
+              <a:rPr lang="en-US" sz="1417" dirty="0">
+                <a:solidFill>
+                  <a:schemeClr val="bg1"/>
+                </a:solidFill>
+                <a:latin typeface="Consolas" panose="020B0609020204030204" pitchFamily="49" charset="0"/>
+              </a:rPr>
+              <a:t>(</a:t>
+            </a:r>
+          </a:p>
+          <a:p>
+            <a:r>
+              <a:rPr lang="en-US" sz="1417" dirty="0">
+                <a:solidFill>
+                  <a:srgbClr val="ABE338"/>
+                </a:solidFill>
+                <a:latin typeface="Consolas" panose="020B0609020204030204" pitchFamily="49" charset="0"/>
+              </a:rPr>
+              <a:t>            "INSERT INTO orders ..."</a:t>
+            </a:r>
+          </a:p>
+          <a:p>
+            <a:r>
+              <a:rPr lang="en-US" sz="1417" dirty="0">
+                <a:solidFill>
+                  <a:schemeClr val="bg1"/>
+                </a:solidFill>
+                <a:latin typeface="Consolas" panose="020B0609020204030204" pitchFamily="49" charset="0"/>
+              </a:rPr>
+              <a:t>        );</a:t>
+            </a:r>
+          </a:p>
+          <a:p>
+            <a:r>
+              <a:rPr lang="en-US" sz="1417" dirty="0">
+                <a:solidFill>
+                  <a:srgbClr val="DDDDDD"/>
+                </a:solidFill>
+                <a:latin typeface="Consolas" panose="020B0609020204030204" pitchFamily="49" charset="0"/>
+              </a:rPr>
+              <a:t>        </a:t>
+            </a:r>
+            <a:r>
+              <a:rPr lang="en-US" sz="1417" dirty="0">
+                <a:solidFill>
+                  <a:srgbClr val="EBE2CF"/>
+                </a:solidFill>
+                <a:latin typeface="Consolas" panose="020B0609020204030204" pitchFamily="49" charset="0"/>
+              </a:rPr>
+              <a:t>// 20 </a:t>
+            </a:r>
+            <a:r>
+              <a:rPr lang="ru-RU" sz="1417" dirty="0">
+                <a:solidFill>
+                  <a:srgbClr val="EBE2CF"/>
+                </a:solidFill>
+                <a:latin typeface="Consolas" panose="020B0609020204030204" pitchFamily="49" charset="0"/>
+              </a:rPr>
+              <a:t>строк </a:t>
+            </a:r>
+            <a:r>
+              <a:rPr lang="en-US" sz="1417" dirty="0">
+                <a:solidFill>
+                  <a:srgbClr val="EBE2CF"/>
+                </a:solidFill>
+                <a:latin typeface="Consolas" panose="020B0609020204030204" pitchFamily="49" charset="0"/>
+              </a:rPr>
+              <a:t>SQL </a:t>
+            </a:r>
+            <a:r>
+              <a:rPr lang="ru-RU" sz="1417" dirty="0">
+                <a:solidFill>
+                  <a:srgbClr val="EBE2CF"/>
+                </a:solidFill>
+                <a:latin typeface="Consolas" panose="020B0609020204030204" pitchFamily="49" charset="0"/>
+              </a:rPr>
+              <a:t>кода</a:t>
+            </a:r>
+          </a:p>
+          <a:p>
+            <a:r>
+              <a:rPr lang="ru-RU" sz="1417" dirty="0">
+                <a:solidFill>
+                  <a:schemeClr val="bg1"/>
+                </a:solidFill>
+                <a:latin typeface="Consolas" panose="020B0609020204030204" pitchFamily="49" charset="0"/>
+              </a:rPr>
+              <a:t>        ...</a:t>
+            </a:r>
+          </a:p>
+          <a:p>
+            <a:r>
+              <a:rPr lang="ru-RU" sz="1417" dirty="0">
+                <a:solidFill>
+                  <a:schemeClr val="bg1"/>
+                </a:solidFill>
+                <a:latin typeface="Consolas" panose="020B0609020204030204" pitchFamily="49" charset="0"/>
+              </a:rPr>
+              <a:t>    }</a:t>
+            </a:r>
+          </a:p>
+          <a:p>
+            <a:r>
+              <a:rPr lang="ru-RU" sz="1417" dirty="0">
+                <a:solidFill>
+                  <a:schemeClr val="bg1"/>
+                </a:solidFill>
+                <a:latin typeface="Consolas" panose="020B0609020204030204" pitchFamily="49" charset="0"/>
+              </a:rPr>
+              <a:t>    </a:t>
+            </a:r>
+          </a:p>
+          <a:p>
+            <a:r>
+              <a:rPr lang="ru-RU" sz="1417" dirty="0">
+                <a:solidFill>
+                  <a:schemeClr val="bg1"/>
+                </a:solidFill>
+                <a:latin typeface="Consolas" panose="020B0609020204030204" pitchFamily="49" charset="0"/>
+              </a:rPr>
+              <a:t>    </a:t>
+            </a:r>
+            <a:r>
+              <a:rPr lang="en-US" sz="1417" dirty="0">
+                <a:solidFill>
+                  <a:srgbClr val="D47DFF"/>
+                </a:solidFill>
+                <a:latin typeface="Consolas" panose="020B0609020204030204" pitchFamily="49" charset="0"/>
+              </a:rPr>
+              <a:t>public</a:t>
+            </a:r>
+            <a:r>
+              <a:rPr lang="en-US" sz="1417" dirty="0">
+                <a:solidFill>
+                  <a:schemeClr val="bg1"/>
+                </a:solidFill>
+                <a:latin typeface="Consolas" panose="020B0609020204030204" pitchFamily="49" charset="0"/>
+              </a:rPr>
+              <a:t> Order </a:t>
+            </a:r>
+            <a:r>
+              <a:rPr lang="en-US" sz="1417" dirty="0" err="1">
+                <a:solidFill>
+                  <a:srgbClr val="00FFFF"/>
+                </a:solidFill>
+                <a:latin typeface="Consolas" panose="020B0609020204030204" pitchFamily="49" charset="0"/>
+              </a:rPr>
+              <a:t>getOrder</a:t>
+            </a:r>
+            <a:r>
+              <a:rPr lang="en-US" sz="1417" dirty="0">
+                <a:solidFill>
+                  <a:srgbClr val="FFC000"/>
+                </a:solidFill>
+                <a:latin typeface="Consolas" panose="020B0609020204030204" pitchFamily="49" charset="0"/>
+              </a:rPr>
+              <a:t>(Long id) </a:t>
+            </a:r>
+            <a:r>
+              <a:rPr lang="en-US" sz="1417" dirty="0">
+                <a:solidFill>
+                  <a:schemeClr val="bg1"/>
+                </a:solidFill>
+                <a:latin typeface="Consolas" panose="020B0609020204030204" pitchFamily="49" charset="0"/>
+              </a:rPr>
+              <a:t>{</a:t>
+            </a:r>
+          </a:p>
+          <a:p>
+            <a:r>
+              <a:rPr lang="en-US" sz="1417" dirty="0">
+                <a:solidFill>
+                  <a:schemeClr val="bg1"/>
+                </a:solidFill>
+                <a:latin typeface="Consolas" panose="020B0609020204030204" pitchFamily="49" charset="0"/>
+              </a:rPr>
+              <a:t>        </a:t>
+            </a:r>
+            <a:r>
+              <a:rPr lang="en-US" sz="1417" dirty="0">
+                <a:solidFill>
+                  <a:srgbClr val="FFC000"/>
+                </a:solidFill>
+                <a:latin typeface="Consolas" panose="020B0609020204030204" pitchFamily="49" charset="0"/>
+              </a:rPr>
+              <a:t>Connection</a:t>
+            </a:r>
+            <a:r>
+              <a:rPr lang="en-US" sz="1417" dirty="0">
+                <a:solidFill>
+                  <a:schemeClr val="bg1"/>
+                </a:solidFill>
+                <a:latin typeface="Consolas" panose="020B0609020204030204" pitchFamily="49" charset="0"/>
+              </a:rPr>
+              <a:t> conn = ...;</a:t>
+            </a:r>
+          </a:p>
+          <a:p>
+            <a:r>
+              <a:rPr lang="en-US" sz="1417" dirty="0">
+                <a:solidFill>
+                  <a:schemeClr val="bg1"/>
+                </a:solidFill>
+                <a:latin typeface="Consolas" panose="020B0609020204030204" pitchFamily="49" charset="0"/>
+              </a:rPr>
+              <a:t>        </a:t>
+            </a:r>
+            <a:r>
+              <a:rPr lang="en-US" sz="1417" dirty="0" err="1">
+                <a:solidFill>
+                  <a:srgbClr val="FFC000"/>
+                </a:solidFill>
+                <a:latin typeface="Consolas" panose="020B0609020204030204" pitchFamily="49" charset="0"/>
+              </a:rPr>
+              <a:t>PreparedStatement</a:t>
+            </a:r>
+            <a:r>
+              <a:rPr lang="en-US" sz="1417" dirty="0">
+                <a:solidFill>
+                  <a:schemeClr val="bg1"/>
+                </a:solidFill>
+                <a:latin typeface="Consolas" panose="020B0609020204030204" pitchFamily="49" charset="0"/>
+              </a:rPr>
+              <a:t> </a:t>
+            </a:r>
+            <a:r>
+              <a:rPr lang="en-US" sz="1417" dirty="0" err="1">
+                <a:solidFill>
+                  <a:schemeClr val="bg1"/>
+                </a:solidFill>
+                <a:latin typeface="Consolas" panose="020B0609020204030204" pitchFamily="49" charset="0"/>
+              </a:rPr>
+              <a:t>pstmt</a:t>
+            </a:r>
+            <a:r>
+              <a:rPr lang="en-US" sz="1417" dirty="0">
+                <a:solidFill>
+                  <a:schemeClr val="bg1"/>
+                </a:solidFill>
+                <a:latin typeface="Consolas" panose="020B0609020204030204" pitchFamily="49" charset="0"/>
+              </a:rPr>
+              <a:t> = </a:t>
+            </a:r>
+            <a:r>
+              <a:rPr lang="en-US" sz="1417" dirty="0" err="1">
+                <a:solidFill>
+                  <a:schemeClr val="bg1"/>
+                </a:solidFill>
+                <a:latin typeface="Consolas" panose="020B0609020204030204" pitchFamily="49" charset="0"/>
+              </a:rPr>
+              <a:t>conn.prepareStatement</a:t>
+            </a:r>
+            <a:r>
+              <a:rPr lang="en-US" sz="1417" dirty="0">
+                <a:solidFill>
+                  <a:schemeClr val="bg1"/>
+                </a:solidFill>
+                <a:latin typeface="Consolas" panose="020B0609020204030204" pitchFamily="49" charset="0"/>
+              </a:rPr>
+              <a:t>(</a:t>
+            </a:r>
+          </a:p>
+          <a:p>
+            <a:r>
+              <a:rPr lang="en-US" sz="1417" dirty="0">
+                <a:solidFill>
+                  <a:srgbClr val="ABE338"/>
+                </a:solidFill>
+                <a:latin typeface="Consolas" panose="020B0609020204030204" pitchFamily="49" charset="0"/>
+              </a:rPr>
+              <a:t>            "SELECT * FROM orders WHERE id = ?"</a:t>
+            </a:r>
+          </a:p>
+          <a:p>
+            <a:r>
+              <a:rPr lang="en-US" sz="1417" dirty="0">
+                <a:solidFill>
+                  <a:schemeClr val="bg1"/>
+                </a:solidFill>
+                <a:latin typeface="Consolas" panose="020B0609020204030204" pitchFamily="49" charset="0"/>
+              </a:rPr>
+              <a:t>        );</a:t>
+            </a:r>
+          </a:p>
+          <a:p>
+            <a:r>
+              <a:rPr lang="en-US" sz="1417" dirty="0">
+                <a:solidFill>
+                  <a:schemeClr val="bg1"/>
+                </a:solidFill>
+                <a:latin typeface="Consolas" panose="020B0609020204030204" pitchFamily="49" charset="0"/>
+              </a:rPr>
+              <a:t>        </a:t>
+            </a:r>
+            <a:r>
+              <a:rPr lang="en-US" sz="1417" dirty="0">
+                <a:solidFill>
+                  <a:srgbClr val="EBE2CF"/>
+                </a:solidFill>
+                <a:latin typeface="Consolas" panose="020B0609020204030204" pitchFamily="49" charset="0"/>
+              </a:rPr>
+              <a:t>// </a:t>
+            </a:r>
+            <a:r>
+              <a:rPr lang="ru-RU" sz="1417" dirty="0">
+                <a:solidFill>
+                  <a:srgbClr val="EBE2CF"/>
+                </a:solidFill>
+                <a:latin typeface="Consolas" panose="020B0609020204030204" pitchFamily="49" charset="0"/>
+              </a:rPr>
+              <a:t>Еще 15 строк </a:t>
+            </a:r>
+            <a:r>
+              <a:rPr lang="en-US" sz="1417" dirty="0">
+                <a:solidFill>
+                  <a:srgbClr val="EBE2CF"/>
+                </a:solidFill>
+                <a:latin typeface="Consolas" panose="020B0609020204030204" pitchFamily="49" charset="0"/>
+              </a:rPr>
+              <a:t>SQL </a:t>
+            </a:r>
+            <a:r>
+              <a:rPr lang="ru-RU" sz="1417" dirty="0">
+                <a:solidFill>
+                  <a:srgbClr val="EBE2CF"/>
+                </a:solidFill>
+                <a:latin typeface="Consolas" panose="020B0609020204030204" pitchFamily="49" charset="0"/>
+              </a:rPr>
+              <a:t>кода</a:t>
+            </a:r>
+          </a:p>
+          <a:p>
+            <a:r>
+              <a:rPr lang="ru-RU" sz="1417" dirty="0">
+                <a:solidFill>
+                  <a:schemeClr val="bg1"/>
+                </a:solidFill>
+                <a:latin typeface="Consolas" panose="020B0609020204030204" pitchFamily="49" charset="0"/>
+              </a:rPr>
+              <a:t>        ...</a:t>
+            </a:r>
+          </a:p>
+          <a:p>
+            <a:r>
+              <a:rPr lang="ru-RU" sz="1417" dirty="0">
+                <a:solidFill>
+                  <a:schemeClr val="bg1"/>
+                </a:solidFill>
+                <a:latin typeface="Consolas" panose="020B0609020204030204" pitchFamily="49" charset="0"/>
+              </a:rPr>
+              <a:t>    }</a:t>
+            </a:r>
+          </a:p>
+          <a:p>
+            <a:r>
+              <a:rPr lang="ru-RU" sz="1417" dirty="0">
+                <a:solidFill>
+                  <a:schemeClr val="bg1"/>
+                </a:solidFill>
+                <a:latin typeface="Consolas" panose="020B0609020204030204" pitchFamily="49" charset="0"/>
+              </a:rPr>
+              <a:t>}</a:t>
+            </a:r>
+          </a:p>
+        </p:txBody>
+      </p:sp>
+      <p:sp>
+        <p:nvSpPr>
+          <p:cNvPr id="9" name="TextBox 8">
+            <a:extLst>
+              <a:ext uri="{FF2B5EF4-FFF2-40B4-BE49-F238E27FC236}">
+                <a16:creationId xmlns:a16="http://schemas.microsoft.com/office/drawing/2014/main" id="{5CDB344D-94EA-6A7B-0454-F2D921DBAA34}"/>
+              </a:ext>
+            </a:extLst>
+          </p:cNvPr>
+          <p:cNvSpPr txBox="1"/>
+          <p:nvPr/>
+        </p:nvSpPr>
+        <p:spPr>
+          <a:xfrm>
+            <a:off x="725714" y="2597417"/>
+            <a:ext cx="4476750" cy="2169825"/>
+          </a:xfrm>
+          <a:prstGeom prst="rect">
+            <a:avLst/>
+          </a:prstGeom>
+          <a:noFill/>
+        </p:spPr>
+        <p:txBody>
+          <a:bodyPr wrap="square">
+            <a:spAutoFit/>
+          </a:bodyPr>
+          <a:lstStyle/>
+          <a:p>
+            <a:endParaRPr lang="en-US" sz="1500" dirty="0">
+              <a:latin typeface="Corbel" panose="020B0503020204020204" pitchFamily="34" charset="0"/>
+            </a:endParaRPr>
+          </a:p>
+          <a:p>
+            <a:r>
+              <a:rPr lang="ru-RU" sz="1500" dirty="0" smtClean="0">
+                <a:latin typeface="Corbel" panose="020B0503020204020204" pitchFamily="34" charset="0"/>
+              </a:rPr>
+              <a:t>При добавлении все новых и новым методов для работы с заказами возникают определенные </a:t>
+            </a:r>
+            <a:r>
+              <a:rPr lang="ru-RU" sz="1500" dirty="0" smtClean="0">
+                <a:solidFill>
+                  <a:srgbClr val="FF0000"/>
+                </a:solidFill>
+                <a:latin typeface="Corbel" panose="020B0503020204020204" pitchFamily="34" charset="0"/>
+              </a:rPr>
+              <a:t>проблемы</a:t>
+            </a:r>
+            <a:r>
+              <a:rPr lang="ru-RU" sz="1500" dirty="0">
+                <a:solidFill>
+                  <a:srgbClr val="FF0000"/>
+                </a:solidFill>
+                <a:latin typeface="Corbel" panose="020B0503020204020204" pitchFamily="34" charset="0"/>
+              </a:rPr>
+              <a:t>:</a:t>
+            </a:r>
+          </a:p>
+          <a:p>
+            <a:endParaRPr lang="ru-RU" sz="1500" dirty="0">
+              <a:latin typeface="Corbel" panose="020B0503020204020204" pitchFamily="34" charset="0"/>
+            </a:endParaRPr>
+          </a:p>
+          <a:p>
+            <a:pPr marL="238115" indent="-238115">
+              <a:buFont typeface="Arial" panose="020B0604020202020204" pitchFamily="34" charset="0"/>
+              <a:buChar char="•"/>
+            </a:pPr>
+            <a:r>
+              <a:rPr lang="en-US" sz="1500" dirty="0">
+                <a:latin typeface="Corbel" panose="020B0503020204020204" pitchFamily="34" charset="0"/>
+              </a:rPr>
+              <a:t>SQL </a:t>
+            </a:r>
+            <a:r>
+              <a:rPr lang="ru-RU" sz="1500" dirty="0">
+                <a:latin typeface="Corbel" panose="020B0503020204020204" pitchFamily="34" charset="0"/>
+              </a:rPr>
+              <a:t>код повторяется везде</a:t>
+            </a:r>
+          </a:p>
+          <a:p>
+            <a:pPr marL="238115" indent="-238115">
+              <a:buFont typeface="Arial" panose="020B0604020202020204" pitchFamily="34" charset="0"/>
+              <a:buChar char="•"/>
+            </a:pPr>
+            <a:r>
+              <a:rPr lang="ru-RU" sz="1500" dirty="0">
+                <a:latin typeface="Corbel" panose="020B0503020204020204" pitchFamily="34" charset="0"/>
+              </a:rPr>
+              <a:t>Если нужно поменять БД, меняете везде</a:t>
+            </a:r>
+          </a:p>
+          <a:p>
+            <a:pPr marL="238115" indent="-238115">
+              <a:buFont typeface="Arial" panose="020B0604020202020204" pitchFamily="34" charset="0"/>
+              <a:buChar char="•"/>
+            </a:pPr>
+            <a:r>
+              <a:rPr lang="ru-RU" sz="1500" dirty="0">
+                <a:latin typeface="Corbel" panose="020B0503020204020204" pitchFamily="34" charset="0"/>
+              </a:rPr>
+              <a:t>Нельзя тестировать бизнес-логику без БД</a:t>
+            </a:r>
+          </a:p>
+          <a:p>
+            <a:pPr marL="238115" indent="-238115">
+              <a:buFont typeface="Arial" panose="020B0604020202020204" pitchFamily="34" charset="0"/>
+              <a:buChar char="•"/>
+            </a:pPr>
+            <a:r>
+              <a:rPr lang="ru-RU" sz="1500" dirty="0">
+                <a:latin typeface="Corbel" panose="020B0503020204020204" pitchFamily="34" charset="0"/>
+              </a:rPr>
+              <a:t>Грязная </a:t>
+            </a:r>
+            <a:r>
+              <a:rPr lang="ru-RU" sz="1500" dirty="0" smtClean="0">
+                <a:latin typeface="Corbel" panose="020B0503020204020204" pitchFamily="34" charset="0"/>
+              </a:rPr>
+              <a:t>архитектура</a:t>
+            </a:r>
+            <a:endParaRPr lang="ru-RU" sz="1500" dirty="0">
+              <a:latin typeface="Corbel" panose="020B0503020204020204" pitchFamily="34" charset="0"/>
+            </a:endParaRPr>
+          </a:p>
+        </p:txBody>
+      </p:sp>
+    </p:spTree>
+    <p:extLst>
+      <p:ext uri="{BB962C8B-B14F-4D97-AF65-F5344CB8AC3E}">
+        <p14:creationId xmlns:p14="http://schemas.microsoft.com/office/powerpoint/2010/main" val="3009954978"/>
+      </p:ext>
+    </p:extLst>
+  </p:cSld>
+  <p:clrMapOvr>
+    <a:masterClrMapping/>
+  </p:clrMapOvr>
+</p:sld>
+</file>
+
+<file path=ppt/slides/slide11.xml><?xml version="1.0" encoding="utf-8"?>
 <p:sld xmlns:a="http://schemas.openxmlformats.org/drawingml/2006/main" xmlns:r="http://schemas.openxmlformats.org/officeDocument/2006/relationships" xmlns:p="http://schemas.openxmlformats.org/presentationml/2006/main">
   <p:cSld>
     <p:spTree>
@@ -4881,7 +5701,7 @@
 </p:sld>
 </file>
 
-<file path=ppt/slides/slide11.xml><?xml version="1.0" encoding="utf-8"?>
+<file path=ppt/slides/slide12.xml><?xml version="1.0" encoding="utf-8"?>
 <p:sld xmlns:a="http://schemas.openxmlformats.org/drawingml/2006/main" xmlns:r="http://schemas.openxmlformats.org/officeDocument/2006/relationships" xmlns:p="http://schemas.openxmlformats.org/presentationml/2006/main">
   <p:cSld>
     <p:spTree>
@@ -5295,7 +6115,7 @@
 </p:sld>
 </file>
 
-<file path=ppt/slides/slide12.xml><?xml version="1.0" encoding="utf-8"?>
+<file path=ppt/slides/slide13.xml><?xml version="1.0" encoding="utf-8"?>
 <p:sld xmlns:a="http://schemas.openxmlformats.org/drawingml/2006/main" xmlns:r="http://schemas.openxmlformats.org/officeDocument/2006/relationships" xmlns:p="http://schemas.openxmlformats.org/presentationml/2006/main">
   <p:cSld>
     <p:spTree>
@@ -6068,7 +6888,7 @@
 </p:sld>
 </file>
 
-<file path=ppt/slides/slide13.xml><?xml version="1.0" encoding="utf-8"?>
+<file path=ppt/slides/slide14.xml><?xml version="1.0" encoding="utf-8"?>
 <p:sld xmlns:a="http://schemas.openxmlformats.org/drawingml/2006/main" xmlns:r="http://schemas.openxmlformats.org/officeDocument/2006/relationships" xmlns:p="http://schemas.openxmlformats.org/presentationml/2006/main">
   <p:cSld>
     <p:spTree>
@@ -7106,7 +7926,7 @@
 </p:sld>
 </file>
 
-<file path=ppt/slides/slide14.xml><?xml version="1.0" encoding="utf-8"?>
+<file path=ppt/slides/slide15.xml><?xml version="1.0" encoding="utf-8"?>
 <p:sld xmlns:a="http://schemas.openxmlformats.org/drawingml/2006/main" xmlns:r="http://schemas.openxmlformats.org/officeDocument/2006/relationships" xmlns:p="http://schemas.openxmlformats.org/presentationml/2006/main">
   <p:cSld>
     <p:spTree>
@@ -8266,7 +9086,7 @@
 </p:sld>
 </file>
 
-<file path=ppt/slides/slide15.xml><?xml version="1.0" encoding="utf-8"?>
+<file path=ppt/slides/slide16.xml><?xml version="1.0" encoding="utf-8"?>
 <p:sld xmlns:a="http://schemas.openxmlformats.org/drawingml/2006/main" xmlns:r="http://schemas.openxmlformats.org/officeDocument/2006/relationships" xmlns:p="http://schemas.openxmlformats.org/presentationml/2006/main">
   <p:cSld>
     <p:spTree>
@@ -8830,7 +9650,7 @@
 </p:sld>
 </file>
 
-<file path=ppt/slides/slide16.xml><?xml version="1.0" encoding="utf-8"?>
+<file path=ppt/slides/slide17.xml><?xml version="1.0" encoding="utf-8"?>
 <p:sld xmlns:a="http://schemas.openxmlformats.org/drawingml/2006/main" xmlns:r="http://schemas.openxmlformats.org/officeDocument/2006/relationships" xmlns:p="http://schemas.openxmlformats.org/presentationml/2006/main">
   <p:cSld>
     <p:spTree>
@@ -9312,7 +10132,7 @@
 </p:sld>
 </file>
 
-<file path=ppt/slides/slide17.xml><?xml version="1.0" encoding="utf-8"?>
+<file path=ppt/slides/slide18.xml><?xml version="1.0" encoding="utf-8"?>
 <p:sld xmlns:a="http://schemas.openxmlformats.org/drawingml/2006/main" xmlns:r="http://schemas.openxmlformats.org/officeDocument/2006/relationships" xmlns:p="http://schemas.openxmlformats.org/presentationml/2006/main">
   <p:cSld>
     <p:spTree>
@@ -10254,7 +11074,7 @@
 </p:sld>
 </file>
 
-<file path=ppt/slides/slide18.xml><?xml version="1.0" encoding="utf-8"?>
+<file path=ppt/slides/slide19.xml><?xml version="1.0" encoding="utf-8"?>
 <p:sld xmlns:a="http://schemas.openxmlformats.org/drawingml/2006/main" xmlns:r="http://schemas.openxmlformats.org/officeDocument/2006/relationships" xmlns:p="http://schemas.openxmlformats.org/presentationml/2006/main">
   <p:cSld>
     <p:spTree>
@@ -11667,1121 +12487,6 @@
     <p:extLst>
       <p:ext uri="{BB962C8B-B14F-4D97-AF65-F5344CB8AC3E}">
         <p14:creationId xmlns:p14="http://schemas.microsoft.com/office/powerpoint/2010/main" val="1267044949"/>
-      </p:ext>
-    </p:extLst>
-  </p:cSld>
-  <p:clrMapOvr>
-    <a:masterClrMapping/>
-  </p:clrMapOvr>
-</p:sld>
-</file>
-
-<file path=ppt/slides/slide19.xml><?xml version="1.0" encoding="utf-8"?>
-<p:sld xmlns:a="http://schemas.openxmlformats.org/drawingml/2006/main" xmlns:r="http://schemas.openxmlformats.org/officeDocument/2006/relationships" xmlns:p="http://schemas.openxmlformats.org/presentationml/2006/main">
-  <p:cSld>
-    <p:spTree>
-      <p:nvGrpSpPr>
-        <p:cNvPr id="1" name=""/>
-        <p:cNvGrpSpPr/>
-        <p:nvPr/>
-      </p:nvGrpSpPr>
-      <p:grpSpPr>
-        <a:xfrm>
-          <a:off x="0" y="0"/>
-          <a:ext cx="0" cy="0"/>
-          <a:chOff x="0" y="0"/>
-          <a:chExt cx="0" cy="0"/>
-        </a:xfrm>
-      </p:grpSpPr>
-      <p:sp>
-        <p:nvSpPr>
-          <p:cNvPr id="4" name="TextBox 3">
-            <a:extLst>
-              <a:ext uri="{FF2B5EF4-FFF2-40B4-BE49-F238E27FC236}">
-                <a16:creationId xmlns:a16="http://schemas.microsoft.com/office/drawing/2014/main" id="{7ECF7D95-3918-0C04-78FF-0D1FC462F841}"/>
-              </a:ext>
-            </a:extLst>
-          </p:cNvPr>
-          <p:cNvSpPr txBox="1"/>
-          <p:nvPr/>
-        </p:nvSpPr>
-        <p:spPr>
-          <a:xfrm>
-            <a:off x="763897" y="3084583"/>
-            <a:ext cx="2792103" cy="553998"/>
-          </a:xfrm>
-          <a:prstGeom prst="rect">
-            <a:avLst/>
-          </a:prstGeom>
-          <a:noFill/>
-        </p:spPr>
-        <p:txBody>
-          <a:bodyPr wrap="square">
-            <a:spAutoFit/>
-          </a:bodyPr>
-          <a:lstStyle/>
-          <a:p>
-            <a:r>
-              <a:rPr lang="en-US" sz="1500" dirty="0" err="1">
-                <a:solidFill>
-                  <a:schemeClr val="accent2">
-                    <a:lumMod val="75000"/>
-                  </a:schemeClr>
-                </a:solidFill>
-                <a:latin typeface="Bahnschrift SemiBold" panose="020B0502040204020203" pitchFamily="34" charset="0"/>
-              </a:rPr>
-              <a:t>OrderDAO.findByCustomerId</a:t>
-            </a:r>
-            <a:r>
-              <a:rPr lang="en-US" sz="1500" dirty="0">
-                <a:solidFill>
-                  <a:schemeClr val="accent2">
-                    <a:lumMod val="75000"/>
-                  </a:schemeClr>
-                </a:solidFill>
-                <a:latin typeface="Bahnschrift SemiBold" panose="020B0502040204020203" pitchFamily="34" charset="0"/>
-              </a:rPr>
-              <a:t>(</a:t>
-            </a:r>
-            <a:r>
-              <a:rPr lang="ru-RU" sz="1500" dirty="0">
-                <a:solidFill>
-                  <a:schemeClr val="accent2">
-                    <a:lumMod val="75000"/>
-                  </a:schemeClr>
-                </a:solidFill>
-                <a:latin typeface="Bahnschrift SemiBold" panose="020B0502040204020203" pitchFamily="34" charset="0"/>
-              </a:rPr>
-              <a:t>)</a:t>
-            </a:r>
-            <a:r>
-              <a:rPr lang="en-US" sz="1500" dirty="0">
-                <a:solidFill>
-                  <a:schemeClr val="accent2">
-                    <a:lumMod val="75000"/>
-                  </a:schemeClr>
-                </a:solidFill>
-                <a:latin typeface="Bahnschrift SemiBold" panose="020B0502040204020203" pitchFamily="34" charset="0"/>
-              </a:rPr>
-              <a:t>. </a:t>
-            </a:r>
-            <a:r>
-              <a:rPr lang="ru-RU" sz="1500" dirty="0">
-                <a:solidFill>
-                  <a:schemeClr val="accent2">
-                    <a:lumMod val="75000"/>
-                  </a:schemeClr>
-                </a:solidFill>
-                <a:latin typeface="Bahnschrift SemiBold" panose="020B0502040204020203" pitchFamily="34" charset="0"/>
-              </a:rPr>
-              <a:t>Получение заказов:</a:t>
-            </a:r>
-          </a:p>
-        </p:txBody>
-      </p:sp>
-      <p:sp>
-        <p:nvSpPr>
-          <p:cNvPr id="6" name="TextBox 5">
-            <a:extLst>
-              <a:ext uri="{FF2B5EF4-FFF2-40B4-BE49-F238E27FC236}">
-                <a16:creationId xmlns:a16="http://schemas.microsoft.com/office/drawing/2014/main" id="{580D609E-0F23-6516-B8AA-CA2A0FDD5545}"/>
-              </a:ext>
-            </a:extLst>
-          </p:cNvPr>
-          <p:cNvSpPr txBox="1"/>
-          <p:nvPr/>
-        </p:nvSpPr>
-        <p:spPr>
-          <a:xfrm>
-            <a:off x="3939309" y="733227"/>
-            <a:ext cx="7742547" cy="5410134"/>
-          </a:xfrm>
-          <a:prstGeom prst="roundRect">
-            <a:avLst/>
-          </a:prstGeom>
-          <a:solidFill>
-            <a:schemeClr val="tx1"/>
-          </a:solidFill>
-        </p:spPr>
-        <p:txBody>
-          <a:bodyPr wrap="square">
-            <a:spAutoFit/>
-          </a:bodyPr>
-          <a:lstStyle/>
-          <a:p>
-            <a:r>
-              <a:rPr lang="en-US" sz="1417" dirty="0">
-                <a:solidFill>
-                  <a:srgbClr val="D47DFF"/>
-                </a:solidFill>
-                <a:latin typeface="Consolas" panose="020B0609020204030204" pitchFamily="49" charset="0"/>
-              </a:rPr>
-              <a:t>public</a:t>
-            </a:r>
-            <a:r>
-              <a:rPr lang="en-US" sz="1417" dirty="0">
-                <a:solidFill>
-                  <a:schemeClr val="bg1"/>
-                </a:solidFill>
-                <a:latin typeface="Consolas" panose="020B0609020204030204" pitchFamily="49" charset="0"/>
-              </a:rPr>
-              <a:t> List&lt;Order&gt; </a:t>
-            </a:r>
-            <a:r>
-              <a:rPr lang="en-US" sz="1417" dirty="0" err="1">
-                <a:solidFill>
-                  <a:srgbClr val="00FFFF"/>
-                </a:solidFill>
-                <a:latin typeface="Consolas" panose="020B0609020204030204" pitchFamily="49" charset="0"/>
-              </a:rPr>
-              <a:t>findByCustomerId</a:t>
-            </a:r>
-            <a:r>
-              <a:rPr lang="en-US" sz="1417" dirty="0">
-                <a:solidFill>
-                  <a:srgbClr val="FFC000"/>
-                </a:solidFill>
-                <a:latin typeface="Consolas" panose="020B0609020204030204" pitchFamily="49" charset="0"/>
-              </a:rPr>
-              <a:t>(long </a:t>
-            </a:r>
-            <a:r>
-              <a:rPr lang="en-US" sz="1417" dirty="0" err="1">
-                <a:solidFill>
-                  <a:srgbClr val="FFC000"/>
-                </a:solidFill>
-                <a:latin typeface="Consolas" panose="020B0609020204030204" pitchFamily="49" charset="0"/>
-              </a:rPr>
-              <a:t>customerId</a:t>
-            </a:r>
-            <a:r>
-              <a:rPr lang="en-US" sz="1417" dirty="0">
-                <a:solidFill>
-                  <a:srgbClr val="FFC000"/>
-                </a:solidFill>
-                <a:latin typeface="Consolas" panose="020B0609020204030204" pitchFamily="49" charset="0"/>
-              </a:rPr>
-              <a:t>) </a:t>
-            </a:r>
-            <a:r>
-              <a:rPr lang="en-US" sz="1417" dirty="0">
-                <a:solidFill>
-                  <a:schemeClr val="bg1"/>
-                </a:solidFill>
-                <a:latin typeface="Consolas" panose="020B0609020204030204" pitchFamily="49" charset="0"/>
-              </a:rPr>
-              <a:t>{</a:t>
-            </a:r>
-          </a:p>
-          <a:p>
-            <a:r>
-              <a:rPr lang="en-US" sz="1417" dirty="0">
-                <a:solidFill>
-                  <a:schemeClr val="bg1"/>
-                </a:solidFill>
-                <a:latin typeface="Consolas" panose="020B0609020204030204" pitchFamily="49" charset="0"/>
-              </a:rPr>
-              <a:t>    </a:t>
-            </a:r>
-            <a:r>
-              <a:rPr lang="en-US" sz="1417" dirty="0">
-                <a:solidFill>
-                  <a:srgbClr val="FFC000"/>
-                </a:solidFill>
-                <a:latin typeface="Consolas" panose="020B0609020204030204" pitchFamily="49" charset="0"/>
-              </a:rPr>
-              <a:t>String</a:t>
-            </a:r>
-            <a:r>
-              <a:rPr lang="en-US" sz="1417" dirty="0">
-                <a:solidFill>
-                  <a:schemeClr val="bg1"/>
-                </a:solidFill>
-                <a:latin typeface="Consolas" panose="020B0609020204030204" pitchFamily="49" charset="0"/>
-              </a:rPr>
-              <a:t> </a:t>
-            </a:r>
-            <a:r>
-              <a:rPr lang="en-US" sz="1417" dirty="0" err="1">
-                <a:solidFill>
-                  <a:srgbClr val="FF5050"/>
-                </a:solidFill>
-                <a:latin typeface="Consolas" panose="020B0609020204030204" pitchFamily="49" charset="0"/>
-              </a:rPr>
-              <a:t>sql</a:t>
-            </a:r>
-            <a:r>
-              <a:rPr lang="en-US" sz="1417" dirty="0">
-                <a:solidFill>
-                  <a:schemeClr val="bg1"/>
-                </a:solidFill>
-                <a:latin typeface="Consolas" panose="020B0609020204030204" pitchFamily="49" charset="0"/>
-              </a:rPr>
-              <a:t> = </a:t>
-            </a:r>
-            <a:r>
-              <a:rPr lang="en-US" sz="1417" dirty="0">
-                <a:solidFill>
-                  <a:srgbClr val="ABE338"/>
-                </a:solidFill>
-                <a:latin typeface="Consolas" panose="020B0609020204030204" pitchFamily="49" charset="0"/>
-              </a:rPr>
-              <a:t>"SELECT * FROM orders WHERE </a:t>
-            </a:r>
-            <a:r>
-              <a:rPr lang="en-US" sz="1417" dirty="0" err="1">
-                <a:solidFill>
-                  <a:srgbClr val="ABE338"/>
-                </a:solidFill>
-                <a:latin typeface="Consolas" panose="020B0609020204030204" pitchFamily="49" charset="0"/>
-              </a:rPr>
-              <a:t>customer_id</a:t>
-            </a:r>
-            <a:r>
-              <a:rPr lang="en-US" sz="1417" dirty="0">
-                <a:solidFill>
-                  <a:srgbClr val="ABE338"/>
-                </a:solidFill>
-                <a:latin typeface="Consolas" panose="020B0609020204030204" pitchFamily="49" charset="0"/>
-              </a:rPr>
-              <a:t> = ? " </a:t>
-            </a:r>
-            <a:r>
-              <a:rPr lang="en-US" sz="1417" dirty="0">
-                <a:solidFill>
-                  <a:schemeClr val="bg1"/>
-                </a:solidFill>
-                <a:latin typeface="Consolas" panose="020B0609020204030204" pitchFamily="49" charset="0"/>
-              </a:rPr>
-              <a:t>+</a:t>
-            </a:r>
-          </a:p>
-          <a:p>
-            <a:r>
-              <a:rPr lang="en-US" sz="1417" dirty="0">
-                <a:solidFill>
-                  <a:schemeClr val="bg1"/>
-                </a:solidFill>
-                <a:latin typeface="Consolas" panose="020B0609020204030204" pitchFamily="49" charset="0"/>
-              </a:rPr>
-              <a:t>                 </a:t>
-            </a:r>
-            <a:r>
-              <a:rPr lang="en-US" sz="1417" dirty="0">
-                <a:solidFill>
-                  <a:srgbClr val="ABE338"/>
-                </a:solidFill>
-                <a:latin typeface="Consolas" panose="020B0609020204030204" pitchFamily="49" charset="0"/>
-              </a:rPr>
-              <a:t>"ORDER BY </a:t>
-            </a:r>
-            <a:r>
-              <a:rPr lang="en-US" sz="1417" dirty="0" err="1">
-                <a:solidFill>
-                  <a:srgbClr val="ABE338"/>
-                </a:solidFill>
-                <a:latin typeface="Consolas" panose="020B0609020204030204" pitchFamily="49" charset="0"/>
-              </a:rPr>
-              <a:t>created_at</a:t>
-            </a:r>
-            <a:r>
-              <a:rPr lang="en-US" sz="1417" dirty="0">
-                <a:solidFill>
-                  <a:srgbClr val="ABE338"/>
-                </a:solidFill>
-                <a:latin typeface="Consolas" panose="020B0609020204030204" pitchFamily="49" charset="0"/>
-              </a:rPr>
-              <a:t> DESC"</a:t>
-            </a:r>
-            <a:r>
-              <a:rPr lang="en-US" sz="1417" dirty="0">
-                <a:solidFill>
-                  <a:schemeClr val="bg1"/>
-                </a:solidFill>
-                <a:latin typeface="Consolas" panose="020B0609020204030204" pitchFamily="49" charset="0"/>
-              </a:rPr>
-              <a:t>;</a:t>
-            </a:r>
-          </a:p>
-          <a:p>
-            <a:r>
-              <a:rPr lang="en-US" sz="1417" dirty="0">
-                <a:solidFill>
-                  <a:schemeClr val="bg1"/>
-                </a:solidFill>
-                <a:latin typeface="Consolas" panose="020B0609020204030204" pitchFamily="49" charset="0"/>
-              </a:rPr>
-              <a:t>    List&lt;Order&gt; orders = </a:t>
-            </a:r>
-            <a:r>
-              <a:rPr lang="en-US" sz="1417" dirty="0">
-                <a:solidFill>
-                  <a:srgbClr val="D47DFF"/>
-                </a:solidFill>
-                <a:latin typeface="Consolas" panose="020B0609020204030204" pitchFamily="49" charset="0"/>
-              </a:rPr>
-              <a:t>new</a:t>
-            </a:r>
-            <a:r>
-              <a:rPr lang="en-US" sz="1417" dirty="0">
-                <a:solidFill>
-                  <a:schemeClr val="bg1"/>
-                </a:solidFill>
-                <a:latin typeface="Consolas" panose="020B0609020204030204" pitchFamily="49" charset="0"/>
-              </a:rPr>
-              <a:t> </a:t>
-            </a:r>
-            <a:r>
-              <a:rPr lang="en-US" sz="1417" dirty="0" err="1">
-                <a:solidFill>
-                  <a:srgbClr val="00FFFF"/>
-                </a:solidFill>
-                <a:latin typeface="Consolas" panose="020B0609020204030204" pitchFamily="49" charset="0"/>
-              </a:rPr>
-              <a:t>ArrayList</a:t>
-            </a:r>
-            <a:r>
-              <a:rPr lang="en-US" sz="1417" dirty="0">
-                <a:solidFill>
-                  <a:schemeClr val="bg1"/>
-                </a:solidFill>
-                <a:latin typeface="Consolas" panose="020B0609020204030204" pitchFamily="49" charset="0"/>
-              </a:rPr>
-              <a:t>&lt;&gt;();</a:t>
-            </a:r>
-          </a:p>
-          <a:p>
-            <a:r>
-              <a:rPr lang="en-US" sz="1417" dirty="0">
-                <a:solidFill>
-                  <a:schemeClr val="bg1"/>
-                </a:solidFill>
-                <a:latin typeface="Consolas" panose="020B0609020204030204" pitchFamily="49" charset="0"/>
-              </a:rPr>
-              <a:t>    </a:t>
-            </a:r>
-          </a:p>
-          <a:p>
-            <a:r>
-              <a:rPr lang="en-US" sz="1417" dirty="0">
-                <a:solidFill>
-                  <a:schemeClr val="bg1"/>
-                </a:solidFill>
-                <a:latin typeface="Consolas" panose="020B0609020204030204" pitchFamily="49" charset="0"/>
-              </a:rPr>
-              <a:t>    </a:t>
-            </a:r>
-            <a:r>
-              <a:rPr lang="en-US" sz="1417" dirty="0">
-                <a:solidFill>
-                  <a:srgbClr val="D47DFF"/>
-                </a:solidFill>
-                <a:latin typeface="Consolas" panose="020B0609020204030204" pitchFamily="49" charset="0"/>
-              </a:rPr>
-              <a:t>try</a:t>
-            </a:r>
-            <a:r>
-              <a:rPr lang="en-US" sz="1417" dirty="0">
-                <a:solidFill>
-                  <a:schemeClr val="bg1"/>
-                </a:solidFill>
-                <a:latin typeface="Consolas" panose="020B0609020204030204" pitchFamily="49" charset="0"/>
-              </a:rPr>
-              <a:t> (</a:t>
-            </a:r>
-            <a:r>
-              <a:rPr lang="en-US" sz="1417" dirty="0">
-                <a:solidFill>
-                  <a:srgbClr val="FFC000"/>
-                </a:solidFill>
-                <a:latin typeface="Consolas" panose="020B0609020204030204" pitchFamily="49" charset="0"/>
-              </a:rPr>
-              <a:t>Connection</a:t>
-            </a:r>
-            <a:r>
-              <a:rPr lang="en-US" sz="1417" dirty="0">
-                <a:solidFill>
-                  <a:schemeClr val="bg1"/>
-                </a:solidFill>
-                <a:latin typeface="Consolas" panose="020B0609020204030204" pitchFamily="49" charset="0"/>
-              </a:rPr>
-              <a:t> </a:t>
-            </a:r>
-            <a:r>
-              <a:rPr lang="en-US" sz="1417" dirty="0">
-                <a:solidFill>
-                  <a:srgbClr val="FF5050"/>
-                </a:solidFill>
-                <a:latin typeface="Consolas" panose="020B0609020204030204" pitchFamily="49" charset="0"/>
-              </a:rPr>
-              <a:t>conn</a:t>
-            </a:r>
-            <a:r>
-              <a:rPr lang="en-US" sz="1417" dirty="0">
-                <a:solidFill>
-                  <a:schemeClr val="bg1"/>
-                </a:solidFill>
-                <a:latin typeface="Consolas" panose="020B0609020204030204" pitchFamily="49" charset="0"/>
-              </a:rPr>
-              <a:t> = </a:t>
-            </a:r>
-            <a:r>
-              <a:rPr lang="en-US" sz="1417" dirty="0" err="1">
-                <a:solidFill>
-                  <a:schemeClr val="bg1"/>
-                </a:solidFill>
-                <a:latin typeface="Consolas" panose="020B0609020204030204" pitchFamily="49" charset="0"/>
-              </a:rPr>
-              <a:t>dataSource.getConnection</a:t>
-            </a:r>
-            <a:r>
-              <a:rPr lang="en-US" sz="1417" dirty="0">
-                <a:solidFill>
-                  <a:schemeClr val="bg1"/>
-                </a:solidFill>
-                <a:latin typeface="Consolas" panose="020B0609020204030204" pitchFamily="49" charset="0"/>
-              </a:rPr>
-              <a:t>();</a:t>
-            </a:r>
-          </a:p>
-          <a:p>
-            <a:r>
-              <a:rPr lang="en-US" sz="1417" dirty="0">
-                <a:solidFill>
-                  <a:schemeClr val="bg1"/>
-                </a:solidFill>
-                <a:latin typeface="Consolas" panose="020B0609020204030204" pitchFamily="49" charset="0"/>
-              </a:rPr>
-              <a:t>         </a:t>
-            </a:r>
-            <a:r>
-              <a:rPr lang="en-US" sz="1417" dirty="0" err="1">
-                <a:solidFill>
-                  <a:srgbClr val="FFC000"/>
-                </a:solidFill>
-                <a:latin typeface="Consolas" panose="020B0609020204030204" pitchFamily="49" charset="0"/>
-              </a:rPr>
-              <a:t>PreparedStatement</a:t>
-            </a:r>
-            <a:r>
-              <a:rPr lang="en-US" sz="1417" dirty="0">
-                <a:solidFill>
-                  <a:schemeClr val="bg1"/>
-                </a:solidFill>
-                <a:latin typeface="Consolas" panose="020B0609020204030204" pitchFamily="49" charset="0"/>
-              </a:rPr>
-              <a:t> </a:t>
-            </a:r>
-            <a:r>
-              <a:rPr lang="en-US" sz="1417" dirty="0" err="1">
-                <a:solidFill>
-                  <a:srgbClr val="FF5050"/>
-                </a:solidFill>
-                <a:latin typeface="Consolas" panose="020B0609020204030204" pitchFamily="49" charset="0"/>
-              </a:rPr>
-              <a:t>pstmt</a:t>
-            </a:r>
-            <a:r>
-              <a:rPr lang="en-US" sz="1417" dirty="0">
-                <a:solidFill>
-                  <a:schemeClr val="bg1"/>
-                </a:solidFill>
-                <a:latin typeface="Consolas" panose="020B0609020204030204" pitchFamily="49" charset="0"/>
-              </a:rPr>
-              <a:t> = </a:t>
-            </a:r>
-            <a:r>
-              <a:rPr lang="en-US" sz="1417" dirty="0" err="1">
-                <a:solidFill>
-                  <a:schemeClr val="bg1"/>
-                </a:solidFill>
-                <a:latin typeface="Consolas" panose="020B0609020204030204" pitchFamily="49" charset="0"/>
-              </a:rPr>
-              <a:t>conn.prepareStatement</a:t>
-            </a:r>
-            <a:r>
-              <a:rPr lang="en-US" sz="1417" dirty="0">
-                <a:solidFill>
-                  <a:schemeClr val="bg1"/>
-                </a:solidFill>
-                <a:latin typeface="Consolas" panose="020B0609020204030204" pitchFamily="49" charset="0"/>
-              </a:rPr>
-              <a:t>(</a:t>
-            </a:r>
-            <a:r>
-              <a:rPr lang="en-US" sz="1417" dirty="0" err="1">
-                <a:solidFill>
-                  <a:schemeClr val="bg1"/>
-                </a:solidFill>
-                <a:latin typeface="Consolas" panose="020B0609020204030204" pitchFamily="49" charset="0"/>
-              </a:rPr>
-              <a:t>sql</a:t>
-            </a:r>
-            <a:r>
-              <a:rPr lang="en-US" sz="1417" dirty="0">
-                <a:solidFill>
-                  <a:schemeClr val="bg1"/>
-                </a:solidFill>
-                <a:latin typeface="Consolas" panose="020B0609020204030204" pitchFamily="49" charset="0"/>
-              </a:rPr>
-              <a:t>)) {</a:t>
-            </a:r>
-          </a:p>
-          <a:p>
-            <a:r>
-              <a:rPr lang="en-US" sz="1417" dirty="0">
-                <a:solidFill>
-                  <a:schemeClr val="bg1"/>
-                </a:solidFill>
-                <a:latin typeface="Consolas" panose="020B0609020204030204" pitchFamily="49" charset="0"/>
-              </a:rPr>
-              <a:t>        </a:t>
-            </a:r>
-          </a:p>
-          <a:p>
-            <a:r>
-              <a:rPr lang="en-US" sz="1417" dirty="0">
-                <a:solidFill>
-                  <a:schemeClr val="bg1"/>
-                </a:solidFill>
-                <a:latin typeface="Consolas" panose="020B0609020204030204" pitchFamily="49" charset="0"/>
-              </a:rPr>
-              <a:t>        </a:t>
-            </a:r>
-            <a:r>
-              <a:rPr lang="en-US" sz="1417" dirty="0" err="1">
-                <a:solidFill>
-                  <a:schemeClr val="bg1"/>
-                </a:solidFill>
-                <a:latin typeface="Consolas" panose="020B0609020204030204" pitchFamily="49" charset="0"/>
-              </a:rPr>
-              <a:t>pstmt.setLong</a:t>
-            </a:r>
-            <a:r>
-              <a:rPr lang="en-US" sz="1417" dirty="0">
-                <a:solidFill>
-                  <a:schemeClr val="bg1"/>
-                </a:solidFill>
-                <a:latin typeface="Consolas" panose="020B0609020204030204" pitchFamily="49" charset="0"/>
-              </a:rPr>
-              <a:t>(</a:t>
-            </a:r>
-            <a:r>
-              <a:rPr lang="en-US" sz="1417" dirty="0">
-                <a:solidFill>
-                  <a:srgbClr val="FFC000"/>
-                </a:solidFill>
-                <a:latin typeface="Consolas" panose="020B0609020204030204" pitchFamily="49" charset="0"/>
-              </a:rPr>
-              <a:t>1</a:t>
-            </a:r>
-            <a:r>
-              <a:rPr lang="en-US" sz="1417" dirty="0">
-                <a:solidFill>
-                  <a:schemeClr val="bg1"/>
-                </a:solidFill>
-                <a:latin typeface="Consolas" panose="020B0609020204030204" pitchFamily="49" charset="0"/>
-              </a:rPr>
-              <a:t>, </a:t>
-            </a:r>
-            <a:r>
-              <a:rPr lang="en-US" sz="1417" dirty="0" err="1">
-                <a:solidFill>
-                  <a:schemeClr val="bg1"/>
-                </a:solidFill>
-                <a:latin typeface="Consolas" panose="020B0609020204030204" pitchFamily="49" charset="0"/>
-              </a:rPr>
-              <a:t>customerId</a:t>
-            </a:r>
-            <a:r>
-              <a:rPr lang="en-US" sz="1417" dirty="0">
-                <a:solidFill>
-                  <a:schemeClr val="bg1"/>
-                </a:solidFill>
-                <a:latin typeface="Consolas" panose="020B0609020204030204" pitchFamily="49" charset="0"/>
-              </a:rPr>
-              <a:t>);</a:t>
-            </a:r>
-          </a:p>
-          <a:p>
-            <a:r>
-              <a:rPr lang="en-US" sz="1417" dirty="0">
-                <a:solidFill>
-                  <a:schemeClr val="bg1"/>
-                </a:solidFill>
-                <a:latin typeface="Consolas" panose="020B0609020204030204" pitchFamily="49" charset="0"/>
-              </a:rPr>
-              <a:t>        </a:t>
-            </a:r>
-          </a:p>
-          <a:p>
-            <a:r>
-              <a:rPr lang="en-US" sz="1417" dirty="0">
-                <a:solidFill>
-                  <a:schemeClr val="bg1"/>
-                </a:solidFill>
-                <a:latin typeface="Consolas" panose="020B0609020204030204" pitchFamily="49" charset="0"/>
-              </a:rPr>
-              <a:t>        </a:t>
-            </a:r>
-            <a:r>
-              <a:rPr lang="en-US" sz="1417" dirty="0">
-                <a:solidFill>
-                  <a:srgbClr val="D47DFF"/>
-                </a:solidFill>
-                <a:latin typeface="Consolas" panose="020B0609020204030204" pitchFamily="49" charset="0"/>
-              </a:rPr>
-              <a:t>try</a:t>
-            </a:r>
-            <a:r>
-              <a:rPr lang="en-US" sz="1417" dirty="0">
-                <a:solidFill>
-                  <a:schemeClr val="bg1"/>
-                </a:solidFill>
-                <a:latin typeface="Consolas" panose="020B0609020204030204" pitchFamily="49" charset="0"/>
-              </a:rPr>
-              <a:t> (</a:t>
-            </a:r>
-            <a:r>
-              <a:rPr lang="en-US" sz="1417" dirty="0" err="1">
-                <a:solidFill>
-                  <a:srgbClr val="FFC000"/>
-                </a:solidFill>
-                <a:latin typeface="Consolas" panose="020B0609020204030204" pitchFamily="49" charset="0"/>
-              </a:rPr>
-              <a:t>ResultSet</a:t>
-            </a:r>
-            <a:r>
-              <a:rPr lang="en-US" sz="1417" dirty="0">
-                <a:solidFill>
-                  <a:schemeClr val="bg1"/>
-                </a:solidFill>
-                <a:latin typeface="Consolas" panose="020B0609020204030204" pitchFamily="49" charset="0"/>
-              </a:rPr>
-              <a:t> </a:t>
-            </a:r>
-            <a:r>
-              <a:rPr lang="en-US" sz="1417" dirty="0" err="1">
-                <a:solidFill>
-                  <a:srgbClr val="FF5050"/>
-                </a:solidFill>
-                <a:latin typeface="Consolas" panose="020B0609020204030204" pitchFamily="49" charset="0"/>
-              </a:rPr>
-              <a:t>rs</a:t>
-            </a:r>
-            <a:r>
-              <a:rPr lang="en-US" sz="1417" dirty="0">
-                <a:solidFill>
-                  <a:schemeClr val="bg1"/>
-                </a:solidFill>
-                <a:latin typeface="Consolas" panose="020B0609020204030204" pitchFamily="49" charset="0"/>
-              </a:rPr>
-              <a:t> = </a:t>
-            </a:r>
-            <a:r>
-              <a:rPr lang="en-US" sz="1417" dirty="0" err="1">
-                <a:solidFill>
-                  <a:schemeClr val="bg1"/>
-                </a:solidFill>
-                <a:latin typeface="Consolas" panose="020B0609020204030204" pitchFamily="49" charset="0"/>
-              </a:rPr>
-              <a:t>pstmt.executeQuery</a:t>
-            </a:r>
-            <a:r>
-              <a:rPr lang="en-US" sz="1417" dirty="0">
-                <a:solidFill>
-                  <a:schemeClr val="bg1"/>
-                </a:solidFill>
-                <a:latin typeface="Consolas" panose="020B0609020204030204" pitchFamily="49" charset="0"/>
-              </a:rPr>
-              <a:t>()) {</a:t>
-            </a:r>
-          </a:p>
-          <a:p>
-            <a:r>
-              <a:rPr lang="en-US" sz="1417" dirty="0">
-                <a:solidFill>
-                  <a:schemeClr val="bg1"/>
-                </a:solidFill>
-                <a:latin typeface="Consolas" panose="020B0609020204030204" pitchFamily="49" charset="0"/>
-              </a:rPr>
-              <a:t>            </a:t>
-            </a:r>
-            <a:r>
-              <a:rPr lang="en-US" sz="1417" dirty="0">
-                <a:solidFill>
-                  <a:srgbClr val="D47DFF"/>
-                </a:solidFill>
-                <a:latin typeface="Consolas" panose="020B0609020204030204" pitchFamily="49" charset="0"/>
-              </a:rPr>
-              <a:t>while</a:t>
-            </a:r>
-            <a:r>
-              <a:rPr lang="en-US" sz="1417" dirty="0">
-                <a:solidFill>
-                  <a:schemeClr val="bg1"/>
-                </a:solidFill>
-                <a:latin typeface="Consolas" panose="020B0609020204030204" pitchFamily="49" charset="0"/>
-              </a:rPr>
-              <a:t> (</a:t>
-            </a:r>
-            <a:r>
-              <a:rPr lang="en-US" sz="1417" dirty="0" err="1">
-                <a:solidFill>
-                  <a:schemeClr val="bg1"/>
-                </a:solidFill>
-                <a:latin typeface="Consolas" panose="020B0609020204030204" pitchFamily="49" charset="0"/>
-              </a:rPr>
-              <a:t>rs.next</a:t>
-            </a:r>
-            <a:r>
-              <a:rPr lang="en-US" sz="1417" dirty="0">
-                <a:solidFill>
-                  <a:schemeClr val="bg1"/>
-                </a:solidFill>
-                <a:latin typeface="Consolas" panose="020B0609020204030204" pitchFamily="49" charset="0"/>
-              </a:rPr>
-              <a:t>()) {</a:t>
-            </a:r>
-          </a:p>
-          <a:p>
-            <a:r>
-              <a:rPr lang="en-US" sz="1417" dirty="0">
-                <a:solidFill>
-                  <a:schemeClr val="bg1"/>
-                </a:solidFill>
-                <a:latin typeface="Consolas" panose="020B0609020204030204" pitchFamily="49" charset="0"/>
-              </a:rPr>
-              <a:t>                </a:t>
-            </a:r>
-            <a:r>
-              <a:rPr lang="en-US" sz="1417" dirty="0">
-                <a:solidFill>
-                  <a:srgbClr val="FFC000"/>
-                </a:solidFill>
-                <a:latin typeface="Consolas" panose="020B0609020204030204" pitchFamily="49" charset="0"/>
-              </a:rPr>
-              <a:t>Order</a:t>
-            </a:r>
-            <a:r>
-              <a:rPr lang="en-US" sz="1417" dirty="0">
-                <a:solidFill>
-                  <a:schemeClr val="bg1"/>
-                </a:solidFill>
-                <a:latin typeface="Consolas" panose="020B0609020204030204" pitchFamily="49" charset="0"/>
-              </a:rPr>
-              <a:t> </a:t>
-            </a:r>
-            <a:r>
-              <a:rPr lang="en-US" sz="1417" dirty="0" err="1">
-                <a:solidFill>
-                  <a:srgbClr val="FF5050"/>
-                </a:solidFill>
-                <a:latin typeface="Consolas" panose="020B0609020204030204" pitchFamily="49" charset="0"/>
-              </a:rPr>
-              <a:t>order</a:t>
-            </a:r>
-            <a:r>
-              <a:rPr lang="en-US" sz="1417" dirty="0">
-                <a:solidFill>
-                  <a:schemeClr val="bg1"/>
-                </a:solidFill>
-                <a:latin typeface="Consolas" panose="020B0609020204030204" pitchFamily="49" charset="0"/>
-              </a:rPr>
-              <a:t> = </a:t>
-            </a:r>
-            <a:r>
-              <a:rPr lang="en-US" sz="1417" dirty="0" err="1">
-                <a:solidFill>
-                  <a:schemeClr val="bg1"/>
-                </a:solidFill>
-                <a:latin typeface="Consolas" panose="020B0609020204030204" pitchFamily="49" charset="0"/>
-              </a:rPr>
-              <a:t>mapResultSetToOrder</a:t>
-            </a:r>
-            <a:r>
-              <a:rPr lang="en-US" sz="1417" dirty="0">
-                <a:solidFill>
-                  <a:schemeClr val="bg1"/>
-                </a:solidFill>
-                <a:latin typeface="Consolas" panose="020B0609020204030204" pitchFamily="49" charset="0"/>
-              </a:rPr>
-              <a:t>(</a:t>
-            </a:r>
-            <a:r>
-              <a:rPr lang="en-US" sz="1417" dirty="0" err="1">
-                <a:solidFill>
-                  <a:schemeClr val="bg1"/>
-                </a:solidFill>
-                <a:latin typeface="Consolas" panose="020B0609020204030204" pitchFamily="49" charset="0"/>
-              </a:rPr>
-              <a:t>rs</a:t>
-            </a:r>
-            <a:r>
-              <a:rPr lang="en-US" sz="1417" dirty="0">
-                <a:solidFill>
-                  <a:schemeClr val="bg1"/>
-                </a:solidFill>
-                <a:latin typeface="Consolas" panose="020B0609020204030204" pitchFamily="49" charset="0"/>
-              </a:rPr>
-              <a:t>);</a:t>
-            </a:r>
-          </a:p>
-          <a:p>
-            <a:r>
-              <a:rPr lang="en-US" sz="1417" dirty="0">
-                <a:solidFill>
-                  <a:schemeClr val="bg1"/>
-                </a:solidFill>
-                <a:latin typeface="Consolas" panose="020B0609020204030204" pitchFamily="49" charset="0"/>
-              </a:rPr>
-              <a:t>                </a:t>
-            </a:r>
-            <a:r>
-              <a:rPr lang="en-US" sz="1417" dirty="0" err="1">
-                <a:solidFill>
-                  <a:schemeClr val="bg1"/>
-                </a:solidFill>
-                <a:latin typeface="Consolas" panose="020B0609020204030204" pitchFamily="49" charset="0"/>
-              </a:rPr>
-              <a:t>orders.add</a:t>
-            </a:r>
-            <a:r>
-              <a:rPr lang="en-US" sz="1417" dirty="0">
-                <a:solidFill>
-                  <a:schemeClr val="bg1"/>
-                </a:solidFill>
-                <a:latin typeface="Consolas" panose="020B0609020204030204" pitchFamily="49" charset="0"/>
-              </a:rPr>
-              <a:t>(order);</a:t>
-            </a:r>
-          </a:p>
-          <a:p>
-            <a:r>
-              <a:rPr lang="en-US" sz="1417" dirty="0">
-                <a:solidFill>
-                  <a:schemeClr val="bg1"/>
-                </a:solidFill>
-                <a:latin typeface="Consolas" panose="020B0609020204030204" pitchFamily="49" charset="0"/>
-              </a:rPr>
-              <a:t>            }</a:t>
-            </a:r>
-          </a:p>
-          <a:p>
-            <a:r>
-              <a:rPr lang="en-US" sz="1417" dirty="0">
-                <a:solidFill>
-                  <a:schemeClr val="bg1"/>
-                </a:solidFill>
-                <a:latin typeface="Consolas" panose="020B0609020204030204" pitchFamily="49" charset="0"/>
-              </a:rPr>
-              <a:t>        }</a:t>
-            </a:r>
-          </a:p>
-          <a:p>
-            <a:r>
-              <a:rPr lang="en-US" sz="1417" dirty="0">
-                <a:solidFill>
-                  <a:schemeClr val="bg1"/>
-                </a:solidFill>
-                <a:latin typeface="Consolas" panose="020B0609020204030204" pitchFamily="49" charset="0"/>
-              </a:rPr>
-              <a:t>    } </a:t>
-            </a:r>
-            <a:r>
-              <a:rPr lang="en-US" sz="1417" dirty="0">
-                <a:solidFill>
-                  <a:srgbClr val="D47DFF"/>
-                </a:solidFill>
-                <a:latin typeface="Consolas" panose="020B0609020204030204" pitchFamily="49" charset="0"/>
-              </a:rPr>
-              <a:t>catch</a:t>
-            </a:r>
-            <a:r>
-              <a:rPr lang="en-US" sz="1417" dirty="0">
-                <a:solidFill>
-                  <a:schemeClr val="bg1"/>
-                </a:solidFill>
-                <a:latin typeface="Consolas" panose="020B0609020204030204" pitchFamily="49" charset="0"/>
-              </a:rPr>
-              <a:t> (</a:t>
-            </a:r>
-            <a:r>
-              <a:rPr lang="en-US" sz="1417" dirty="0" err="1">
-                <a:solidFill>
-                  <a:schemeClr val="bg1"/>
-                </a:solidFill>
-                <a:latin typeface="Consolas" panose="020B0609020204030204" pitchFamily="49" charset="0"/>
-              </a:rPr>
-              <a:t>SQLException</a:t>
-            </a:r>
-            <a:r>
-              <a:rPr lang="en-US" sz="1417" dirty="0">
-                <a:solidFill>
-                  <a:schemeClr val="bg1"/>
-                </a:solidFill>
-                <a:latin typeface="Consolas" panose="020B0609020204030204" pitchFamily="49" charset="0"/>
-              </a:rPr>
-              <a:t> e) {</a:t>
-            </a:r>
-          </a:p>
-          <a:p>
-            <a:r>
-              <a:rPr lang="en-US" sz="1417" dirty="0">
-                <a:solidFill>
-                  <a:schemeClr val="bg1"/>
-                </a:solidFill>
-                <a:latin typeface="Consolas" panose="020B0609020204030204" pitchFamily="49" charset="0"/>
-              </a:rPr>
-              <a:t>        </a:t>
-            </a:r>
-            <a:r>
-              <a:rPr lang="en-US" sz="1417" dirty="0">
-                <a:solidFill>
-                  <a:srgbClr val="D47DFF"/>
-                </a:solidFill>
-                <a:latin typeface="Consolas" panose="020B0609020204030204" pitchFamily="49" charset="0"/>
-              </a:rPr>
-              <a:t>throw</a:t>
-            </a:r>
-            <a:r>
-              <a:rPr lang="en-US" sz="1417" dirty="0">
-                <a:solidFill>
-                  <a:schemeClr val="bg1"/>
-                </a:solidFill>
-                <a:latin typeface="Consolas" panose="020B0609020204030204" pitchFamily="49" charset="0"/>
-              </a:rPr>
-              <a:t> </a:t>
-            </a:r>
-            <a:r>
-              <a:rPr lang="en-US" sz="1417" dirty="0">
-                <a:solidFill>
-                  <a:srgbClr val="D47DFF"/>
-                </a:solidFill>
-                <a:latin typeface="Consolas" panose="020B0609020204030204" pitchFamily="49" charset="0"/>
-              </a:rPr>
-              <a:t>new</a:t>
-            </a:r>
-            <a:r>
-              <a:rPr lang="en-US" sz="1417" dirty="0">
-                <a:solidFill>
-                  <a:schemeClr val="bg1"/>
-                </a:solidFill>
-                <a:latin typeface="Consolas" panose="020B0609020204030204" pitchFamily="49" charset="0"/>
-              </a:rPr>
-              <a:t> </a:t>
-            </a:r>
-            <a:r>
-              <a:rPr lang="en-US" sz="1417" dirty="0" err="1">
-                <a:solidFill>
-                  <a:srgbClr val="00FFFF"/>
-                </a:solidFill>
-                <a:latin typeface="Consolas" panose="020B0609020204030204" pitchFamily="49" charset="0"/>
-              </a:rPr>
-              <a:t>RuntimeException</a:t>
-            </a:r>
-            <a:r>
-              <a:rPr lang="en-US" sz="1417" dirty="0">
-                <a:solidFill>
-                  <a:schemeClr val="bg1"/>
-                </a:solidFill>
-                <a:latin typeface="Consolas" panose="020B0609020204030204" pitchFamily="49" charset="0"/>
-              </a:rPr>
-              <a:t>(</a:t>
-            </a:r>
-            <a:r>
-              <a:rPr lang="en-US" sz="1417" dirty="0">
-                <a:solidFill>
-                  <a:srgbClr val="ABE338"/>
-                </a:solidFill>
-                <a:latin typeface="Consolas" panose="020B0609020204030204" pitchFamily="49" charset="0"/>
-              </a:rPr>
-              <a:t>"Cannot fetch orders"</a:t>
-            </a:r>
-            <a:r>
-              <a:rPr lang="en-US" sz="1417" dirty="0">
-                <a:solidFill>
-                  <a:schemeClr val="bg1"/>
-                </a:solidFill>
-                <a:latin typeface="Consolas" panose="020B0609020204030204" pitchFamily="49" charset="0"/>
-              </a:rPr>
-              <a:t>, e);</a:t>
-            </a:r>
-          </a:p>
-          <a:p>
-            <a:r>
-              <a:rPr lang="en-US" sz="1417" dirty="0">
-                <a:solidFill>
-                  <a:schemeClr val="bg1"/>
-                </a:solidFill>
-                <a:latin typeface="Consolas" panose="020B0609020204030204" pitchFamily="49" charset="0"/>
-              </a:rPr>
-              <a:t>    }</a:t>
-            </a:r>
-          </a:p>
-          <a:p>
-            <a:r>
-              <a:rPr lang="en-US" sz="1417" dirty="0">
-                <a:solidFill>
-                  <a:schemeClr val="bg1"/>
-                </a:solidFill>
-                <a:latin typeface="Consolas" panose="020B0609020204030204" pitchFamily="49" charset="0"/>
-              </a:rPr>
-              <a:t>    </a:t>
-            </a:r>
-          </a:p>
-          <a:p>
-            <a:r>
-              <a:rPr lang="en-US" sz="1417" dirty="0">
-                <a:solidFill>
-                  <a:schemeClr val="bg1"/>
-                </a:solidFill>
-                <a:latin typeface="Consolas" panose="020B0609020204030204" pitchFamily="49" charset="0"/>
-              </a:rPr>
-              <a:t>    </a:t>
-            </a:r>
-            <a:r>
-              <a:rPr lang="en-US" sz="1417" dirty="0">
-                <a:solidFill>
-                  <a:srgbClr val="D47DFF"/>
-                </a:solidFill>
-                <a:latin typeface="Consolas" panose="020B0609020204030204" pitchFamily="49" charset="0"/>
-              </a:rPr>
-              <a:t>return</a:t>
-            </a:r>
-            <a:r>
-              <a:rPr lang="en-US" sz="1417" dirty="0">
-                <a:solidFill>
-                  <a:schemeClr val="bg1"/>
-                </a:solidFill>
-                <a:latin typeface="Consolas" panose="020B0609020204030204" pitchFamily="49" charset="0"/>
-              </a:rPr>
-              <a:t> orders;</a:t>
-            </a:r>
-          </a:p>
-          <a:p>
-            <a:r>
-              <a:rPr lang="en-US" sz="1417" dirty="0">
-                <a:solidFill>
-                  <a:schemeClr val="bg1"/>
-                </a:solidFill>
-                <a:latin typeface="Consolas" panose="020B0609020204030204" pitchFamily="49" charset="0"/>
-              </a:rPr>
-              <a:t>}</a:t>
-            </a:r>
-            <a:endParaRPr lang="ru-RU" sz="1417" dirty="0">
-              <a:solidFill>
-                <a:schemeClr val="bg1"/>
-              </a:solidFill>
-              <a:latin typeface="Consolas" panose="020B0609020204030204" pitchFamily="49" charset="0"/>
-            </a:endParaRPr>
-          </a:p>
-        </p:txBody>
-      </p:sp>
-    </p:spTree>
-    <p:extLst>
-      <p:ext uri="{BB962C8B-B14F-4D97-AF65-F5344CB8AC3E}">
-        <p14:creationId xmlns:p14="http://schemas.microsoft.com/office/powerpoint/2010/main" val="1916734458"/>
       </p:ext>
     </p:extLst>
   </p:cSld>
@@ -13337,6 +13042,1121 @@
           <p:cNvPr id="4" name="TextBox 3">
             <a:extLst>
               <a:ext uri="{FF2B5EF4-FFF2-40B4-BE49-F238E27FC236}">
+                <a16:creationId xmlns:a16="http://schemas.microsoft.com/office/drawing/2014/main" id="{7ECF7D95-3918-0C04-78FF-0D1FC462F841}"/>
+              </a:ext>
+            </a:extLst>
+          </p:cNvPr>
+          <p:cNvSpPr txBox="1"/>
+          <p:nvPr/>
+        </p:nvSpPr>
+        <p:spPr>
+          <a:xfrm>
+            <a:off x="763897" y="3084583"/>
+            <a:ext cx="2792103" cy="553998"/>
+          </a:xfrm>
+          <a:prstGeom prst="rect">
+            <a:avLst/>
+          </a:prstGeom>
+          <a:noFill/>
+        </p:spPr>
+        <p:txBody>
+          <a:bodyPr wrap="square">
+            <a:spAutoFit/>
+          </a:bodyPr>
+          <a:lstStyle/>
+          <a:p>
+            <a:r>
+              <a:rPr lang="en-US" sz="1500" dirty="0" err="1">
+                <a:solidFill>
+                  <a:schemeClr val="accent2">
+                    <a:lumMod val="75000"/>
+                  </a:schemeClr>
+                </a:solidFill>
+                <a:latin typeface="Bahnschrift SemiBold" panose="020B0502040204020203" pitchFamily="34" charset="0"/>
+              </a:rPr>
+              <a:t>OrderDAO.findByCustomerId</a:t>
+            </a:r>
+            <a:r>
+              <a:rPr lang="en-US" sz="1500" dirty="0">
+                <a:solidFill>
+                  <a:schemeClr val="accent2">
+                    <a:lumMod val="75000"/>
+                  </a:schemeClr>
+                </a:solidFill>
+                <a:latin typeface="Bahnschrift SemiBold" panose="020B0502040204020203" pitchFamily="34" charset="0"/>
+              </a:rPr>
+              <a:t>(</a:t>
+            </a:r>
+            <a:r>
+              <a:rPr lang="ru-RU" sz="1500" dirty="0">
+                <a:solidFill>
+                  <a:schemeClr val="accent2">
+                    <a:lumMod val="75000"/>
+                  </a:schemeClr>
+                </a:solidFill>
+                <a:latin typeface="Bahnschrift SemiBold" panose="020B0502040204020203" pitchFamily="34" charset="0"/>
+              </a:rPr>
+              <a:t>)</a:t>
+            </a:r>
+            <a:r>
+              <a:rPr lang="en-US" sz="1500" dirty="0">
+                <a:solidFill>
+                  <a:schemeClr val="accent2">
+                    <a:lumMod val="75000"/>
+                  </a:schemeClr>
+                </a:solidFill>
+                <a:latin typeface="Bahnschrift SemiBold" panose="020B0502040204020203" pitchFamily="34" charset="0"/>
+              </a:rPr>
+              <a:t>. </a:t>
+            </a:r>
+            <a:r>
+              <a:rPr lang="ru-RU" sz="1500" dirty="0">
+                <a:solidFill>
+                  <a:schemeClr val="accent2">
+                    <a:lumMod val="75000"/>
+                  </a:schemeClr>
+                </a:solidFill>
+                <a:latin typeface="Bahnschrift SemiBold" panose="020B0502040204020203" pitchFamily="34" charset="0"/>
+              </a:rPr>
+              <a:t>Получение заказов:</a:t>
+            </a:r>
+          </a:p>
+        </p:txBody>
+      </p:sp>
+      <p:sp>
+        <p:nvSpPr>
+          <p:cNvPr id="6" name="TextBox 5">
+            <a:extLst>
+              <a:ext uri="{FF2B5EF4-FFF2-40B4-BE49-F238E27FC236}">
+                <a16:creationId xmlns:a16="http://schemas.microsoft.com/office/drawing/2014/main" id="{580D609E-0F23-6516-B8AA-CA2A0FDD5545}"/>
+              </a:ext>
+            </a:extLst>
+          </p:cNvPr>
+          <p:cNvSpPr txBox="1"/>
+          <p:nvPr/>
+        </p:nvSpPr>
+        <p:spPr>
+          <a:xfrm>
+            <a:off x="3939309" y="733227"/>
+            <a:ext cx="7742547" cy="5410134"/>
+          </a:xfrm>
+          <a:prstGeom prst="roundRect">
+            <a:avLst/>
+          </a:prstGeom>
+          <a:solidFill>
+            <a:schemeClr val="tx1"/>
+          </a:solidFill>
+        </p:spPr>
+        <p:txBody>
+          <a:bodyPr wrap="square">
+            <a:spAutoFit/>
+          </a:bodyPr>
+          <a:lstStyle/>
+          <a:p>
+            <a:r>
+              <a:rPr lang="en-US" sz="1417" dirty="0">
+                <a:solidFill>
+                  <a:srgbClr val="D47DFF"/>
+                </a:solidFill>
+                <a:latin typeface="Consolas" panose="020B0609020204030204" pitchFamily="49" charset="0"/>
+              </a:rPr>
+              <a:t>public</a:t>
+            </a:r>
+            <a:r>
+              <a:rPr lang="en-US" sz="1417" dirty="0">
+                <a:solidFill>
+                  <a:schemeClr val="bg1"/>
+                </a:solidFill>
+                <a:latin typeface="Consolas" panose="020B0609020204030204" pitchFamily="49" charset="0"/>
+              </a:rPr>
+              <a:t> List&lt;Order&gt; </a:t>
+            </a:r>
+            <a:r>
+              <a:rPr lang="en-US" sz="1417" dirty="0" err="1">
+                <a:solidFill>
+                  <a:srgbClr val="00FFFF"/>
+                </a:solidFill>
+                <a:latin typeface="Consolas" panose="020B0609020204030204" pitchFamily="49" charset="0"/>
+              </a:rPr>
+              <a:t>findByCustomerId</a:t>
+            </a:r>
+            <a:r>
+              <a:rPr lang="en-US" sz="1417" dirty="0">
+                <a:solidFill>
+                  <a:srgbClr val="FFC000"/>
+                </a:solidFill>
+                <a:latin typeface="Consolas" panose="020B0609020204030204" pitchFamily="49" charset="0"/>
+              </a:rPr>
+              <a:t>(long </a:t>
+            </a:r>
+            <a:r>
+              <a:rPr lang="en-US" sz="1417" dirty="0" err="1">
+                <a:solidFill>
+                  <a:srgbClr val="FFC000"/>
+                </a:solidFill>
+                <a:latin typeface="Consolas" panose="020B0609020204030204" pitchFamily="49" charset="0"/>
+              </a:rPr>
+              <a:t>customerId</a:t>
+            </a:r>
+            <a:r>
+              <a:rPr lang="en-US" sz="1417" dirty="0">
+                <a:solidFill>
+                  <a:srgbClr val="FFC000"/>
+                </a:solidFill>
+                <a:latin typeface="Consolas" panose="020B0609020204030204" pitchFamily="49" charset="0"/>
+              </a:rPr>
+              <a:t>) </a:t>
+            </a:r>
+            <a:r>
+              <a:rPr lang="en-US" sz="1417" dirty="0">
+                <a:solidFill>
+                  <a:schemeClr val="bg1"/>
+                </a:solidFill>
+                <a:latin typeface="Consolas" panose="020B0609020204030204" pitchFamily="49" charset="0"/>
+              </a:rPr>
+              <a:t>{</a:t>
+            </a:r>
+          </a:p>
+          <a:p>
+            <a:r>
+              <a:rPr lang="en-US" sz="1417" dirty="0">
+                <a:solidFill>
+                  <a:schemeClr val="bg1"/>
+                </a:solidFill>
+                <a:latin typeface="Consolas" panose="020B0609020204030204" pitchFamily="49" charset="0"/>
+              </a:rPr>
+              <a:t>    </a:t>
+            </a:r>
+            <a:r>
+              <a:rPr lang="en-US" sz="1417" dirty="0">
+                <a:solidFill>
+                  <a:srgbClr val="FFC000"/>
+                </a:solidFill>
+                <a:latin typeface="Consolas" panose="020B0609020204030204" pitchFamily="49" charset="0"/>
+              </a:rPr>
+              <a:t>String</a:t>
+            </a:r>
+            <a:r>
+              <a:rPr lang="en-US" sz="1417" dirty="0">
+                <a:solidFill>
+                  <a:schemeClr val="bg1"/>
+                </a:solidFill>
+                <a:latin typeface="Consolas" panose="020B0609020204030204" pitchFamily="49" charset="0"/>
+              </a:rPr>
+              <a:t> </a:t>
+            </a:r>
+            <a:r>
+              <a:rPr lang="en-US" sz="1417" dirty="0" err="1">
+                <a:solidFill>
+                  <a:srgbClr val="FF5050"/>
+                </a:solidFill>
+                <a:latin typeface="Consolas" panose="020B0609020204030204" pitchFamily="49" charset="0"/>
+              </a:rPr>
+              <a:t>sql</a:t>
+            </a:r>
+            <a:r>
+              <a:rPr lang="en-US" sz="1417" dirty="0">
+                <a:solidFill>
+                  <a:schemeClr val="bg1"/>
+                </a:solidFill>
+                <a:latin typeface="Consolas" panose="020B0609020204030204" pitchFamily="49" charset="0"/>
+              </a:rPr>
+              <a:t> = </a:t>
+            </a:r>
+            <a:r>
+              <a:rPr lang="en-US" sz="1417" dirty="0">
+                <a:solidFill>
+                  <a:srgbClr val="ABE338"/>
+                </a:solidFill>
+                <a:latin typeface="Consolas" panose="020B0609020204030204" pitchFamily="49" charset="0"/>
+              </a:rPr>
+              <a:t>"SELECT * FROM orders WHERE </a:t>
+            </a:r>
+            <a:r>
+              <a:rPr lang="en-US" sz="1417" dirty="0" err="1">
+                <a:solidFill>
+                  <a:srgbClr val="ABE338"/>
+                </a:solidFill>
+                <a:latin typeface="Consolas" panose="020B0609020204030204" pitchFamily="49" charset="0"/>
+              </a:rPr>
+              <a:t>customer_id</a:t>
+            </a:r>
+            <a:r>
+              <a:rPr lang="en-US" sz="1417" dirty="0">
+                <a:solidFill>
+                  <a:srgbClr val="ABE338"/>
+                </a:solidFill>
+                <a:latin typeface="Consolas" panose="020B0609020204030204" pitchFamily="49" charset="0"/>
+              </a:rPr>
+              <a:t> = ? " </a:t>
+            </a:r>
+            <a:r>
+              <a:rPr lang="en-US" sz="1417" dirty="0">
+                <a:solidFill>
+                  <a:schemeClr val="bg1"/>
+                </a:solidFill>
+                <a:latin typeface="Consolas" panose="020B0609020204030204" pitchFamily="49" charset="0"/>
+              </a:rPr>
+              <a:t>+</a:t>
+            </a:r>
+          </a:p>
+          <a:p>
+            <a:r>
+              <a:rPr lang="en-US" sz="1417" dirty="0">
+                <a:solidFill>
+                  <a:schemeClr val="bg1"/>
+                </a:solidFill>
+                <a:latin typeface="Consolas" panose="020B0609020204030204" pitchFamily="49" charset="0"/>
+              </a:rPr>
+              <a:t>                 </a:t>
+            </a:r>
+            <a:r>
+              <a:rPr lang="en-US" sz="1417" dirty="0">
+                <a:solidFill>
+                  <a:srgbClr val="ABE338"/>
+                </a:solidFill>
+                <a:latin typeface="Consolas" panose="020B0609020204030204" pitchFamily="49" charset="0"/>
+              </a:rPr>
+              <a:t>"ORDER BY </a:t>
+            </a:r>
+            <a:r>
+              <a:rPr lang="en-US" sz="1417" dirty="0" err="1">
+                <a:solidFill>
+                  <a:srgbClr val="ABE338"/>
+                </a:solidFill>
+                <a:latin typeface="Consolas" panose="020B0609020204030204" pitchFamily="49" charset="0"/>
+              </a:rPr>
+              <a:t>created_at</a:t>
+            </a:r>
+            <a:r>
+              <a:rPr lang="en-US" sz="1417" dirty="0">
+                <a:solidFill>
+                  <a:srgbClr val="ABE338"/>
+                </a:solidFill>
+                <a:latin typeface="Consolas" panose="020B0609020204030204" pitchFamily="49" charset="0"/>
+              </a:rPr>
+              <a:t> DESC"</a:t>
+            </a:r>
+            <a:r>
+              <a:rPr lang="en-US" sz="1417" dirty="0">
+                <a:solidFill>
+                  <a:schemeClr val="bg1"/>
+                </a:solidFill>
+                <a:latin typeface="Consolas" panose="020B0609020204030204" pitchFamily="49" charset="0"/>
+              </a:rPr>
+              <a:t>;</a:t>
+            </a:r>
+          </a:p>
+          <a:p>
+            <a:r>
+              <a:rPr lang="en-US" sz="1417" dirty="0">
+                <a:solidFill>
+                  <a:schemeClr val="bg1"/>
+                </a:solidFill>
+                <a:latin typeface="Consolas" panose="020B0609020204030204" pitchFamily="49" charset="0"/>
+              </a:rPr>
+              <a:t>    List&lt;Order&gt; orders = </a:t>
+            </a:r>
+            <a:r>
+              <a:rPr lang="en-US" sz="1417" dirty="0">
+                <a:solidFill>
+                  <a:srgbClr val="D47DFF"/>
+                </a:solidFill>
+                <a:latin typeface="Consolas" panose="020B0609020204030204" pitchFamily="49" charset="0"/>
+              </a:rPr>
+              <a:t>new</a:t>
+            </a:r>
+            <a:r>
+              <a:rPr lang="en-US" sz="1417" dirty="0">
+                <a:solidFill>
+                  <a:schemeClr val="bg1"/>
+                </a:solidFill>
+                <a:latin typeface="Consolas" panose="020B0609020204030204" pitchFamily="49" charset="0"/>
+              </a:rPr>
+              <a:t> </a:t>
+            </a:r>
+            <a:r>
+              <a:rPr lang="en-US" sz="1417" dirty="0" err="1">
+                <a:solidFill>
+                  <a:srgbClr val="00FFFF"/>
+                </a:solidFill>
+                <a:latin typeface="Consolas" panose="020B0609020204030204" pitchFamily="49" charset="0"/>
+              </a:rPr>
+              <a:t>ArrayList</a:t>
+            </a:r>
+            <a:r>
+              <a:rPr lang="en-US" sz="1417" dirty="0">
+                <a:solidFill>
+                  <a:schemeClr val="bg1"/>
+                </a:solidFill>
+                <a:latin typeface="Consolas" panose="020B0609020204030204" pitchFamily="49" charset="0"/>
+              </a:rPr>
+              <a:t>&lt;&gt;();</a:t>
+            </a:r>
+          </a:p>
+          <a:p>
+            <a:r>
+              <a:rPr lang="en-US" sz="1417" dirty="0">
+                <a:solidFill>
+                  <a:schemeClr val="bg1"/>
+                </a:solidFill>
+                <a:latin typeface="Consolas" panose="020B0609020204030204" pitchFamily="49" charset="0"/>
+              </a:rPr>
+              <a:t>    </a:t>
+            </a:r>
+          </a:p>
+          <a:p>
+            <a:r>
+              <a:rPr lang="en-US" sz="1417" dirty="0">
+                <a:solidFill>
+                  <a:schemeClr val="bg1"/>
+                </a:solidFill>
+                <a:latin typeface="Consolas" panose="020B0609020204030204" pitchFamily="49" charset="0"/>
+              </a:rPr>
+              <a:t>    </a:t>
+            </a:r>
+            <a:r>
+              <a:rPr lang="en-US" sz="1417" dirty="0">
+                <a:solidFill>
+                  <a:srgbClr val="D47DFF"/>
+                </a:solidFill>
+                <a:latin typeface="Consolas" panose="020B0609020204030204" pitchFamily="49" charset="0"/>
+              </a:rPr>
+              <a:t>try</a:t>
+            </a:r>
+            <a:r>
+              <a:rPr lang="en-US" sz="1417" dirty="0">
+                <a:solidFill>
+                  <a:schemeClr val="bg1"/>
+                </a:solidFill>
+                <a:latin typeface="Consolas" panose="020B0609020204030204" pitchFamily="49" charset="0"/>
+              </a:rPr>
+              <a:t> (</a:t>
+            </a:r>
+            <a:r>
+              <a:rPr lang="en-US" sz="1417" dirty="0">
+                <a:solidFill>
+                  <a:srgbClr val="FFC000"/>
+                </a:solidFill>
+                <a:latin typeface="Consolas" panose="020B0609020204030204" pitchFamily="49" charset="0"/>
+              </a:rPr>
+              <a:t>Connection</a:t>
+            </a:r>
+            <a:r>
+              <a:rPr lang="en-US" sz="1417" dirty="0">
+                <a:solidFill>
+                  <a:schemeClr val="bg1"/>
+                </a:solidFill>
+                <a:latin typeface="Consolas" panose="020B0609020204030204" pitchFamily="49" charset="0"/>
+              </a:rPr>
+              <a:t> </a:t>
+            </a:r>
+            <a:r>
+              <a:rPr lang="en-US" sz="1417" dirty="0">
+                <a:solidFill>
+                  <a:srgbClr val="FF5050"/>
+                </a:solidFill>
+                <a:latin typeface="Consolas" panose="020B0609020204030204" pitchFamily="49" charset="0"/>
+              </a:rPr>
+              <a:t>conn</a:t>
+            </a:r>
+            <a:r>
+              <a:rPr lang="en-US" sz="1417" dirty="0">
+                <a:solidFill>
+                  <a:schemeClr val="bg1"/>
+                </a:solidFill>
+                <a:latin typeface="Consolas" panose="020B0609020204030204" pitchFamily="49" charset="0"/>
+              </a:rPr>
+              <a:t> = </a:t>
+            </a:r>
+            <a:r>
+              <a:rPr lang="en-US" sz="1417" dirty="0" err="1">
+                <a:solidFill>
+                  <a:schemeClr val="bg1"/>
+                </a:solidFill>
+                <a:latin typeface="Consolas" panose="020B0609020204030204" pitchFamily="49" charset="0"/>
+              </a:rPr>
+              <a:t>dataSource.getConnection</a:t>
+            </a:r>
+            <a:r>
+              <a:rPr lang="en-US" sz="1417" dirty="0">
+                <a:solidFill>
+                  <a:schemeClr val="bg1"/>
+                </a:solidFill>
+                <a:latin typeface="Consolas" panose="020B0609020204030204" pitchFamily="49" charset="0"/>
+              </a:rPr>
+              <a:t>();</a:t>
+            </a:r>
+          </a:p>
+          <a:p>
+            <a:r>
+              <a:rPr lang="en-US" sz="1417" dirty="0">
+                <a:solidFill>
+                  <a:schemeClr val="bg1"/>
+                </a:solidFill>
+                <a:latin typeface="Consolas" panose="020B0609020204030204" pitchFamily="49" charset="0"/>
+              </a:rPr>
+              <a:t>         </a:t>
+            </a:r>
+            <a:r>
+              <a:rPr lang="en-US" sz="1417" dirty="0" err="1">
+                <a:solidFill>
+                  <a:srgbClr val="FFC000"/>
+                </a:solidFill>
+                <a:latin typeface="Consolas" panose="020B0609020204030204" pitchFamily="49" charset="0"/>
+              </a:rPr>
+              <a:t>PreparedStatement</a:t>
+            </a:r>
+            <a:r>
+              <a:rPr lang="en-US" sz="1417" dirty="0">
+                <a:solidFill>
+                  <a:schemeClr val="bg1"/>
+                </a:solidFill>
+                <a:latin typeface="Consolas" panose="020B0609020204030204" pitchFamily="49" charset="0"/>
+              </a:rPr>
+              <a:t> </a:t>
+            </a:r>
+            <a:r>
+              <a:rPr lang="en-US" sz="1417" dirty="0" err="1">
+                <a:solidFill>
+                  <a:srgbClr val="FF5050"/>
+                </a:solidFill>
+                <a:latin typeface="Consolas" panose="020B0609020204030204" pitchFamily="49" charset="0"/>
+              </a:rPr>
+              <a:t>pstmt</a:t>
+            </a:r>
+            <a:r>
+              <a:rPr lang="en-US" sz="1417" dirty="0">
+                <a:solidFill>
+                  <a:schemeClr val="bg1"/>
+                </a:solidFill>
+                <a:latin typeface="Consolas" panose="020B0609020204030204" pitchFamily="49" charset="0"/>
+              </a:rPr>
+              <a:t> = </a:t>
+            </a:r>
+            <a:r>
+              <a:rPr lang="en-US" sz="1417" dirty="0" err="1">
+                <a:solidFill>
+                  <a:schemeClr val="bg1"/>
+                </a:solidFill>
+                <a:latin typeface="Consolas" panose="020B0609020204030204" pitchFamily="49" charset="0"/>
+              </a:rPr>
+              <a:t>conn.prepareStatement</a:t>
+            </a:r>
+            <a:r>
+              <a:rPr lang="en-US" sz="1417" dirty="0">
+                <a:solidFill>
+                  <a:schemeClr val="bg1"/>
+                </a:solidFill>
+                <a:latin typeface="Consolas" panose="020B0609020204030204" pitchFamily="49" charset="0"/>
+              </a:rPr>
+              <a:t>(</a:t>
+            </a:r>
+            <a:r>
+              <a:rPr lang="en-US" sz="1417" dirty="0" err="1">
+                <a:solidFill>
+                  <a:schemeClr val="bg1"/>
+                </a:solidFill>
+                <a:latin typeface="Consolas" panose="020B0609020204030204" pitchFamily="49" charset="0"/>
+              </a:rPr>
+              <a:t>sql</a:t>
+            </a:r>
+            <a:r>
+              <a:rPr lang="en-US" sz="1417" dirty="0">
+                <a:solidFill>
+                  <a:schemeClr val="bg1"/>
+                </a:solidFill>
+                <a:latin typeface="Consolas" panose="020B0609020204030204" pitchFamily="49" charset="0"/>
+              </a:rPr>
+              <a:t>)) {</a:t>
+            </a:r>
+          </a:p>
+          <a:p>
+            <a:r>
+              <a:rPr lang="en-US" sz="1417" dirty="0">
+                <a:solidFill>
+                  <a:schemeClr val="bg1"/>
+                </a:solidFill>
+                <a:latin typeface="Consolas" panose="020B0609020204030204" pitchFamily="49" charset="0"/>
+              </a:rPr>
+              <a:t>        </a:t>
+            </a:r>
+          </a:p>
+          <a:p>
+            <a:r>
+              <a:rPr lang="en-US" sz="1417" dirty="0">
+                <a:solidFill>
+                  <a:schemeClr val="bg1"/>
+                </a:solidFill>
+                <a:latin typeface="Consolas" panose="020B0609020204030204" pitchFamily="49" charset="0"/>
+              </a:rPr>
+              <a:t>        </a:t>
+            </a:r>
+            <a:r>
+              <a:rPr lang="en-US" sz="1417" dirty="0" err="1">
+                <a:solidFill>
+                  <a:schemeClr val="bg1"/>
+                </a:solidFill>
+                <a:latin typeface="Consolas" panose="020B0609020204030204" pitchFamily="49" charset="0"/>
+              </a:rPr>
+              <a:t>pstmt.setLong</a:t>
+            </a:r>
+            <a:r>
+              <a:rPr lang="en-US" sz="1417" dirty="0">
+                <a:solidFill>
+                  <a:schemeClr val="bg1"/>
+                </a:solidFill>
+                <a:latin typeface="Consolas" panose="020B0609020204030204" pitchFamily="49" charset="0"/>
+              </a:rPr>
+              <a:t>(</a:t>
+            </a:r>
+            <a:r>
+              <a:rPr lang="en-US" sz="1417" dirty="0">
+                <a:solidFill>
+                  <a:srgbClr val="FFC000"/>
+                </a:solidFill>
+                <a:latin typeface="Consolas" panose="020B0609020204030204" pitchFamily="49" charset="0"/>
+              </a:rPr>
+              <a:t>1</a:t>
+            </a:r>
+            <a:r>
+              <a:rPr lang="en-US" sz="1417" dirty="0">
+                <a:solidFill>
+                  <a:schemeClr val="bg1"/>
+                </a:solidFill>
+                <a:latin typeface="Consolas" panose="020B0609020204030204" pitchFamily="49" charset="0"/>
+              </a:rPr>
+              <a:t>, </a:t>
+            </a:r>
+            <a:r>
+              <a:rPr lang="en-US" sz="1417" dirty="0" err="1">
+                <a:solidFill>
+                  <a:schemeClr val="bg1"/>
+                </a:solidFill>
+                <a:latin typeface="Consolas" panose="020B0609020204030204" pitchFamily="49" charset="0"/>
+              </a:rPr>
+              <a:t>customerId</a:t>
+            </a:r>
+            <a:r>
+              <a:rPr lang="en-US" sz="1417" dirty="0">
+                <a:solidFill>
+                  <a:schemeClr val="bg1"/>
+                </a:solidFill>
+                <a:latin typeface="Consolas" panose="020B0609020204030204" pitchFamily="49" charset="0"/>
+              </a:rPr>
+              <a:t>);</a:t>
+            </a:r>
+          </a:p>
+          <a:p>
+            <a:r>
+              <a:rPr lang="en-US" sz="1417" dirty="0">
+                <a:solidFill>
+                  <a:schemeClr val="bg1"/>
+                </a:solidFill>
+                <a:latin typeface="Consolas" panose="020B0609020204030204" pitchFamily="49" charset="0"/>
+              </a:rPr>
+              <a:t>        </a:t>
+            </a:r>
+          </a:p>
+          <a:p>
+            <a:r>
+              <a:rPr lang="en-US" sz="1417" dirty="0">
+                <a:solidFill>
+                  <a:schemeClr val="bg1"/>
+                </a:solidFill>
+                <a:latin typeface="Consolas" panose="020B0609020204030204" pitchFamily="49" charset="0"/>
+              </a:rPr>
+              <a:t>        </a:t>
+            </a:r>
+            <a:r>
+              <a:rPr lang="en-US" sz="1417" dirty="0">
+                <a:solidFill>
+                  <a:srgbClr val="D47DFF"/>
+                </a:solidFill>
+                <a:latin typeface="Consolas" panose="020B0609020204030204" pitchFamily="49" charset="0"/>
+              </a:rPr>
+              <a:t>try</a:t>
+            </a:r>
+            <a:r>
+              <a:rPr lang="en-US" sz="1417" dirty="0">
+                <a:solidFill>
+                  <a:schemeClr val="bg1"/>
+                </a:solidFill>
+                <a:latin typeface="Consolas" panose="020B0609020204030204" pitchFamily="49" charset="0"/>
+              </a:rPr>
+              <a:t> (</a:t>
+            </a:r>
+            <a:r>
+              <a:rPr lang="en-US" sz="1417" dirty="0" err="1">
+                <a:solidFill>
+                  <a:srgbClr val="FFC000"/>
+                </a:solidFill>
+                <a:latin typeface="Consolas" panose="020B0609020204030204" pitchFamily="49" charset="0"/>
+              </a:rPr>
+              <a:t>ResultSet</a:t>
+            </a:r>
+            <a:r>
+              <a:rPr lang="en-US" sz="1417" dirty="0">
+                <a:solidFill>
+                  <a:schemeClr val="bg1"/>
+                </a:solidFill>
+                <a:latin typeface="Consolas" panose="020B0609020204030204" pitchFamily="49" charset="0"/>
+              </a:rPr>
+              <a:t> </a:t>
+            </a:r>
+            <a:r>
+              <a:rPr lang="en-US" sz="1417" dirty="0" err="1">
+                <a:solidFill>
+                  <a:srgbClr val="FF5050"/>
+                </a:solidFill>
+                <a:latin typeface="Consolas" panose="020B0609020204030204" pitchFamily="49" charset="0"/>
+              </a:rPr>
+              <a:t>rs</a:t>
+            </a:r>
+            <a:r>
+              <a:rPr lang="en-US" sz="1417" dirty="0">
+                <a:solidFill>
+                  <a:schemeClr val="bg1"/>
+                </a:solidFill>
+                <a:latin typeface="Consolas" panose="020B0609020204030204" pitchFamily="49" charset="0"/>
+              </a:rPr>
+              <a:t> = </a:t>
+            </a:r>
+            <a:r>
+              <a:rPr lang="en-US" sz="1417" dirty="0" err="1">
+                <a:solidFill>
+                  <a:schemeClr val="bg1"/>
+                </a:solidFill>
+                <a:latin typeface="Consolas" panose="020B0609020204030204" pitchFamily="49" charset="0"/>
+              </a:rPr>
+              <a:t>pstmt.executeQuery</a:t>
+            </a:r>
+            <a:r>
+              <a:rPr lang="en-US" sz="1417" dirty="0">
+                <a:solidFill>
+                  <a:schemeClr val="bg1"/>
+                </a:solidFill>
+                <a:latin typeface="Consolas" panose="020B0609020204030204" pitchFamily="49" charset="0"/>
+              </a:rPr>
+              <a:t>()) {</a:t>
+            </a:r>
+          </a:p>
+          <a:p>
+            <a:r>
+              <a:rPr lang="en-US" sz="1417" dirty="0">
+                <a:solidFill>
+                  <a:schemeClr val="bg1"/>
+                </a:solidFill>
+                <a:latin typeface="Consolas" panose="020B0609020204030204" pitchFamily="49" charset="0"/>
+              </a:rPr>
+              <a:t>            </a:t>
+            </a:r>
+            <a:r>
+              <a:rPr lang="en-US" sz="1417" dirty="0">
+                <a:solidFill>
+                  <a:srgbClr val="D47DFF"/>
+                </a:solidFill>
+                <a:latin typeface="Consolas" panose="020B0609020204030204" pitchFamily="49" charset="0"/>
+              </a:rPr>
+              <a:t>while</a:t>
+            </a:r>
+            <a:r>
+              <a:rPr lang="en-US" sz="1417" dirty="0">
+                <a:solidFill>
+                  <a:schemeClr val="bg1"/>
+                </a:solidFill>
+                <a:latin typeface="Consolas" panose="020B0609020204030204" pitchFamily="49" charset="0"/>
+              </a:rPr>
+              <a:t> (</a:t>
+            </a:r>
+            <a:r>
+              <a:rPr lang="en-US" sz="1417" dirty="0" err="1">
+                <a:solidFill>
+                  <a:schemeClr val="bg1"/>
+                </a:solidFill>
+                <a:latin typeface="Consolas" panose="020B0609020204030204" pitchFamily="49" charset="0"/>
+              </a:rPr>
+              <a:t>rs.next</a:t>
+            </a:r>
+            <a:r>
+              <a:rPr lang="en-US" sz="1417" dirty="0">
+                <a:solidFill>
+                  <a:schemeClr val="bg1"/>
+                </a:solidFill>
+                <a:latin typeface="Consolas" panose="020B0609020204030204" pitchFamily="49" charset="0"/>
+              </a:rPr>
+              <a:t>()) {</a:t>
+            </a:r>
+          </a:p>
+          <a:p>
+            <a:r>
+              <a:rPr lang="en-US" sz="1417" dirty="0">
+                <a:solidFill>
+                  <a:schemeClr val="bg1"/>
+                </a:solidFill>
+                <a:latin typeface="Consolas" panose="020B0609020204030204" pitchFamily="49" charset="0"/>
+              </a:rPr>
+              <a:t>                </a:t>
+            </a:r>
+            <a:r>
+              <a:rPr lang="en-US" sz="1417" dirty="0">
+                <a:solidFill>
+                  <a:srgbClr val="FFC000"/>
+                </a:solidFill>
+                <a:latin typeface="Consolas" panose="020B0609020204030204" pitchFamily="49" charset="0"/>
+              </a:rPr>
+              <a:t>Order</a:t>
+            </a:r>
+            <a:r>
+              <a:rPr lang="en-US" sz="1417" dirty="0">
+                <a:solidFill>
+                  <a:schemeClr val="bg1"/>
+                </a:solidFill>
+                <a:latin typeface="Consolas" panose="020B0609020204030204" pitchFamily="49" charset="0"/>
+              </a:rPr>
+              <a:t> </a:t>
+            </a:r>
+            <a:r>
+              <a:rPr lang="en-US" sz="1417" dirty="0" err="1">
+                <a:solidFill>
+                  <a:srgbClr val="FF5050"/>
+                </a:solidFill>
+                <a:latin typeface="Consolas" panose="020B0609020204030204" pitchFamily="49" charset="0"/>
+              </a:rPr>
+              <a:t>order</a:t>
+            </a:r>
+            <a:r>
+              <a:rPr lang="en-US" sz="1417" dirty="0">
+                <a:solidFill>
+                  <a:schemeClr val="bg1"/>
+                </a:solidFill>
+                <a:latin typeface="Consolas" panose="020B0609020204030204" pitchFamily="49" charset="0"/>
+              </a:rPr>
+              <a:t> = </a:t>
+            </a:r>
+            <a:r>
+              <a:rPr lang="en-US" sz="1417" dirty="0" err="1">
+                <a:solidFill>
+                  <a:schemeClr val="bg1"/>
+                </a:solidFill>
+                <a:latin typeface="Consolas" panose="020B0609020204030204" pitchFamily="49" charset="0"/>
+              </a:rPr>
+              <a:t>mapResultSetToOrder</a:t>
+            </a:r>
+            <a:r>
+              <a:rPr lang="en-US" sz="1417" dirty="0">
+                <a:solidFill>
+                  <a:schemeClr val="bg1"/>
+                </a:solidFill>
+                <a:latin typeface="Consolas" panose="020B0609020204030204" pitchFamily="49" charset="0"/>
+              </a:rPr>
+              <a:t>(</a:t>
+            </a:r>
+            <a:r>
+              <a:rPr lang="en-US" sz="1417" dirty="0" err="1">
+                <a:solidFill>
+                  <a:schemeClr val="bg1"/>
+                </a:solidFill>
+                <a:latin typeface="Consolas" panose="020B0609020204030204" pitchFamily="49" charset="0"/>
+              </a:rPr>
+              <a:t>rs</a:t>
+            </a:r>
+            <a:r>
+              <a:rPr lang="en-US" sz="1417" dirty="0">
+                <a:solidFill>
+                  <a:schemeClr val="bg1"/>
+                </a:solidFill>
+                <a:latin typeface="Consolas" panose="020B0609020204030204" pitchFamily="49" charset="0"/>
+              </a:rPr>
+              <a:t>);</a:t>
+            </a:r>
+          </a:p>
+          <a:p>
+            <a:r>
+              <a:rPr lang="en-US" sz="1417" dirty="0">
+                <a:solidFill>
+                  <a:schemeClr val="bg1"/>
+                </a:solidFill>
+                <a:latin typeface="Consolas" panose="020B0609020204030204" pitchFamily="49" charset="0"/>
+              </a:rPr>
+              <a:t>                </a:t>
+            </a:r>
+            <a:r>
+              <a:rPr lang="en-US" sz="1417" dirty="0" err="1">
+                <a:solidFill>
+                  <a:schemeClr val="bg1"/>
+                </a:solidFill>
+                <a:latin typeface="Consolas" panose="020B0609020204030204" pitchFamily="49" charset="0"/>
+              </a:rPr>
+              <a:t>orders.add</a:t>
+            </a:r>
+            <a:r>
+              <a:rPr lang="en-US" sz="1417" dirty="0">
+                <a:solidFill>
+                  <a:schemeClr val="bg1"/>
+                </a:solidFill>
+                <a:latin typeface="Consolas" panose="020B0609020204030204" pitchFamily="49" charset="0"/>
+              </a:rPr>
+              <a:t>(order);</a:t>
+            </a:r>
+          </a:p>
+          <a:p>
+            <a:r>
+              <a:rPr lang="en-US" sz="1417" dirty="0">
+                <a:solidFill>
+                  <a:schemeClr val="bg1"/>
+                </a:solidFill>
+                <a:latin typeface="Consolas" panose="020B0609020204030204" pitchFamily="49" charset="0"/>
+              </a:rPr>
+              <a:t>            }</a:t>
+            </a:r>
+          </a:p>
+          <a:p>
+            <a:r>
+              <a:rPr lang="en-US" sz="1417" dirty="0">
+                <a:solidFill>
+                  <a:schemeClr val="bg1"/>
+                </a:solidFill>
+                <a:latin typeface="Consolas" panose="020B0609020204030204" pitchFamily="49" charset="0"/>
+              </a:rPr>
+              <a:t>        }</a:t>
+            </a:r>
+          </a:p>
+          <a:p>
+            <a:r>
+              <a:rPr lang="en-US" sz="1417" dirty="0">
+                <a:solidFill>
+                  <a:schemeClr val="bg1"/>
+                </a:solidFill>
+                <a:latin typeface="Consolas" panose="020B0609020204030204" pitchFamily="49" charset="0"/>
+              </a:rPr>
+              <a:t>    } </a:t>
+            </a:r>
+            <a:r>
+              <a:rPr lang="en-US" sz="1417" dirty="0">
+                <a:solidFill>
+                  <a:srgbClr val="D47DFF"/>
+                </a:solidFill>
+                <a:latin typeface="Consolas" panose="020B0609020204030204" pitchFamily="49" charset="0"/>
+              </a:rPr>
+              <a:t>catch</a:t>
+            </a:r>
+            <a:r>
+              <a:rPr lang="en-US" sz="1417" dirty="0">
+                <a:solidFill>
+                  <a:schemeClr val="bg1"/>
+                </a:solidFill>
+                <a:latin typeface="Consolas" panose="020B0609020204030204" pitchFamily="49" charset="0"/>
+              </a:rPr>
+              <a:t> (</a:t>
+            </a:r>
+            <a:r>
+              <a:rPr lang="en-US" sz="1417" dirty="0" err="1">
+                <a:solidFill>
+                  <a:schemeClr val="bg1"/>
+                </a:solidFill>
+                <a:latin typeface="Consolas" panose="020B0609020204030204" pitchFamily="49" charset="0"/>
+              </a:rPr>
+              <a:t>SQLException</a:t>
+            </a:r>
+            <a:r>
+              <a:rPr lang="en-US" sz="1417" dirty="0">
+                <a:solidFill>
+                  <a:schemeClr val="bg1"/>
+                </a:solidFill>
+                <a:latin typeface="Consolas" panose="020B0609020204030204" pitchFamily="49" charset="0"/>
+              </a:rPr>
+              <a:t> e) {</a:t>
+            </a:r>
+          </a:p>
+          <a:p>
+            <a:r>
+              <a:rPr lang="en-US" sz="1417" dirty="0">
+                <a:solidFill>
+                  <a:schemeClr val="bg1"/>
+                </a:solidFill>
+                <a:latin typeface="Consolas" panose="020B0609020204030204" pitchFamily="49" charset="0"/>
+              </a:rPr>
+              <a:t>        </a:t>
+            </a:r>
+            <a:r>
+              <a:rPr lang="en-US" sz="1417" dirty="0">
+                <a:solidFill>
+                  <a:srgbClr val="D47DFF"/>
+                </a:solidFill>
+                <a:latin typeface="Consolas" panose="020B0609020204030204" pitchFamily="49" charset="0"/>
+              </a:rPr>
+              <a:t>throw</a:t>
+            </a:r>
+            <a:r>
+              <a:rPr lang="en-US" sz="1417" dirty="0">
+                <a:solidFill>
+                  <a:schemeClr val="bg1"/>
+                </a:solidFill>
+                <a:latin typeface="Consolas" panose="020B0609020204030204" pitchFamily="49" charset="0"/>
+              </a:rPr>
+              <a:t> </a:t>
+            </a:r>
+            <a:r>
+              <a:rPr lang="en-US" sz="1417" dirty="0">
+                <a:solidFill>
+                  <a:srgbClr val="D47DFF"/>
+                </a:solidFill>
+                <a:latin typeface="Consolas" panose="020B0609020204030204" pitchFamily="49" charset="0"/>
+              </a:rPr>
+              <a:t>new</a:t>
+            </a:r>
+            <a:r>
+              <a:rPr lang="en-US" sz="1417" dirty="0">
+                <a:solidFill>
+                  <a:schemeClr val="bg1"/>
+                </a:solidFill>
+                <a:latin typeface="Consolas" panose="020B0609020204030204" pitchFamily="49" charset="0"/>
+              </a:rPr>
+              <a:t> </a:t>
+            </a:r>
+            <a:r>
+              <a:rPr lang="en-US" sz="1417" dirty="0" err="1">
+                <a:solidFill>
+                  <a:srgbClr val="00FFFF"/>
+                </a:solidFill>
+                <a:latin typeface="Consolas" panose="020B0609020204030204" pitchFamily="49" charset="0"/>
+              </a:rPr>
+              <a:t>RuntimeException</a:t>
+            </a:r>
+            <a:r>
+              <a:rPr lang="en-US" sz="1417" dirty="0">
+                <a:solidFill>
+                  <a:schemeClr val="bg1"/>
+                </a:solidFill>
+                <a:latin typeface="Consolas" panose="020B0609020204030204" pitchFamily="49" charset="0"/>
+              </a:rPr>
+              <a:t>(</a:t>
+            </a:r>
+            <a:r>
+              <a:rPr lang="en-US" sz="1417" dirty="0">
+                <a:solidFill>
+                  <a:srgbClr val="ABE338"/>
+                </a:solidFill>
+                <a:latin typeface="Consolas" panose="020B0609020204030204" pitchFamily="49" charset="0"/>
+              </a:rPr>
+              <a:t>"Cannot fetch orders"</a:t>
+            </a:r>
+            <a:r>
+              <a:rPr lang="en-US" sz="1417" dirty="0">
+                <a:solidFill>
+                  <a:schemeClr val="bg1"/>
+                </a:solidFill>
+                <a:latin typeface="Consolas" panose="020B0609020204030204" pitchFamily="49" charset="0"/>
+              </a:rPr>
+              <a:t>, e);</a:t>
+            </a:r>
+          </a:p>
+          <a:p>
+            <a:r>
+              <a:rPr lang="en-US" sz="1417" dirty="0">
+                <a:solidFill>
+                  <a:schemeClr val="bg1"/>
+                </a:solidFill>
+                <a:latin typeface="Consolas" panose="020B0609020204030204" pitchFamily="49" charset="0"/>
+              </a:rPr>
+              <a:t>    }</a:t>
+            </a:r>
+          </a:p>
+          <a:p>
+            <a:r>
+              <a:rPr lang="en-US" sz="1417" dirty="0">
+                <a:solidFill>
+                  <a:schemeClr val="bg1"/>
+                </a:solidFill>
+                <a:latin typeface="Consolas" panose="020B0609020204030204" pitchFamily="49" charset="0"/>
+              </a:rPr>
+              <a:t>    </a:t>
+            </a:r>
+          </a:p>
+          <a:p>
+            <a:r>
+              <a:rPr lang="en-US" sz="1417" dirty="0">
+                <a:solidFill>
+                  <a:schemeClr val="bg1"/>
+                </a:solidFill>
+                <a:latin typeface="Consolas" panose="020B0609020204030204" pitchFamily="49" charset="0"/>
+              </a:rPr>
+              <a:t>    </a:t>
+            </a:r>
+            <a:r>
+              <a:rPr lang="en-US" sz="1417" dirty="0">
+                <a:solidFill>
+                  <a:srgbClr val="D47DFF"/>
+                </a:solidFill>
+                <a:latin typeface="Consolas" panose="020B0609020204030204" pitchFamily="49" charset="0"/>
+              </a:rPr>
+              <a:t>return</a:t>
+            </a:r>
+            <a:r>
+              <a:rPr lang="en-US" sz="1417" dirty="0">
+                <a:solidFill>
+                  <a:schemeClr val="bg1"/>
+                </a:solidFill>
+                <a:latin typeface="Consolas" panose="020B0609020204030204" pitchFamily="49" charset="0"/>
+              </a:rPr>
+              <a:t> orders;</a:t>
+            </a:r>
+          </a:p>
+          <a:p>
+            <a:r>
+              <a:rPr lang="en-US" sz="1417" dirty="0">
+                <a:solidFill>
+                  <a:schemeClr val="bg1"/>
+                </a:solidFill>
+                <a:latin typeface="Consolas" panose="020B0609020204030204" pitchFamily="49" charset="0"/>
+              </a:rPr>
+              <a:t>}</a:t>
+            </a:r>
+            <a:endParaRPr lang="ru-RU" sz="1417" dirty="0">
+              <a:solidFill>
+                <a:schemeClr val="bg1"/>
+              </a:solidFill>
+              <a:latin typeface="Consolas" panose="020B0609020204030204" pitchFamily="49" charset="0"/>
+            </a:endParaRPr>
+          </a:p>
+        </p:txBody>
+      </p:sp>
+    </p:spTree>
+    <p:extLst>
+      <p:ext uri="{BB962C8B-B14F-4D97-AF65-F5344CB8AC3E}">
+        <p14:creationId xmlns:p14="http://schemas.microsoft.com/office/powerpoint/2010/main" val="1916734458"/>
+      </p:ext>
+    </p:extLst>
+  </p:cSld>
+  <p:clrMapOvr>
+    <a:masterClrMapping/>
+  </p:clrMapOvr>
+</p:sld>
+</file>
+
+<file path=ppt/slides/slide21.xml><?xml version="1.0" encoding="utf-8"?>
+<p:sld xmlns:a="http://schemas.openxmlformats.org/drawingml/2006/main" xmlns:r="http://schemas.openxmlformats.org/officeDocument/2006/relationships" xmlns:p="http://schemas.openxmlformats.org/presentationml/2006/main">
+  <p:cSld>
+    <p:spTree>
+      <p:nvGrpSpPr>
+        <p:cNvPr id="1" name=""/>
+        <p:cNvGrpSpPr/>
+        <p:nvPr/>
+      </p:nvGrpSpPr>
+      <p:grpSpPr>
+        <a:xfrm>
+          <a:off x="0" y="0"/>
+          <a:ext cx="0" cy="0"/>
+          <a:chOff x="0" y="0"/>
+          <a:chExt cx="0" cy="0"/>
+        </a:xfrm>
+      </p:grpSpPr>
+      <p:sp>
+        <p:nvSpPr>
+          <p:cNvPr id="4" name="TextBox 3">
+            <a:extLst>
+              <a:ext uri="{FF2B5EF4-FFF2-40B4-BE49-F238E27FC236}">
                 <a16:creationId xmlns:a16="http://schemas.microsoft.com/office/drawing/2014/main" id="{D4352E56-30E5-EF4D-4E8F-7B9366A2705B}"/>
               </a:ext>
             </a:extLst>
@@ -15744,7 +16564,7 @@
 </p:sld>
 </file>
 
-<file path=ppt/slides/slide21.xml><?xml version="1.0" encoding="utf-8"?>
+<file path=ppt/slides/slide22.xml><?xml version="1.0" encoding="utf-8"?>
 <p:sld xmlns:a="http://schemas.openxmlformats.org/drawingml/2006/main" xmlns:r="http://schemas.openxmlformats.org/officeDocument/2006/relationships" xmlns:p="http://schemas.openxmlformats.org/presentationml/2006/main">
   <p:cSld>
     <p:spTree>
@@ -18769,10 +19589,945 @@
   <p:clrMapOvr>
     <a:masterClrMapping/>
   </p:clrMapOvr>
+  <p:timing>
+    <p:tnLst>
+      <p:par>
+        <p:cTn id="1" dur="indefinite" restart="never" nodeType="tmRoot"/>
+      </p:par>
+    </p:tnLst>
+  </p:timing>
 </p:sld>
 </file>
 
 <file path=ppt/slides/slide6.xml><?xml version="1.0" encoding="utf-8"?>
+<p:sld xmlns:a="http://schemas.openxmlformats.org/drawingml/2006/main" xmlns:r="http://schemas.openxmlformats.org/officeDocument/2006/relationships" xmlns:p="http://schemas.openxmlformats.org/presentationml/2006/main">
+  <p:cSld>
+    <p:spTree>
+      <p:nvGrpSpPr>
+        <p:cNvPr id="1" name=""/>
+        <p:cNvGrpSpPr/>
+        <p:nvPr/>
+      </p:nvGrpSpPr>
+      <p:grpSpPr>
+        <a:xfrm>
+          <a:off x="0" y="0"/>
+          <a:ext cx="0" cy="0"/>
+          <a:chOff x="0" y="0"/>
+          <a:chExt cx="0" cy="0"/>
+        </a:xfrm>
+      </p:grpSpPr>
+      <p:sp>
+        <p:nvSpPr>
+          <p:cNvPr id="2" name="Text 0">
+            <a:extLst>
+              <a:ext uri="{FF2B5EF4-FFF2-40B4-BE49-F238E27FC236}">
+                <a16:creationId xmlns:a16="http://schemas.microsoft.com/office/drawing/2014/main" id="{75F8FD10-233F-1051-7112-7576FF4EBDCE}"/>
+              </a:ext>
+            </a:extLst>
+          </p:cNvPr>
+          <p:cNvSpPr/>
+          <p:nvPr/>
+        </p:nvSpPr>
+        <p:spPr>
+          <a:xfrm>
+            <a:off x="4811792" y="249457"/>
+            <a:ext cx="2999401" cy="396199"/>
+          </a:xfrm>
+          <a:prstGeom prst="rect">
+            <a:avLst/>
+          </a:prstGeom>
+          <a:noFill/>
+          <a:ln/>
+        </p:spPr>
+        <p:txBody>
+          <a:bodyPr wrap="square" lIns="0" tIns="0" rIns="0" bIns="0" rtlCol="0" anchor="t"/>
+          <a:lstStyle/>
+          <a:p>
+            <a:pPr>
+              <a:lnSpc>
+                <a:spcPts val="3208"/>
+              </a:lnSpc>
+            </a:pPr>
+            <a:r>
+              <a:rPr lang="ru-RU" sz="2583" dirty="0" smtClean="0">
+                <a:solidFill>
+                  <a:schemeClr val="accent2">
+                    <a:lumMod val="75000"/>
+                  </a:schemeClr>
+                </a:solidFill>
+                <a:latin typeface="Bahnschrift SemiBold" panose="020B0502040204020203" pitchFamily="34" charset="0"/>
+                <a:ea typeface="Instrument Sans Semi Bold" pitchFamily="34" charset="-122"/>
+                <a:cs typeface="Instrument Sans Semi Bold" pitchFamily="34" charset="-120"/>
+              </a:rPr>
+              <a:t>Исключения</a:t>
+            </a:r>
+            <a:r>
+              <a:rPr lang="en-US" sz="2583" dirty="0" smtClean="0">
+                <a:solidFill>
+                  <a:schemeClr val="accent2">
+                    <a:lumMod val="75000"/>
+                  </a:schemeClr>
+                </a:solidFill>
+                <a:latin typeface="Bahnschrift SemiBold" panose="020B0502040204020203" pitchFamily="34" charset="0"/>
+                <a:ea typeface="Instrument Sans Semi Bold" pitchFamily="34" charset="-122"/>
+                <a:cs typeface="Instrument Sans Semi Bold" pitchFamily="34" charset="-120"/>
+              </a:rPr>
+              <a:t> JDBC</a:t>
+            </a:r>
+            <a:endParaRPr lang="en-US" sz="2583" dirty="0">
+              <a:solidFill>
+                <a:schemeClr val="accent2">
+                  <a:lumMod val="75000"/>
+                </a:schemeClr>
+              </a:solidFill>
+              <a:latin typeface="Bahnschrift SemiBold" panose="020B0502040204020203" pitchFamily="34" charset="0"/>
+            </a:endParaRPr>
+          </a:p>
+        </p:txBody>
+      </p:sp>
+      <p:sp>
+        <p:nvSpPr>
+          <p:cNvPr id="28" name="TextBox 27">
+            <a:extLst>
+              <a:ext uri="{FF2B5EF4-FFF2-40B4-BE49-F238E27FC236}">
+                <a16:creationId xmlns:a16="http://schemas.microsoft.com/office/drawing/2014/main" id="{3D85AB82-F0FF-F9DE-4A95-FA0D98A61F06}"/>
+              </a:ext>
+            </a:extLst>
+          </p:cNvPr>
+          <p:cNvSpPr txBox="1"/>
+          <p:nvPr/>
+        </p:nvSpPr>
+        <p:spPr>
+          <a:xfrm>
+            <a:off x="138192" y="3453614"/>
+            <a:ext cx="5821680" cy="2274749"/>
+          </a:xfrm>
+          <a:prstGeom prst="roundRect">
+            <a:avLst>
+              <a:gd name="adj" fmla="val 9049"/>
+            </a:avLst>
+          </a:prstGeom>
+          <a:solidFill>
+            <a:schemeClr val="accent5">
+              <a:lumMod val="20000"/>
+              <a:lumOff val="80000"/>
+            </a:schemeClr>
+          </a:solidFill>
+          <a:ln w="28575">
+            <a:solidFill>
+              <a:schemeClr val="accent2">
+                <a:lumMod val="75000"/>
+              </a:schemeClr>
+            </a:solidFill>
+          </a:ln>
+        </p:spPr>
+        <p:style>
+          <a:lnRef idx="2">
+            <a:schemeClr val="accent5">
+              <a:shade val="50000"/>
+            </a:schemeClr>
+          </a:lnRef>
+          <a:fillRef idx="1">
+            <a:schemeClr val="accent5"/>
+          </a:fillRef>
+          <a:effectRef idx="0">
+            <a:schemeClr val="accent5"/>
+          </a:effectRef>
+          <a:fontRef idx="minor">
+            <a:schemeClr val="lt1"/>
+          </a:fontRef>
+        </p:style>
+        <p:txBody>
+          <a:bodyPr wrap="square">
+            <a:spAutoFit/>
+          </a:bodyPr>
+          <a:lstStyle/>
+          <a:p>
+            <a:r>
+              <a:rPr lang="en-US" sz="1500" b="1" dirty="0" err="1" smtClean="0">
+                <a:solidFill>
+                  <a:schemeClr val="accent6">
+                    <a:lumMod val="75000"/>
+                  </a:schemeClr>
+                </a:solidFill>
+                <a:latin typeface="Corbel" panose="020B0503020204020204" pitchFamily="34" charset="0"/>
+              </a:rPr>
+              <a:t>SQLNonTransientException</a:t>
+            </a:r>
+            <a:endParaRPr lang="en-US" sz="1500" dirty="0" smtClean="0">
+              <a:solidFill>
+                <a:schemeClr val="accent6">
+                  <a:lumMod val="75000"/>
+                </a:schemeClr>
+              </a:solidFill>
+              <a:latin typeface="Corbel" panose="020B0503020204020204" pitchFamily="34" charset="0"/>
+            </a:endParaRPr>
+          </a:p>
+          <a:p>
+            <a:r>
+              <a:rPr lang="ru-RU" sz="1500" dirty="0">
+                <a:solidFill>
+                  <a:schemeClr val="tx1"/>
+                </a:solidFill>
+                <a:latin typeface="Corbel" panose="020B0503020204020204" pitchFamily="34" charset="0"/>
+              </a:rPr>
+              <a:t>В случае синтаксической ошибки в запросе (например, </a:t>
+            </a:r>
+            <a:r>
+              <a:rPr lang="en-US" sz="1500" dirty="0">
+                <a:solidFill>
+                  <a:schemeClr val="tx1"/>
+                </a:solidFill>
+                <a:latin typeface="Corbel" panose="020B0503020204020204" pitchFamily="34" charset="0"/>
+              </a:rPr>
+              <a:t>SELEC * FROM) </a:t>
+            </a:r>
+            <a:r>
+              <a:rPr lang="ru-RU" sz="1500" dirty="0">
+                <a:solidFill>
+                  <a:schemeClr val="tx1"/>
+                </a:solidFill>
+                <a:latin typeface="Corbel" panose="020B0503020204020204" pitchFamily="34" charset="0"/>
+              </a:rPr>
+              <a:t>драйвер генерирует </a:t>
+            </a:r>
+            <a:r>
+              <a:rPr lang="en-US" sz="1500" dirty="0" err="1">
+                <a:solidFill>
+                  <a:schemeClr val="tx1"/>
+                </a:solidFill>
+                <a:latin typeface="Corbel" panose="020B0503020204020204" pitchFamily="34" charset="0"/>
+              </a:rPr>
+              <a:t>SQLSyntaxErrorException</a:t>
+            </a:r>
+            <a:r>
+              <a:rPr lang="en-US" sz="1500" dirty="0">
+                <a:solidFill>
+                  <a:schemeClr val="tx1"/>
+                </a:solidFill>
+                <a:latin typeface="Corbel" panose="020B0503020204020204" pitchFamily="34" charset="0"/>
+              </a:rPr>
+              <a:t>, </a:t>
+            </a:r>
+            <a:r>
+              <a:rPr lang="ru-RU" sz="1500" dirty="0">
+                <a:solidFill>
+                  <a:schemeClr val="tx1"/>
+                </a:solidFill>
+                <a:latin typeface="Corbel" panose="020B0503020204020204" pitchFamily="34" charset="0"/>
+              </a:rPr>
+              <a:t>являющееся подклассом </a:t>
+            </a:r>
+            <a:r>
+              <a:rPr lang="en-US" sz="1500" dirty="0" err="1">
+                <a:solidFill>
+                  <a:schemeClr val="tx1"/>
+                </a:solidFill>
+                <a:latin typeface="Corbel" panose="020B0503020204020204" pitchFamily="34" charset="0"/>
+              </a:rPr>
+              <a:t>SQLNonTransientException</a:t>
+            </a:r>
+            <a:r>
+              <a:rPr lang="en-US" sz="1500" dirty="0">
+                <a:solidFill>
+                  <a:schemeClr val="tx1"/>
+                </a:solidFill>
+                <a:latin typeface="Corbel" panose="020B0503020204020204" pitchFamily="34" charset="0"/>
+              </a:rPr>
+              <a:t>; </a:t>
+            </a:r>
+            <a:r>
+              <a:rPr lang="ru-RU" sz="1500" dirty="0">
+                <a:solidFill>
+                  <a:schemeClr val="tx1"/>
+                </a:solidFill>
+                <a:latin typeface="Corbel" panose="020B0503020204020204" pitchFamily="34" charset="0"/>
+              </a:rPr>
+              <a:t>повторный запуск без исправления </a:t>
+            </a:r>
+            <a:r>
+              <a:rPr lang="en-US" sz="1500" dirty="0">
+                <a:solidFill>
+                  <a:schemeClr val="tx1"/>
+                </a:solidFill>
+                <a:latin typeface="Corbel" panose="020B0503020204020204" pitchFamily="34" charset="0"/>
+              </a:rPr>
+              <a:t>SQL‑</a:t>
+            </a:r>
+            <a:r>
+              <a:rPr lang="ru-RU" sz="1500" dirty="0">
+                <a:solidFill>
+                  <a:schemeClr val="tx1"/>
+                </a:solidFill>
+                <a:latin typeface="Corbel" panose="020B0503020204020204" pitchFamily="34" charset="0"/>
+              </a:rPr>
+              <a:t>кода результата не даст.</a:t>
+            </a:r>
+          </a:p>
+          <a:p>
+            <a:endParaRPr lang="ru-RU" sz="1500" dirty="0">
+              <a:solidFill>
+                <a:schemeClr val="tx1"/>
+              </a:solidFill>
+              <a:latin typeface="Corbel" panose="020B0503020204020204" pitchFamily="34" charset="0"/>
+            </a:endParaRPr>
+          </a:p>
+          <a:p>
+            <a:r>
+              <a:rPr lang="ru-RU" sz="1500" dirty="0">
+                <a:solidFill>
+                  <a:schemeClr val="tx1"/>
+                </a:solidFill>
+                <a:latin typeface="Corbel" panose="020B0503020204020204" pitchFamily="34" charset="0"/>
+              </a:rPr>
+              <a:t>При нарушении ограничений </a:t>
+            </a:r>
+            <a:r>
+              <a:rPr lang="en-US" sz="1500" dirty="0">
+                <a:solidFill>
+                  <a:schemeClr val="tx1"/>
+                </a:solidFill>
+                <a:latin typeface="Corbel" panose="020B0503020204020204" pitchFamily="34" charset="0"/>
+              </a:rPr>
+              <a:t>PRIMARY KEY </a:t>
+            </a:r>
+            <a:r>
+              <a:rPr lang="ru-RU" sz="1500" dirty="0">
+                <a:solidFill>
+                  <a:schemeClr val="tx1"/>
+                </a:solidFill>
+                <a:latin typeface="Corbel" panose="020B0503020204020204" pitchFamily="34" charset="0"/>
+              </a:rPr>
+              <a:t>или </a:t>
+            </a:r>
+            <a:r>
+              <a:rPr lang="en-US" sz="1500" dirty="0">
+                <a:solidFill>
+                  <a:schemeClr val="tx1"/>
+                </a:solidFill>
+                <a:latin typeface="Corbel" panose="020B0503020204020204" pitchFamily="34" charset="0"/>
+              </a:rPr>
+              <a:t>FOREIGN KEY </a:t>
+            </a:r>
+            <a:r>
+              <a:rPr lang="ru-RU" sz="1500" dirty="0">
+                <a:solidFill>
+                  <a:schemeClr val="tx1"/>
+                </a:solidFill>
+                <a:latin typeface="Corbel" panose="020B0503020204020204" pitchFamily="34" charset="0"/>
+              </a:rPr>
+              <a:t>возникает </a:t>
+            </a:r>
+            <a:r>
+              <a:rPr lang="en-US" sz="1500" dirty="0" err="1">
+                <a:solidFill>
+                  <a:schemeClr val="tx1"/>
+                </a:solidFill>
+                <a:latin typeface="Corbel" panose="020B0503020204020204" pitchFamily="34" charset="0"/>
+              </a:rPr>
+              <a:t>SQLIntegrityConstraintViolationException</a:t>
+            </a:r>
+            <a:r>
+              <a:rPr lang="en-US" sz="1500" dirty="0">
+                <a:solidFill>
+                  <a:schemeClr val="tx1"/>
+                </a:solidFill>
+                <a:latin typeface="Corbel" panose="020B0503020204020204" pitchFamily="34" charset="0"/>
+              </a:rPr>
+              <a:t>, </a:t>
+            </a:r>
+            <a:r>
+              <a:rPr lang="ru-RU" sz="1500" dirty="0">
+                <a:solidFill>
+                  <a:schemeClr val="tx1"/>
+                </a:solidFill>
+                <a:latin typeface="Corbel" panose="020B0503020204020204" pitchFamily="34" charset="0"/>
+              </a:rPr>
+              <a:t>который также относится к семейству </a:t>
+            </a:r>
+            <a:r>
+              <a:rPr lang="en-US" sz="1500" dirty="0" err="1">
+                <a:solidFill>
+                  <a:schemeClr val="tx1"/>
+                </a:solidFill>
+                <a:latin typeface="Corbel" panose="020B0503020204020204" pitchFamily="34" charset="0"/>
+              </a:rPr>
+              <a:t>SQLNonTransientException</a:t>
+            </a:r>
+            <a:r>
+              <a:rPr lang="en-US" sz="1500" dirty="0">
+                <a:solidFill>
+                  <a:schemeClr val="tx1"/>
+                </a:solidFill>
+                <a:latin typeface="Corbel" panose="020B0503020204020204" pitchFamily="34" charset="0"/>
+              </a:rPr>
+              <a:t>.</a:t>
+            </a:r>
+            <a:endParaRPr lang="ru-RU" sz="1500" dirty="0">
+              <a:solidFill>
+                <a:schemeClr val="tx1"/>
+              </a:solidFill>
+              <a:latin typeface="Corbel" panose="020B0503020204020204" pitchFamily="34" charset="0"/>
+            </a:endParaRPr>
+          </a:p>
+        </p:txBody>
+      </p:sp>
+      <p:sp>
+        <p:nvSpPr>
+          <p:cNvPr id="30" name="TextBox 29">
+            <a:extLst>
+              <a:ext uri="{FF2B5EF4-FFF2-40B4-BE49-F238E27FC236}">
+                <a16:creationId xmlns:a16="http://schemas.microsoft.com/office/drawing/2014/main" id="{3D85AB82-F0FF-F9DE-4A95-FA0D98A61F06}"/>
+              </a:ext>
+            </a:extLst>
+          </p:cNvPr>
+          <p:cNvSpPr txBox="1"/>
+          <p:nvPr/>
+        </p:nvSpPr>
+        <p:spPr>
+          <a:xfrm>
+            <a:off x="138192" y="802872"/>
+            <a:ext cx="5821680" cy="2493526"/>
+          </a:xfrm>
+          <a:prstGeom prst="roundRect">
+            <a:avLst>
+              <a:gd name="adj" fmla="val 7486"/>
+            </a:avLst>
+          </a:prstGeom>
+          <a:solidFill>
+            <a:schemeClr val="accent5">
+              <a:lumMod val="20000"/>
+              <a:lumOff val="80000"/>
+            </a:schemeClr>
+          </a:solidFill>
+          <a:ln w="28575">
+            <a:solidFill>
+              <a:schemeClr val="accent2">
+                <a:lumMod val="75000"/>
+              </a:schemeClr>
+            </a:solidFill>
+          </a:ln>
+        </p:spPr>
+        <p:style>
+          <a:lnRef idx="2">
+            <a:schemeClr val="accent5">
+              <a:shade val="50000"/>
+            </a:schemeClr>
+          </a:lnRef>
+          <a:fillRef idx="1">
+            <a:schemeClr val="accent5"/>
+          </a:fillRef>
+          <a:effectRef idx="0">
+            <a:schemeClr val="accent5"/>
+          </a:effectRef>
+          <a:fontRef idx="minor">
+            <a:schemeClr val="lt1"/>
+          </a:fontRef>
+        </p:style>
+        <p:txBody>
+          <a:bodyPr wrap="square">
+            <a:spAutoFit/>
+          </a:bodyPr>
+          <a:lstStyle/>
+          <a:p>
+            <a:r>
+              <a:rPr lang="en-US" sz="1500" b="1" dirty="0" err="1" smtClean="0">
+                <a:solidFill>
+                  <a:schemeClr val="accent6">
+                    <a:lumMod val="75000"/>
+                  </a:schemeClr>
+                </a:solidFill>
+                <a:latin typeface="Corbel" panose="020B0503020204020204" pitchFamily="34" charset="0"/>
+              </a:rPr>
+              <a:t>SQLRecoverableException</a:t>
+            </a:r>
+            <a:endParaRPr lang="en-US" sz="1500" dirty="0" smtClean="0">
+              <a:solidFill>
+                <a:schemeClr val="accent6">
+                  <a:lumMod val="75000"/>
+                </a:schemeClr>
+              </a:solidFill>
+              <a:latin typeface="Corbel" panose="020B0503020204020204" pitchFamily="34" charset="0"/>
+            </a:endParaRPr>
+          </a:p>
+          <a:p>
+            <a:r>
+              <a:rPr lang="ru-RU" sz="1500" dirty="0">
+                <a:solidFill>
+                  <a:schemeClr val="tx1"/>
+                </a:solidFill>
+                <a:latin typeface="Corbel" panose="020B0503020204020204" pitchFamily="34" charset="0"/>
+              </a:rPr>
+              <a:t>При длительном отсутствии активности сервер разрывает </a:t>
+            </a:r>
+            <a:r>
+              <a:rPr lang="ru-RU" sz="1500" dirty="0" err="1">
+                <a:solidFill>
+                  <a:schemeClr val="tx1"/>
+                </a:solidFill>
+                <a:latin typeface="Corbel" panose="020B0503020204020204" pitchFamily="34" charset="0"/>
+              </a:rPr>
+              <a:t>idle</a:t>
+            </a:r>
+            <a:r>
+              <a:rPr lang="ru-RU" sz="1500" dirty="0">
+                <a:solidFill>
+                  <a:schemeClr val="tx1"/>
+                </a:solidFill>
+                <a:latin typeface="Corbel" panose="020B0503020204020204" pitchFamily="34" charset="0"/>
+              </a:rPr>
+              <a:t>‑соединение; при следующем обращении к базе данных возникает </a:t>
+            </a:r>
+            <a:r>
+              <a:rPr lang="ru-RU" sz="1500" dirty="0" err="1">
+                <a:solidFill>
+                  <a:schemeClr val="tx1"/>
+                </a:solidFill>
+                <a:latin typeface="Corbel" panose="020B0503020204020204" pitchFamily="34" charset="0"/>
+              </a:rPr>
+              <a:t>SQLRecoverableException</a:t>
+            </a:r>
+            <a:r>
+              <a:rPr lang="ru-RU" sz="1500" dirty="0">
+                <a:solidFill>
+                  <a:schemeClr val="tx1"/>
+                </a:solidFill>
+                <a:latin typeface="Corbel" panose="020B0503020204020204" pitchFamily="34" charset="0"/>
+              </a:rPr>
+              <a:t>: </a:t>
+            </a:r>
+            <a:r>
+              <a:rPr lang="ru-RU" sz="1500" dirty="0" err="1">
+                <a:solidFill>
+                  <a:schemeClr val="tx1"/>
+                </a:solidFill>
+                <a:latin typeface="Corbel" panose="020B0503020204020204" pitchFamily="34" charset="0"/>
+              </a:rPr>
+              <a:t>Closed</a:t>
+            </a:r>
+            <a:r>
+              <a:rPr lang="ru-RU" sz="1500" dirty="0">
+                <a:solidFill>
+                  <a:schemeClr val="tx1"/>
+                </a:solidFill>
+                <a:latin typeface="Corbel" panose="020B0503020204020204" pitchFamily="34" charset="0"/>
+              </a:rPr>
+              <a:t> </a:t>
+            </a:r>
+            <a:r>
+              <a:rPr lang="ru-RU" sz="1500" dirty="0" err="1">
+                <a:solidFill>
+                  <a:schemeClr val="tx1"/>
+                </a:solidFill>
+                <a:latin typeface="Corbel" panose="020B0503020204020204" pitchFamily="34" charset="0"/>
+              </a:rPr>
+              <a:t>Connection</a:t>
+            </a:r>
+            <a:r>
+              <a:rPr lang="ru-RU" sz="1500" dirty="0">
+                <a:solidFill>
+                  <a:schemeClr val="tx1"/>
+                </a:solidFill>
+                <a:latin typeface="Corbel" panose="020B0503020204020204" pitchFamily="34" charset="0"/>
+              </a:rPr>
+              <a:t>, что требует создания нового экземпляра </a:t>
+            </a:r>
+            <a:r>
+              <a:rPr lang="ru-RU" sz="1500" dirty="0" err="1">
+                <a:solidFill>
+                  <a:schemeClr val="tx1"/>
+                </a:solidFill>
+                <a:latin typeface="Corbel" panose="020B0503020204020204" pitchFamily="34" charset="0"/>
+              </a:rPr>
+              <a:t>Connection</a:t>
+            </a:r>
+            <a:r>
+              <a:rPr lang="ru-RU" sz="1500" dirty="0">
+                <a:solidFill>
+                  <a:schemeClr val="tx1"/>
+                </a:solidFill>
+                <a:latin typeface="Corbel" panose="020B0503020204020204" pitchFamily="34" charset="0"/>
+              </a:rPr>
+              <a:t> и повторного выполнения операции.</a:t>
+            </a:r>
+          </a:p>
+          <a:p>
+            <a:endParaRPr lang="ru-RU" sz="1500" dirty="0">
+              <a:solidFill>
+                <a:schemeClr val="tx1"/>
+              </a:solidFill>
+              <a:latin typeface="Corbel" panose="020B0503020204020204" pitchFamily="34" charset="0"/>
+            </a:endParaRPr>
+          </a:p>
+          <a:p>
+            <a:r>
+              <a:rPr lang="ru-RU" sz="1500" dirty="0">
+                <a:solidFill>
+                  <a:schemeClr val="tx1"/>
+                </a:solidFill>
+                <a:latin typeface="Corbel" panose="020B0503020204020204" pitchFamily="34" charset="0"/>
+              </a:rPr>
+              <a:t>При сетевом сбое (например, </a:t>
+            </a:r>
+            <a:r>
+              <a:rPr lang="ru-RU" sz="1500" dirty="0" err="1">
+                <a:solidFill>
+                  <a:schemeClr val="tx1"/>
+                </a:solidFill>
+                <a:latin typeface="Corbel" panose="020B0503020204020204" pitchFamily="34" charset="0"/>
+              </a:rPr>
+              <a:t>reset</a:t>
+            </a:r>
+            <a:r>
+              <a:rPr lang="ru-RU" sz="1500" dirty="0">
+                <a:solidFill>
+                  <a:schemeClr val="tx1"/>
+                </a:solidFill>
+                <a:latin typeface="Corbel" panose="020B0503020204020204" pitchFamily="34" charset="0"/>
+              </a:rPr>
+              <a:t> </a:t>
+            </a:r>
+            <a:r>
+              <a:rPr lang="ru-RU" sz="1500" dirty="0" err="1">
+                <a:solidFill>
+                  <a:schemeClr val="tx1"/>
+                </a:solidFill>
+                <a:latin typeface="Corbel" panose="020B0503020204020204" pitchFamily="34" charset="0"/>
+              </a:rPr>
+              <a:t>by</a:t>
+            </a:r>
+            <a:r>
+              <a:rPr lang="ru-RU" sz="1500" dirty="0">
+                <a:solidFill>
+                  <a:schemeClr val="tx1"/>
+                </a:solidFill>
+                <a:latin typeface="Corbel" panose="020B0503020204020204" pitchFamily="34" charset="0"/>
+              </a:rPr>
+              <a:t> </a:t>
+            </a:r>
+            <a:r>
+              <a:rPr lang="ru-RU" sz="1500" dirty="0" err="1">
+                <a:solidFill>
+                  <a:schemeClr val="tx1"/>
+                </a:solidFill>
+                <a:latin typeface="Corbel" panose="020B0503020204020204" pitchFamily="34" charset="0"/>
+              </a:rPr>
+              <a:t>peer</a:t>
+            </a:r>
+            <a:r>
+              <a:rPr lang="ru-RU" sz="1500" dirty="0">
+                <a:solidFill>
+                  <a:schemeClr val="tx1"/>
+                </a:solidFill>
+                <a:latin typeface="Corbel" panose="020B0503020204020204" pitchFamily="34" charset="0"/>
+              </a:rPr>
+              <a:t>) во время выполнения запроса генерируется </a:t>
+            </a:r>
+            <a:r>
+              <a:rPr lang="ru-RU" sz="1500" dirty="0" err="1">
+                <a:solidFill>
+                  <a:schemeClr val="tx1"/>
+                </a:solidFill>
+                <a:latin typeface="Corbel" panose="020B0503020204020204" pitchFamily="34" charset="0"/>
+              </a:rPr>
+              <a:t>SQLRecoverableException</a:t>
+            </a:r>
+            <a:r>
+              <a:rPr lang="ru-RU" sz="1500" dirty="0">
+                <a:solidFill>
+                  <a:schemeClr val="tx1"/>
+                </a:solidFill>
+                <a:latin typeface="Corbel" panose="020B0503020204020204" pitchFamily="34" charset="0"/>
+              </a:rPr>
+              <a:t>: I/O </a:t>
+            </a:r>
+            <a:r>
+              <a:rPr lang="ru-RU" sz="1500" dirty="0" err="1">
+                <a:solidFill>
+                  <a:schemeClr val="tx1"/>
+                </a:solidFill>
+                <a:latin typeface="Corbel" panose="020B0503020204020204" pitchFamily="34" charset="0"/>
+              </a:rPr>
+              <a:t>Exception</a:t>
+            </a:r>
+            <a:r>
+              <a:rPr lang="ru-RU" sz="1500" dirty="0">
+                <a:solidFill>
+                  <a:schemeClr val="tx1"/>
+                </a:solidFill>
+                <a:latin typeface="Corbel" panose="020B0503020204020204" pitchFamily="34" charset="0"/>
+              </a:rPr>
+              <a:t>: </a:t>
+            </a:r>
+            <a:r>
+              <a:rPr lang="ru-RU" sz="1500" dirty="0" err="1">
+                <a:solidFill>
+                  <a:schemeClr val="tx1"/>
+                </a:solidFill>
+                <a:latin typeface="Corbel" panose="020B0503020204020204" pitchFamily="34" charset="0"/>
+              </a:rPr>
+              <a:t>Connection</a:t>
+            </a:r>
+            <a:r>
+              <a:rPr lang="ru-RU" sz="1500" dirty="0">
+                <a:solidFill>
+                  <a:schemeClr val="tx1"/>
+                </a:solidFill>
+                <a:latin typeface="Corbel" panose="020B0503020204020204" pitchFamily="34" charset="0"/>
+              </a:rPr>
+              <a:t> </a:t>
+            </a:r>
+            <a:r>
+              <a:rPr lang="ru-RU" sz="1500" dirty="0" err="1">
+                <a:solidFill>
+                  <a:schemeClr val="tx1"/>
+                </a:solidFill>
+                <a:latin typeface="Corbel" panose="020B0503020204020204" pitchFamily="34" charset="0"/>
+              </a:rPr>
+              <a:t>reset</a:t>
+            </a:r>
+            <a:r>
+              <a:rPr lang="ru-RU" sz="1500" dirty="0">
+                <a:solidFill>
+                  <a:schemeClr val="tx1"/>
+                </a:solidFill>
+                <a:latin typeface="Corbel" panose="020B0503020204020204" pitchFamily="34" charset="0"/>
+              </a:rPr>
+              <a:t>.</a:t>
+            </a:r>
+          </a:p>
+        </p:txBody>
+      </p:sp>
+      <p:sp>
+        <p:nvSpPr>
+          <p:cNvPr id="32" name="TextBox 31">
+            <a:extLst>
+              <a:ext uri="{FF2B5EF4-FFF2-40B4-BE49-F238E27FC236}">
+                <a16:creationId xmlns:a16="http://schemas.microsoft.com/office/drawing/2014/main" id="{3D85AB82-F0FF-F9DE-4A95-FA0D98A61F06}"/>
+              </a:ext>
+            </a:extLst>
+          </p:cNvPr>
+          <p:cNvSpPr txBox="1"/>
+          <p:nvPr/>
+        </p:nvSpPr>
+        <p:spPr>
+          <a:xfrm>
+            <a:off x="6077812" y="1953248"/>
+            <a:ext cx="5821680" cy="3000732"/>
+          </a:xfrm>
+          <a:prstGeom prst="roundRect">
+            <a:avLst>
+              <a:gd name="adj" fmla="val 8005"/>
+            </a:avLst>
+          </a:prstGeom>
+          <a:solidFill>
+            <a:schemeClr val="accent5">
+              <a:lumMod val="20000"/>
+              <a:lumOff val="80000"/>
+            </a:schemeClr>
+          </a:solidFill>
+          <a:ln w="28575">
+            <a:solidFill>
+              <a:schemeClr val="accent2">
+                <a:lumMod val="75000"/>
+              </a:schemeClr>
+            </a:solidFill>
+          </a:ln>
+        </p:spPr>
+        <p:style>
+          <a:lnRef idx="2">
+            <a:schemeClr val="accent5">
+              <a:shade val="50000"/>
+            </a:schemeClr>
+          </a:lnRef>
+          <a:fillRef idx="1">
+            <a:schemeClr val="accent5"/>
+          </a:fillRef>
+          <a:effectRef idx="0">
+            <a:schemeClr val="accent5"/>
+          </a:effectRef>
+          <a:fontRef idx="minor">
+            <a:schemeClr val="lt1"/>
+          </a:fontRef>
+        </p:style>
+        <p:txBody>
+          <a:bodyPr wrap="square">
+            <a:spAutoFit/>
+          </a:bodyPr>
+          <a:lstStyle/>
+          <a:p>
+            <a:r>
+              <a:rPr lang="en-US" sz="1500" b="1" dirty="0" err="1" smtClean="0">
+                <a:solidFill>
+                  <a:schemeClr val="accent6">
+                    <a:lumMod val="75000"/>
+                  </a:schemeClr>
+                </a:solidFill>
+                <a:latin typeface="Corbel" panose="020B0503020204020204" pitchFamily="34" charset="0"/>
+              </a:rPr>
+              <a:t>SQLTransientException</a:t>
+            </a:r>
+            <a:endParaRPr lang="ru-RU" sz="1500" dirty="0" smtClean="0">
+              <a:solidFill>
+                <a:schemeClr val="accent6">
+                  <a:lumMod val="75000"/>
+                </a:schemeClr>
+              </a:solidFill>
+              <a:latin typeface="Corbel" panose="020B0503020204020204" pitchFamily="34" charset="0"/>
+            </a:endParaRPr>
+          </a:p>
+          <a:p>
+            <a:r>
+              <a:rPr lang="ru-RU" sz="1500" dirty="0" smtClean="0">
+                <a:solidFill>
+                  <a:schemeClr val="tx1"/>
+                </a:solidFill>
+                <a:latin typeface="Corbel" panose="020B0503020204020204" pitchFamily="34" charset="0"/>
+              </a:rPr>
+              <a:t>При </a:t>
+            </a:r>
+            <a:r>
+              <a:rPr lang="ru-RU" sz="1500" dirty="0">
+                <a:solidFill>
+                  <a:schemeClr val="tx1"/>
+                </a:solidFill>
+                <a:latin typeface="Corbel" panose="020B0503020204020204" pitchFamily="34" charset="0"/>
+              </a:rPr>
+              <a:t>превышении времени ожидания блокировки строки в операции UPDATE выбрасывается </a:t>
+            </a:r>
+            <a:r>
+              <a:rPr lang="ru-RU" sz="1500" dirty="0" err="1">
+                <a:solidFill>
+                  <a:schemeClr val="tx1"/>
+                </a:solidFill>
+                <a:latin typeface="Corbel" panose="020B0503020204020204" pitchFamily="34" charset="0"/>
+              </a:rPr>
+              <a:t>SQLTransactionRollbackException</a:t>
+            </a:r>
+            <a:r>
+              <a:rPr lang="ru-RU" sz="1500" dirty="0">
+                <a:solidFill>
+                  <a:schemeClr val="tx1"/>
+                </a:solidFill>
+                <a:latin typeface="Corbel" panose="020B0503020204020204" pitchFamily="34" charset="0"/>
+              </a:rPr>
+              <a:t> (подкласс </a:t>
+            </a:r>
+            <a:r>
+              <a:rPr lang="ru-RU" sz="1500" dirty="0" err="1">
+                <a:solidFill>
+                  <a:schemeClr val="tx1"/>
+                </a:solidFill>
+                <a:latin typeface="Corbel" panose="020B0503020204020204" pitchFamily="34" charset="0"/>
+              </a:rPr>
+              <a:t>SQLTransientException</a:t>
+            </a:r>
+            <a:r>
+              <a:rPr lang="ru-RU" sz="1500" dirty="0">
+                <a:solidFill>
+                  <a:schemeClr val="tx1"/>
+                </a:solidFill>
+                <a:latin typeface="Corbel" panose="020B0503020204020204" pitchFamily="34" charset="0"/>
+              </a:rPr>
+              <a:t>), и указанную операцию допускается корректно повторить.</a:t>
+            </a:r>
+          </a:p>
+          <a:p>
+            <a:endParaRPr lang="ru-RU" sz="1500" dirty="0">
+              <a:solidFill>
+                <a:schemeClr val="tx1"/>
+              </a:solidFill>
+              <a:latin typeface="Corbel" panose="020B0503020204020204" pitchFamily="34" charset="0"/>
+            </a:endParaRPr>
+          </a:p>
+          <a:p>
+            <a:r>
+              <a:rPr lang="ru-RU" sz="1500" dirty="0">
+                <a:solidFill>
+                  <a:schemeClr val="tx1"/>
+                </a:solidFill>
+                <a:latin typeface="Corbel" panose="020B0503020204020204" pitchFamily="34" charset="0"/>
+              </a:rPr>
+              <a:t>При превышении времени выполнения запроса, заданного методом </a:t>
+            </a:r>
+            <a:r>
+              <a:rPr lang="ru-RU" sz="1500" dirty="0" err="1">
+                <a:solidFill>
+                  <a:schemeClr val="tx1"/>
+                </a:solidFill>
+                <a:latin typeface="Corbel" panose="020B0503020204020204" pitchFamily="34" charset="0"/>
+              </a:rPr>
+              <a:t>Statement.setQueryTimeout</a:t>
+            </a:r>
+            <a:r>
+              <a:rPr lang="ru-RU" sz="1500" dirty="0">
+                <a:solidFill>
+                  <a:schemeClr val="tx1"/>
+                </a:solidFill>
+                <a:latin typeface="Corbel" panose="020B0503020204020204" pitchFamily="34" charset="0"/>
+              </a:rPr>
+              <a:t>(5), драйвер формирует </a:t>
+            </a:r>
+            <a:r>
+              <a:rPr lang="ru-RU" sz="1500" dirty="0" err="1">
+                <a:solidFill>
+                  <a:schemeClr val="tx1"/>
+                </a:solidFill>
+                <a:latin typeface="Corbel" panose="020B0503020204020204" pitchFamily="34" charset="0"/>
+              </a:rPr>
+              <a:t>SQLTimeoutException</a:t>
+            </a:r>
+            <a:r>
+              <a:rPr lang="ru-RU" sz="1500" dirty="0">
+                <a:solidFill>
+                  <a:schemeClr val="tx1"/>
+                </a:solidFill>
+                <a:latin typeface="Corbel" panose="020B0503020204020204" pitchFamily="34" charset="0"/>
+              </a:rPr>
+              <a:t>; в ответ может применяться повторный запуск операции либо информирование пользователя о чрезмерной «</a:t>
+            </a:r>
+            <a:r>
+              <a:rPr lang="ru-RU" sz="1500" dirty="0" err="1">
+                <a:solidFill>
+                  <a:schemeClr val="tx1"/>
+                </a:solidFill>
+                <a:latin typeface="Corbel" panose="020B0503020204020204" pitchFamily="34" charset="0"/>
+              </a:rPr>
+              <a:t>тяжёлости</a:t>
+            </a:r>
+            <a:r>
+              <a:rPr lang="ru-RU" sz="1500" dirty="0">
+                <a:solidFill>
+                  <a:schemeClr val="tx1"/>
+                </a:solidFill>
+                <a:latin typeface="Corbel" panose="020B0503020204020204" pitchFamily="34" charset="0"/>
+              </a:rPr>
+              <a:t>» запроса.</a:t>
+            </a:r>
+          </a:p>
+        </p:txBody>
+      </p:sp>
+    </p:spTree>
+    <p:extLst>
+      <p:ext uri="{BB962C8B-B14F-4D97-AF65-F5344CB8AC3E}">
+        <p14:creationId xmlns:p14="http://schemas.microsoft.com/office/powerpoint/2010/main" val="3277078565"/>
+      </p:ext>
+    </p:extLst>
+  </p:cSld>
+  <p:clrMapOvr>
+    <a:masterClrMapping/>
+  </p:clrMapOvr>
+  <p:timing>
+    <p:tnLst>
+      <p:par>
+        <p:cTn id="1" dur="indefinite" restart="never" nodeType="tmRoot"/>
+      </p:par>
+    </p:tnLst>
+  </p:timing>
+</p:sld>
+</file>
+
+<file path=ppt/slides/slide7.xml><?xml version="1.0" encoding="utf-8"?>
 <p:sld xmlns:a="http://schemas.openxmlformats.org/drawingml/2006/main" xmlns:r="http://schemas.openxmlformats.org/officeDocument/2006/relationships" xmlns:p="http://schemas.openxmlformats.org/presentationml/2006/main">
   <p:cSld>
     <p:spTree>
@@ -19732,10 +21487,17 @@
   <p:clrMapOvr>
     <a:masterClrMapping/>
   </p:clrMapOvr>
+  <p:timing>
+    <p:tnLst>
+      <p:par>
+        <p:cTn id="1" dur="indefinite" restart="never" nodeType="tmRoot"/>
+      </p:par>
+    </p:tnLst>
+  </p:timing>
 </p:sld>
 </file>
 
-<file path=ppt/slides/slide7.xml><?xml version="1.0" encoding="utf-8"?>
+<file path=ppt/slides/slide8.xml><?xml version="1.0" encoding="utf-8"?>
 <p:sld xmlns:a="http://schemas.openxmlformats.org/drawingml/2006/main" xmlns:r="http://schemas.openxmlformats.org/officeDocument/2006/relationships" xmlns:p="http://schemas.openxmlformats.org/presentationml/2006/main">
   <p:cSld>
     <p:spTree>
@@ -20208,10 +21970,17 @@
   <p:clrMapOvr>
     <a:masterClrMapping/>
   </p:clrMapOvr>
+  <p:timing>
+    <p:tnLst>
+      <p:par>
+        <p:cTn id="1" dur="indefinite" restart="never" nodeType="tmRoot"/>
+      </p:par>
+    </p:tnLst>
+  </p:timing>
 </p:sld>
 </file>
 
-<file path=ppt/slides/slide8.xml><?xml version="1.0" encoding="utf-8"?>
+<file path=ppt/slides/slide9.xml><?xml version="1.0" encoding="utf-8"?>
 <p:sld xmlns:a="http://schemas.openxmlformats.org/drawingml/2006/main" xmlns:r="http://schemas.openxmlformats.org/officeDocument/2006/relationships" xmlns:p="http://schemas.openxmlformats.org/presentationml/2006/main">
   <p:cSld>
     <p:spTree>
@@ -21214,851 +22983,13 @@
   <p:clrMapOvr>
     <a:masterClrMapping/>
   </p:clrMapOvr>
-</p:sld>
-</file>
-
-<file path=ppt/slides/slide9.xml><?xml version="1.0" encoding="utf-8"?>
-<p:sld xmlns:a="http://schemas.openxmlformats.org/drawingml/2006/main" xmlns:r="http://schemas.openxmlformats.org/officeDocument/2006/relationships" xmlns:p="http://schemas.openxmlformats.org/presentationml/2006/main">
-  <p:cSld>
-    <p:spTree>
-      <p:nvGrpSpPr>
-        <p:cNvPr id="1" name=""/>
-        <p:cNvGrpSpPr/>
-        <p:nvPr/>
-      </p:nvGrpSpPr>
-      <p:grpSpPr>
-        <a:xfrm>
-          <a:off x="0" y="0"/>
-          <a:ext cx="0" cy="0"/>
-          <a:chOff x="0" y="0"/>
-          <a:chExt cx="0" cy="0"/>
-        </a:xfrm>
-      </p:grpSpPr>
-      <p:sp>
-        <p:nvSpPr>
-          <p:cNvPr id="3" name="TextBox 2">
-            <a:extLst>
-              <a:ext uri="{FF2B5EF4-FFF2-40B4-BE49-F238E27FC236}">
-                <a16:creationId xmlns:a16="http://schemas.microsoft.com/office/drawing/2014/main" id="{012FD95E-2EF4-AFB5-E918-382258E472C9}"/>
-              </a:ext>
-            </a:extLst>
-          </p:cNvPr>
-          <p:cNvSpPr txBox="1"/>
-          <p:nvPr/>
-        </p:nvSpPr>
-        <p:spPr>
-          <a:xfrm>
-            <a:off x="725714" y="705483"/>
-            <a:ext cx="2780393" cy="553998"/>
-          </a:xfrm>
-          <a:prstGeom prst="rect">
-            <a:avLst/>
-          </a:prstGeom>
-          <a:noFill/>
-        </p:spPr>
-        <p:txBody>
-          <a:bodyPr wrap="square">
-            <a:spAutoFit/>
-          </a:bodyPr>
-          <a:lstStyle/>
-          <a:p>
-            <a:r>
-              <a:rPr lang="en-US" sz="3000" dirty="0">
-                <a:solidFill>
-                  <a:schemeClr val="accent1">
-                    <a:lumMod val="75000"/>
-                  </a:schemeClr>
-                </a:solidFill>
-                <a:latin typeface="Bahnschrift SemiBold" panose="020B0502040204020203" pitchFamily="34" charset="0"/>
-              </a:rPr>
-              <a:t>DAO PATTERN</a:t>
-            </a:r>
-            <a:endParaRPr lang="ru-RU" sz="3000" dirty="0">
-              <a:solidFill>
-                <a:schemeClr val="accent1">
-                  <a:lumMod val="75000"/>
-                </a:schemeClr>
-              </a:solidFill>
-              <a:latin typeface="Bahnschrift SemiBold" panose="020B0502040204020203" pitchFamily="34" charset="0"/>
-            </a:endParaRPr>
-          </a:p>
-        </p:txBody>
-      </p:sp>
-      <p:sp>
-        <p:nvSpPr>
-          <p:cNvPr id="5" name="TextBox 4">
-            <a:extLst>
-              <a:ext uri="{FF2B5EF4-FFF2-40B4-BE49-F238E27FC236}">
-                <a16:creationId xmlns:a16="http://schemas.microsoft.com/office/drawing/2014/main" id="{EDCFDCA9-A711-E443-AFCF-B9F3632D7C7A}"/>
-              </a:ext>
-            </a:extLst>
-          </p:cNvPr>
-          <p:cNvSpPr txBox="1"/>
-          <p:nvPr/>
-        </p:nvSpPr>
-        <p:spPr>
-          <a:xfrm>
-            <a:off x="725713" y="1683602"/>
-            <a:ext cx="4612405" cy="784830"/>
-          </a:xfrm>
-          <a:prstGeom prst="rect">
-            <a:avLst/>
-          </a:prstGeom>
-          <a:noFill/>
-        </p:spPr>
-        <p:txBody>
-          <a:bodyPr wrap="square">
-            <a:spAutoFit/>
-          </a:bodyPr>
-          <a:lstStyle/>
-          <a:p>
-            <a:r>
-              <a:rPr lang="ru-RU" sz="1500" dirty="0" smtClean="0">
-                <a:latin typeface="Corbel" panose="020B0503020204020204" pitchFamily="34" charset="0"/>
-              </a:rPr>
-              <a:t>Допустим</a:t>
-            </a:r>
-            <a:r>
-              <a:rPr lang="ru-RU" sz="1500" dirty="0">
-                <a:latin typeface="Corbel" panose="020B0503020204020204" pitchFamily="34" charset="0"/>
-              </a:rPr>
-              <a:t>, у вас есть </a:t>
-            </a:r>
-            <a:r>
-              <a:rPr lang="ru-RU" sz="1500" dirty="0" err="1" smtClean="0">
-                <a:latin typeface="Corbel" panose="020B0503020204020204" pitchFamily="34" charset="0"/>
-              </a:rPr>
-              <a:t>OrderService</a:t>
-            </a:r>
-            <a:r>
-              <a:rPr lang="ru-RU" sz="1500" dirty="0" smtClean="0">
-                <a:latin typeface="Corbel" panose="020B0503020204020204" pitchFamily="34" charset="0"/>
-              </a:rPr>
-              <a:t>, где вы производите различные сложные операции с заказами, внутри которых выполняете </a:t>
-            </a:r>
-            <a:r>
-              <a:rPr lang="en-US" sz="1500" dirty="0" smtClean="0">
-                <a:latin typeface="Corbel" panose="020B0503020204020204" pitchFamily="34" charset="0"/>
-              </a:rPr>
-              <a:t>SQL</a:t>
-            </a:r>
-            <a:r>
-              <a:rPr lang="ru-RU" sz="1500" dirty="0" smtClean="0">
-                <a:latin typeface="Corbel" panose="020B0503020204020204" pitchFamily="34" charset="0"/>
-              </a:rPr>
-              <a:t> запросы:</a:t>
-            </a:r>
-            <a:endParaRPr lang="ru-RU" sz="1500" dirty="0">
-              <a:latin typeface="Corbel" panose="020B0503020204020204" pitchFamily="34" charset="0"/>
-            </a:endParaRPr>
-          </a:p>
-        </p:txBody>
-      </p:sp>
-      <p:sp>
-        <p:nvSpPr>
-          <p:cNvPr id="7" name="TextBox 6">
-            <a:extLst>
-              <a:ext uri="{FF2B5EF4-FFF2-40B4-BE49-F238E27FC236}">
-                <a16:creationId xmlns:a16="http://schemas.microsoft.com/office/drawing/2014/main" id="{7BB25DE8-917C-CBBF-06CA-2F85E9610D35}"/>
-              </a:ext>
-            </a:extLst>
-          </p:cNvPr>
-          <p:cNvSpPr txBox="1"/>
-          <p:nvPr/>
-        </p:nvSpPr>
-        <p:spPr>
-          <a:xfrm>
-            <a:off x="6059714" y="982482"/>
-            <a:ext cx="5406572" cy="5168862"/>
-          </a:xfrm>
-          <a:prstGeom prst="roundRect">
-            <a:avLst/>
-          </a:prstGeom>
-          <a:solidFill>
-            <a:schemeClr val="tx1">
-              <a:lumMod val="95000"/>
-              <a:lumOff val="5000"/>
-            </a:schemeClr>
-          </a:solidFill>
-        </p:spPr>
-        <p:txBody>
-          <a:bodyPr wrap="square">
-            <a:spAutoFit/>
-          </a:bodyPr>
-          <a:lstStyle/>
-          <a:p>
-            <a:r>
-              <a:rPr lang="en-US" sz="1417" dirty="0">
-                <a:solidFill>
-                  <a:srgbClr val="D47DFF"/>
-                </a:solidFill>
-                <a:latin typeface="Consolas" panose="020B0609020204030204" pitchFamily="49" charset="0"/>
-              </a:rPr>
-              <a:t>class</a:t>
-            </a:r>
-            <a:r>
-              <a:rPr lang="en-US" sz="1417" dirty="0">
-                <a:solidFill>
-                  <a:schemeClr val="bg1"/>
-                </a:solidFill>
-                <a:latin typeface="Consolas" panose="020B0609020204030204" pitchFamily="49" charset="0"/>
-              </a:rPr>
-              <a:t> </a:t>
-            </a:r>
-            <a:r>
-              <a:rPr lang="en-US" sz="1417" dirty="0" err="1">
-                <a:solidFill>
-                  <a:srgbClr val="00FFFF"/>
-                </a:solidFill>
-                <a:latin typeface="Consolas" panose="020B0609020204030204" pitchFamily="49" charset="0"/>
-              </a:rPr>
-              <a:t>OrderService</a:t>
-            </a:r>
-            <a:r>
-              <a:rPr lang="en-US" sz="1417" dirty="0">
-                <a:solidFill>
-                  <a:schemeClr val="bg1"/>
-                </a:solidFill>
-                <a:latin typeface="Consolas" panose="020B0609020204030204" pitchFamily="49" charset="0"/>
-              </a:rPr>
-              <a:t> {</a:t>
-            </a:r>
-          </a:p>
-          <a:p>
-            <a:r>
-              <a:rPr lang="en-US" sz="1417" dirty="0">
-                <a:solidFill>
-                  <a:schemeClr val="bg1"/>
-                </a:solidFill>
-                <a:latin typeface="Consolas" panose="020B0609020204030204" pitchFamily="49" charset="0"/>
-              </a:rPr>
-              <a:t>    </a:t>
-            </a:r>
-            <a:r>
-              <a:rPr lang="en-US" sz="1417" dirty="0">
-                <a:solidFill>
-                  <a:srgbClr val="D47DFF"/>
-                </a:solidFill>
-                <a:latin typeface="Consolas" panose="020B0609020204030204" pitchFamily="49" charset="0"/>
-              </a:rPr>
-              <a:t>public void </a:t>
-            </a:r>
-            <a:r>
-              <a:rPr lang="en-US" sz="1417" dirty="0" err="1">
-                <a:solidFill>
-                  <a:srgbClr val="00FFFF"/>
-                </a:solidFill>
-                <a:latin typeface="Consolas" panose="020B0609020204030204" pitchFamily="49" charset="0"/>
-              </a:rPr>
-              <a:t>createOrder</a:t>
-            </a:r>
-            <a:r>
-              <a:rPr lang="en-US" sz="1417" dirty="0">
-                <a:solidFill>
-                  <a:srgbClr val="FFC000"/>
-                </a:solidFill>
-                <a:latin typeface="Consolas" panose="020B0609020204030204" pitchFamily="49" charset="0"/>
-              </a:rPr>
-              <a:t>(Order order) </a:t>
-            </a:r>
-            <a:r>
-              <a:rPr lang="en-US" sz="1417" dirty="0">
-                <a:solidFill>
-                  <a:schemeClr val="bg1"/>
-                </a:solidFill>
-                <a:latin typeface="Consolas" panose="020B0609020204030204" pitchFamily="49" charset="0"/>
-              </a:rPr>
-              <a:t>{</a:t>
-            </a:r>
-          </a:p>
-          <a:p>
-            <a:r>
-              <a:rPr lang="en-US" sz="1417" dirty="0">
-                <a:solidFill>
-                  <a:schemeClr val="bg1"/>
-                </a:solidFill>
-                <a:latin typeface="Consolas" panose="020B0609020204030204" pitchFamily="49" charset="0"/>
-              </a:rPr>
-              <a:t>        </a:t>
-            </a:r>
-            <a:r>
-              <a:rPr lang="en-US" sz="1417" dirty="0">
-                <a:solidFill>
-                  <a:srgbClr val="FFC000"/>
-                </a:solidFill>
-                <a:latin typeface="Consolas" panose="020B0609020204030204" pitchFamily="49" charset="0"/>
-              </a:rPr>
-              <a:t>Connection</a:t>
-            </a:r>
-            <a:r>
-              <a:rPr lang="en-US" sz="1417" dirty="0">
-                <a:solidFill>
-                  <a:schemeClr val="bg1"/>
-                </a:solidFill>
-                <a:latin typeface="Consolas" panose="020B0609020204030204" pitchFamily="49" charset="0"/>
-              </a:rPr>
-              <a:t> conn = ...;</a:t>
-            </a:r>
-          </a:p>
-          <a:p>
-            <a:r>
-              <a:rPr lang="en-US" sz="1417" dirty="0">
-                <a:solidFill>
-                  <a:schemeClr val="bg1"/>
-                </a:solidFill>
-                <a:latin typeface="Consolas" panose="020B0609020204030204" pitchFamily="49" charset="0"/>
-              </a:rPr>
-              <a:t>        </a:t>
-            </a:r>
-            <a:r>
-              <a:rPr lang="en-US" sz="1417" dirty="0" err="1">
-                <a:solidFill>
-                  <a:srgbClr val="FFC000"/>
-                </a:solidFill>
-                <a:latin typeface="Consolas" panose="020B0609020204030204" pitchFamily="49" charset="0"/>
-              </a:rPr>
-              <a:t>PreparedStatement</a:t>
-            </a:r>
-            <a:r>
-              <a:rPr lang="en-US" sz="1417" dirty="0">
-                <a:solidFill>
-                  <a:schemeClr val="bg1"/>
-                </a:solidFill>
-                <a:latin typeface="Consolas" panose="020B0609020204030204" pitchFamily="49" charset="0"/>
-              </a:rPr>
-              <a:t> </a:t>
-            </a:r>
-            <a:r>
-              <a:rPr lang="en-US" sz="1417" dirty="0" err="1">
-                <a:solidFill>
-                  <a:schemeClr val="bg1"/>
-                </a:solidFill>
-                <a:latin typeface="Consolas" panose="020B0609020204030204" pitchFamily="49" charset="0"/>
-              </a:rPr>
-              <a:t>pstmt</a:t>
-            </a:r>
-            <a:r>
-              <a:rPr lang="en-US" sz="1417" dirty="0">
-                <a:solidFill>
-                  <a:schemeClr val="bg1"/>
-                </a:solidFill>
-                <a:latin typeface="Consolas" panose="020B0609020204030204" pitchFamily="49" charset="0"/>
-              </a:rPr>
-              <a:t> = </a:t>
-            </a:r>
-            <a:r>
-              <a:rPr lang="en-US" sz="1417" dirty="0" err="1">
-                <a:solidFill>
-                  <a:schemeClr val="bg1"/>
-                </a:solidFill>
-                <a:latin typeface="Consolas" panose="020B0609020204030204" pitchFamily="49" charset="0"/>
-              </a:rPr>
-              <a:t>conn.prepareStatement</a:t>
-            </a:r>
-            <a:r>
-              <a:rPr lang="en-US" sz="1417" dirty="0">
-                <a:solidFill>
-                  <a:schemeClr val="bg1"/>
-                </a:solidFill>
-                <a:latin typeface="Consolas" panose="020B0609020204030204" pitchFamily="49" charset="0"/>
-              </a:rPr>
-              <a:t>(</a:t>
-            </a:r>
-          </a:p>
-          <a:p>
-            <a:r>
-              <a:rPr lang="en-US" sz="1417" dirty="0">
-                <a:solidFill>
-                  <a:srgbClr val="ABE338"/>
-                </a:solidFill>
-                <a:latin typeface="Consolas" panose="020B0609020204030204" pitchFamily="49" charset="0"/>
-              </a:rPr>
-              <a:t>            "INSERT INTO orders ..."</a:t>
-            </a:r>
-          </a:p>
-          <a:p>
-            <a:r>
-              <a:rPr lang="en-US" sz="1417" dirty="0">
-                <a:solidFill>
-                  <a:schemeClr val="bg1"/>
-                </a:solidFill>
-                <a:latin typeface="Consolas" panose="020B0609020204030204" pitchFamily="49" charset="0"/>
-              </a:rPr>
-              <a:t>        );</a:t>
-            </a:r>
-          </a:p>
-          <a:p>
-            <a:r>
-              <a:rPr lang="en-US" sz="1417" dirty="0">
-                <a:solidFill>
-                  <a:srgbClr val="DDDDDD"/>
-                </a:solidFill>
-                <a:latin typeface="Consolas" panose="020B0609020204030204" pitchFamily="49" charset="0"/>
-              </a:rPr>
-              <a:t>        </a:t>
-            </a:r>
-            <a:r>
-              <a:rPr lang="en-US" sz="1417" dirty="0">
-                <a:solidFill>
-                  <a:srgbClr val="EBE2CF"/>
-                </a:solidFill>
-                <a:latin typeface="Consolas" panose="020B0609020204030204" pitchFamily="49" charset="0"/>
-              </a:rPr>
-              <a:t>// 20 </a:t>
-            </a:r>
-            <a:r>
-              <a:rPr lang="ru-RU" sz="1417" dirty="0">
-                <a:solidFill>
-                  <a:srgbClr val="EBE2CF"/>
-                </a:solidFill>
-                <a:latin typeface="Consolas" panose="020B0609020204030204" pitchFamily="49" charset="0"/>
-              </a:rPr>
-              <a:t>строк </a:t>
-            </a:r>
-            <a:r>
-              <a:rPr lang="en-US" sz="1417" dirty="0">
-                <a:solidFill>
-                  <a:srgbClr val="EBE2CF"/>
-                </a:solidFill>
-                <a:latin typeface="Consolas" panose="020B0609020204030204" pitchFamily="49" charset="0"/>
-              </a:rPr>
-              <a:t>SQL </a:t>
-            </a:r>
-            <a:r>
-              <a:rPr lang="ru-RU" sz="1417" dirty="0">
-                <a:solidFill>
-                  <a:srgbClr val="EBE2CF"/>
-                </a:solidFill>
-                <a:latin typeface="Consolas" panose="020B0609020204030204" pitchFamily="49" charset="0"/>
-              </a:rPr>
-              <a:t>кода</a:t>
-            </a:r>
-          </a:p>
-          <a:p>
-            <a:r>
-              <a:rPr lang="ru-RU" sz="1417" dirty="0">
-                <a:solidFill>
-                  <a:schemeClr val="bg1"/>
-                </a:solidFill>
-                <a:latin typeface="Consolas" panose="020B0609020204030204" pitchFamily="49" charset="0"/>
-              </a:rPr>
-              <a:t>        ...</a:t>
-            </a:r>
-          </a:p>
-          <a:p>
-            <a:r>
-              <a:rPr lang="ru-RU" sz="1417" dirty="0">
-                <a:solidFill>
-                  <a:schemeClr val="bg1"/>
-                </a:solidFill>
-                <a:latin typeface="Consolas" panose="020B0609020204030204" pitchFamily="49" charset="0"/>
-              </a:rPr>
-              <a:t>    }</a:t>
-            </a:r>
-          </a:p>
-          <a:p>
-            <a:r>
-              <a:rPr lang="ru-RU" sz="1417" dirty="0">
-                <a:solidFill>
-                  <a:schemeClr val="bg1"/>
-                </a:solidFill>
-                <a:latin typeface="Consolas" panose="020B0609020204030204" pitchFamily="49" charset="0"/>
-              </a:rPr>
-              <a:t>    </a:t>
-            </a:r>
-          </a:p>
-          <a:p>
-            <a:r>
-              <a:rPr lang="ru-RU" sz="1417" dirty="0">
-                <a:solidFill>
-                  <a:schemeClr val="bg1"/>
-                </a:solidFill>
-                <a:latin typeface="Consolas" panose="020B0609020204030204" pitchFamily="49" charset="0"/>
-              </a:rPr>
-              <a:t>    </a:t>
-            </a:r>
-            <a:r>
-              <a:rPr lang="en-US" sz="1417" dirty="0">
-                <a:solidFill>
-                  <a:srgbClr val="D47DFF"/>
-                </a:solidFill>
-                <a:latin typeface="Consolas" panose="020B0609020204030204" pitchFamily="49" charset="0"/>
-              </a:rPr>
-              <a:t>public</a:t>
-            </a:r>
-            <a:r>
-              <a:rPr lang="en-US" sz="1417" dirty="0">
-                <a:solidFill>
-                  <a:schemeClr val="bg1"/>
-                </a:solidFill>
-                <a:latin typeface="Consolas" panose="020B0609020204030204" pitchFamily="49" charset="0"/>
-              </a:rPr>
-              <a:t> Order </a:t>
-            </a:r>
-            <a:r>
-              <a:rPr lang="en-US" sz="1417" dirty="0" err="1">
-                <a:solidFill>
-                  <a:srgbClr val="00FFFF"/>
-                </a:solidFill>
-                <a:latin typeface="Consolas" panose="020B0609020204030204" pitchFamily="49" charset="0"/>
-              </a:rPr>
-              <a:t>getOrder</a:t>
-            </a:r>
-            <a:r>
-              <a:rPr lang="en-US" sz="1417" dirty="0">
-                <a:solidFill>
-                  <a:srgbClr val="FFC000"/>
-                </a:solidFill>
-                <a:latin typeface="Consolas" panose="020B0609020204030204" pitchFamily="49" charset="0"/>
-              </a:rPr>
-              <a:t>(Long id) </a:t>
-            </a:r>
-            <a:r>
-              <a:rPr lang="en-US" sz="1417" dirty="0">
-                <a:solidFill>
-                  <a:schemeClr val="bg1"/>
-                </a:solidFill>
-                <a:latin typeface="Consolas" panose="020B0609020204030204" pitchFamily="49" charset="0"/>
-              </a:rPr>
-              <a:t>{</a:t>
-            </a:r>
-          </a:p>
-          <a:p>
-            <a:r>
-              <a:rPr lang="en-US" sz="1417" dirty="0">
-                <a:solidFill>
-                  <a:schemeClr val="bg1"/>
-                </a:solidFill>
-                <a:latin typeface="Consolas" panose="020B0609020204030204" pitchFamily="49" charset="0"/>
-              </a:rPr>
-              <a:t>        </a:t>
-            </a:r>
-            <a:r>
-              <a:rPr lang="en-US" sz="1417" dirty="0">
-                <a:solidFill>
-                  <a:srgbClr val="FFC000"/>
-                </a:solidFill>
-                <a:latin typeface="Consolas" panose="020B0609020204030204" pitchFamily="49" charset="0"/>
-              </a:rPr>
-              <a:t>Connection</a:t>
-            </a:r>
-            <a:r>
-              <a:rPr lang="en-US" sz="1417" dirty="0">
-                <a:solidFill>
-                  <a:schemeClr val="bg1"/>
-                </a:solidFill>
-                <a:latin typeface="Consolas" panose="020B0609020204030204" pitchFamily="49" charset="0"/>
-              </a:rPr>
-              <a:t> conn = ...;</a:t>
-            </a:r>
-          </a:p>
-          <a:p>
-            <a:r>
-              <a:rPr lang="en-US" sz="1417" dirty="0">
-                <a:solidFill>
-                  <a:schemeClr val="bg1"/>
-                </a:solidFill>
-                <a:latin typeface="Consolas" panose="020B0609020204030204" pitchFamily="49" charset="0"/>
-              </a:rPr>
-              <a:t>        </a:t>
-            </a:r>
-            <a:r>
-              <a:rPr lang="en-US" sz="1417" dirty="0" err="1">
-                <a:solidFill>
-                  <a:srgbClr val="FFC000"/>
-                </a:solidFill>
-                <a:latin typeface="Consolas" panose="020B0609020204030204" pitchFamily="49" charset="0"/>
-              </a:rPr>
-              <a:t>PreparedStatement</a:t>
-            </a:r>
-            <a:r>
-              <a:rPr lang="en-US" sz="1417" dirty="0">
-                <a:solidFill>
-                  <a:schemeClr val="bg1"/>
-                </a:solidFill>
-                <a:latin typeface="Consolas" panose="020B0609020204030204" pitchFamily="49" charset="0"/>
-              </a:rPr>
-              <a:t> </a:t>
-            </a:r>
-            <a:r>
-              <a:rPr lang="en-US" sz="1417" dirty="0" err="1">
-                <a:solidFill>
-                  <a:schemeClr val="bg1"/>
-                </a:solidFill>
-                <a:latin typeface="Consolas" panose="020B0609020204030204" pitchFamily="49" charset="0"/>
-              </a:rPr>
-              <a:t>pstmt</a:t>
-            </a:r>
-            <a:r>
-              <a:rPr lang="en-US" sz="1417" dirty="0">
-                <a:solidFill>
-                  <a:schemeClr val="bg1"/>
-                </a:solidFill>
-                <a:latin typeface="Consolas" panose="020B0609020204030204" pitchFamily="49" charset="0"/>
-              </a:rPr>
-              <a:t> = </a:t>
-            </a:r>
-            <a:r>
-              <a:rPr lang="en-US" sz="1417" dirty="0" err="1">
-                <a:solidFill>
-                  <a:schemeClr val="bg1"/>
-                </a:solidFill>
-                <a:latin typeface="Consolas" panose="020B0609020204030204" pitchFamily="49" charset="0"/>
-              </a:rPr>
-              <a:t>conn.prepareStatement</a:t>
-            </a:r>
-            <a:r>
-              <a:rPr lang="en-US" sz="1417" dirty="0">
-                <a:solidFill>
-                  <a:schemeClr val="bg1"/>
-                </a:solidFill>
-                <a:latin typeface="Consolas" panose="020B0609020204030204" pitchFamily="49" charset="0"/>
-              </a:rPr>
-              <a:t>(</a:t>
-            </a:r>
-          </a:p>
-          <a:p>
-            <a:r>
-              <a:rPr lang="en-US" sz="1417" dirty="0">
-                <a:solidFill>
-                  <a:srgbClr val="ABE338"/>
-                </a:solidFill>
-                <a:latin typeface="Consolas" panose="020B0609020204030204" pitchFamily="49" charset="0"/>
-              </a:rPr>
-              <a:t>            "SELECT * FROM orders WHERE id = ?"</a:t>
-            </a:r>
-          </a:p>
-          <a:p>
-            <a:r>
-              <a:rPr lang="en-US" sz="1417" dirty="0">
-                <a:solidFill>
-                  <a:schemeClr val="bg1"/>
-                </a:solidFill>
-                <a:latin typeface="Consolas" panose="020B0609020204030204" pitchFamily="49" charset="0"/>
-              </a:rPr>
-              <a:t>        );</a:t>
-            </a:r>
-          </a:p>
-          <a:p>
-            <a:r>
-              <a:rPr lang="en-US" sz="1417" dirty="0">
-                <a:solidFill>
-                  <a:schemeClr val="bg1"/>
-                </a:solidFill>
-                <a:latin typeface="Consolas" panose="020B0609020204030204" pitchFamily="49" charset="0"/>
-              </a:rPr>
-              <a:t>        </a:t>
-            </a:r>
-            <a:r>
-              <a:rPr lang="en-US" sz="1417" dirty="0">
-                <a:solidFill>
-                  <a:srgbClr val="EBE2CF"/>
-                </a:solidFill>
-                <a:latin typeface="Consolas" panose="020B0609020204030204" pitchFamily="49" charset="0"/>
-              </a:rPr>
-              <a:t>// </a:t>
-            </a:r>
-            <a:r>
-              <a:rPr lang="ru-RU" sz="1417" dirty="0">
-                <a:solidFill>
-                  <a:srgbClr val="EBE2CF"/>
-                </a:solidFill>
-                <a:latin typeface="Consolas" panose="020B0609020204030204" pitchFamily="49" charset="0"/>
-              </a:rPr>
-              <a:t>Еще 15 строк </a:t>
-            </a:r>
-            <a:r>
-              <a:rPr lang="en-US" sz="1417" dirty="0">
-                <a:solidFill>
-                  <a:srgbClr val="EBE2CF"/>
-                </a:solidFill>
-                <a:latin typeface="Consolas" panose="020B0609020204030204" pitchFamily="49" charset="0"/>
-              </a:rPr>
-              <a:t>SQL </a:t>
-            </a:r>
-            <a:r>
-              <a:rPr lang="ru-RU" sz="1417" dirty="0">
-                <a:solidFill>
-                  <a:srgbClr val="EBE2CF"/>
-                </a:solidFill>
-                <a:latin typeface="Consolas" panose="020B0609020204030204" pitchFamily="49" charset="0"/>
-              </a:rPr>
-              <a:t>кода</a:t>
-            </a:r>
-          </a:p>
-          <a:p>
-            <a:r>
-              <a:rPr lang="ru-RU" sz="1417" dirty="0">
-                <a:solidFill>
-                  <a:schemeClr val="bg1"/>
-                </a:solidFill>
-                <a:latin typeface="Consolas" panose="020B0609020204030204" pitchFamily="49" charset="0"/>
-              </a:rPr>
-              <a:t>        ...</a:t>
-            </a:r>
-          </a:p>
-          <a:p>
-            <a:r>
-              <a:rPr lang="ru-RU" sz="1417" dirty="0">
-                <a:solidFill>
-                  <a:schemeClr val="bg1"/>
-                </a:solidFill>
-                <a:latin typeface="Consolas" panose="020B0609020204030204" pitchFamily="49" charset="0"/>
-              </a:rPr>
-              <a:t>    }</a:t>
-            </a:r>
-          </a:p>
-          <a:p>
-            <a:r>
-              <a:rPr lang="ru-RU" sz="1417" dirty="0">
-                <a:solidFill>
-                  <a:schemeClr val="bg1"/>
-                </a:solidFill>
-                <a:latin typeface="Consolas" panose="020B0609020204030204" pitchFamily="49" charset="0"/>
-              </a:rPr>
-              <a:t>}</a:t>
-            </a:r>
-          </a:p>
-        </p:txBody>
-      </p:sp>
-      <p:sp>
-        <p:nvSpPr>
-          <p:cNvPr id="9" name="TextBox 8">
-            <a:extLst>
-              <a:ext uri="{FF2B5EF4-FFF2-40B4-BE49-F238E27FC236}">
-                <a16:creationId xmlns:a16="http://schemas.microsoft.com/office/drawing/2014/main" id="{5CDB344D-94EA-6A7B-0454-F2D921DBAA34}"/>
-              </a:ext>
-            </a:extLst>
-          </p:cNvPr>
-          <p:cNvSpPr txBox="1"/>
-          <p:nvPr/>
-        </p:nvSpPr>
-        <p:spPr>
-          <a:xfrm>
-            <a:off x="725714" y="2597417"/>
-            <a:ext cx="4476750" cy="2169825"/>
-          </a:xfrm>
-          <a:prstGeom prst="rect">
-            <a:avLst/>
-          </a:prstGeom>
-          <a:noFill/>
-        </p:spPr>
-        <p:txBody>
-          <a:bodyPr wrap="square">
-            <a:spAutoFit/>
-          </a:bodyPr>
-          <a:lstStyle/>
-          <a:p>
-            <a:endParaRPr lang="en-US" sz="1500" dirty="0">
-              <a:latin typeface="Corbel" panose="020B0503020204020204" pitchFamily="34" charset="0"/>
-            </a:endParaRPr>
-          </a:p>
-          <a:p>
-            <a:r>
-              <a:rPr lang="ru-RU" sz="1500" dirty="0" smtClean="0">
-                <a:latin typeface="Corbel" panose="020B0503020204020204" pitchFamily="34" charset="0"/>
-              </a:rPr>
-              <a:t>При добавлении все новых и новым методов для работы с заказами возникают определенные </a:t>
-            </a:r>
-            <a:r>
-              <a:rPr lang="ru-RU" sz="1500" dirty="0" smtClean="0">
-                <a:solidFill>
-                  <a:srgbClr val="FF0000"/>
-                </a:solidFill>
-                <a:latin typeface="Corbel" panose="020B0503020204020204" pitchFamily="34" charset="0"/>
-              </a:rPr>
-              <a:t>проблемы</a:t>
-            </a:r>
-            <a:r>
-              <a:rPr lang="ru-RU" sz="1500" dirty="0">
-                <a:solidFill>
-                  <a:srgbClr val="FF0000"/>
-                </a:solidFill>
-                <a:latin typeface="Corbel" panose="020B0503020204020204" pitchFamily="34" charset="0"/>
-              </a:rPr>
-              <a:t>:</a:t>
-            </a:r>
-          </a:p>
-          <a:p>
-            <a:endParaRPr lang="ru-RU" sz="1500" dirty="0">
-              <a:latin typeface="Corbel" panose="020B0503020204020204" pitchFamily="34" charset="0"/>
-            </a:endParaRPr>
-          </a:p>
-          <a:p>
-            <a:pPr marL="238115" indent="-238115">
-              <a:buFont typeface="Arial" panose="020B0604020202020204" pitchFamily="34" charset="0"/>
-              <a:buChar char="•"/>
-            </a:pPr>
-            <a:r>
-              <a:rPr lang="en-US" sz="1500" dirty="0">
-                <a:latin typeface="Corbel" panose="020B0503020204020204" pitchFamily="34" charset="0"/>
-              </a:rPr>
-              <a:t>SQL </a:t>
-            </a:r>
-            <a:r>
-              <a:rPr lang="ru-RU" sz="1500" dirty="0">
-                <a:latin typeface="Corbel" panose="020B0503020204020204" pitchFamily="34" charset="0"/>
-              </a:rPr>
-              <a:t>код повторяется везде</a:t>
-            </a:r>
-          </a:p>
-          <a:p>
-            <a:pPr marL="238115" indent="-238115">
-              <a:buFont typeface="Arial" panose="020B0604020202020204" pitchFamily="34" charset="0"/>
-              <a:buChar char="•"/>
-            </a:pPr>
-            <a:r>
-              <a:rPr lang="ru-RU" sz="1500" dirty="0">
-                <a:latin typeface="Corbel" panose="020B0503020204020204" pitchFamily="34" charset="0"/>
-              </a:rPr>
-              <a:t>Если нужно поменять БД, меняете везде</a:t>
-            </a:r>
-          </a:p>
-          <a:p>
-            <a:pPr marL="238115" indent="-238115">
-              <a:buFont typeface="Arial" panose="020B0604020202020204" pitchFamily="34" charset="0"/>
-              <a:buChar char="•"/>
-            </a:pPr>
-            <a:r>
-              <a:rPr lang="ru-RU" sz="1500" dirty="0">
-                <a:latin typeface="Corbel" panose="020B0503020204020204" pitchFamily="34" charset="0"/>
-              </a:rPr>
-              <a:t>Нельзя тестировать бизнес-логику без БД</a:t>
-            </a:r>
-          </a:p>
-          <a:p>
-            <a:pPr marL="238115" indent="-238115">
-              <a:buFont typeface="Arial" panose="020B0604020202020204" pitchFamily="34" charset="0"/>
-              <a:buChar char="•"/>
-            </a:pPr>
-            <a:r>
-              <a:rPr lang="ru-RU" sz="1500" dirty="0">
-                <a:latin typeface="Corbel" panose="020B0503020204020204" pitchFamily="34" charset="0"/>
-              </a:rPr>
-              <a:t>Грязная </a:t>
-            </a:r>
-            <a:r>
-              <a:rPr lang="ru-RU" sz="1500" dirty="0" smtClean="0">
-                <a:latin typeface="Corbel" panose="020B0503020204020204" pitchFamily="34" charset="0"/>
-              </a:rPr>
-              <a:t>архитектура</a:t>
-            </a:r>
-            <a:endParaRPr lang="ru-RU" sz="1500" dirty="0">
-              <a:latin typeface="Corbel" panose="020B0503020204020204" pitchFamily="34" charset="0"/>
-            </a:endParaRPr>
-          </a:p>
-        </p:txBody>
-      </p:sp>
-    </p:spTree>
-    <p:extLst>
-      <p:ext uri="{BB962C8B-B14F-4D97-AF65-F5344CB8AC3E}">
-        <p14:creationId xmlns:p14="http://schemas.microsoft.com/office/powerpoint/2010/main" val="3009954978"/>
-      </p:ext>
-    </p:extLst>
-  </p:cSld>
-  <p:clrMapOvr>
-    <a:masterClrMapping/>
-  </p:clrMapOvr>
+  <p:timing>
+    <p:tnLst>
+      <p:par>
+        <p:cTn id="1" dur="indefinite" restart="never" nodeType="tmRoot"/>
+      </p:par>
+    </p:tnLst>
+  </p:timing>
 </p:sld>
 </file>
 
